--- a/RedShirtParis2018-HOL-Graph API.PPTX
+++ b/RedShirtParis2018-HOL-Graph API.PPTX
@@ -9,10 +9,10 @@
     <p:sldMasterId id="2147484565" r:id="rId8"/>
   </p:sldMasterIdLst>
   <p:notesMasterIdLst>
-    <p:notesMasterId r:id="rId21"/>
+    <p:notesMasterId r:id="rId20"/>
   </p:notesMasterIdLst>
   <p:handoutMasterIdLst>
-    <p:handoutMasterId r:id="rId22"/>
+    <p:handoutMasterId r:id="rId21"/>
   </p:handoutMasterIdLst>
   <p:sldIdLst>
     <p:sldId id="1559" r:id="rId9"/>
@@ -26,7 +26,6 @@
     <p:sldId id="1652" r:id="rId17"/>
     <p:sldId id="1586" r:id="rId18"/>
     <p:sldId id="1654" r:id="rId19"/>
-    <p:sldId id="1648" r:id="rId20"/>
   </p:sldIdLst>
   <p:sldSz cx="12436475" cy="6994525"/>
   <p:notesSz cx="6858000" cy="9144000"/>
@@ -152,32 +151,18 @@
   <pc:docChgLst>
     <pc:chgData name="Sébastien PAULET" userId="6b23f485-01ca-4aef-9a82-cbc20d7072f9" providerId="ADAL" clId="{0599B59D-D098-4D7E-849B-163A13AF3B85}"/>
     <pc:docChg chg="undo custSel addSld delSld modSld sldOrd modMainMaster delSection modSection">
-      <pc:chgData name="Sébastien PAULET" userId="6b23f485-01ca-4aef-9a82-cbc20d7072f9" providerId="ADAL" clId="{0599B59D-D098-4D7E-849B-163A13AF3B85}" dt="2018-01-20T21:29:09.989" v="2068"/>
+      <pc:chgData name="Sébastien PAULET" userId="6b23f485-01ca-4aef-9a82-cbc20d7072f9" providerId="ADAL" clId="{0599B59D-D098-4D7E-849B-163A13AF3B85}" dt="2018-01-23T15:27:06.734" v="2607" actId="20577"/>
       <pc:docMkLst>
         <pc:docMk/>
       </pc:docMkLst>
-      <pc:sldChg chg="del">
-        <pc:chgData name="Sébastien PAULET" userId="6b23f485-01ca-4aef-9a82-cbc20d7072f9" providerId="ADAL" clId="{0599B59D-D098-4D7E-849B-163A13AF3B85}" dt="2018-01-20T18:40:40.649" v="27" actId="2696"/>
-        <pc:sldMkLst>
-          <pc:docMk/>
-          <pc:sldMk cId="4151172388" sldId="1511"/>
-        </pc:sldMkLst>
-      </pc:sldChg>
-      <pc:sldChg chg="del">
-        <pc:chgData name="Sébastien PAULET" userId="6b23f485-01ca-4aef-9a82-cbc20d7072f9" providerId="ADAL" clId="{0599B59D-D098-4D7E-849B-163A13AF3B85}" dt="2018-01-20T18:41:04.788" v="66" actId="2696"/>
-        <pc:sldMkLst>
-          <pc:docMk/>
-          <pc:sldMk cId="3250383161" sldId="1547"/>
-        </pc:sldMkLst>
-      </pc:sldChg>
       <pc:sldChg chg="addSp delSp modSp modTransition">
-        <pc:chgData name="Sébastien PAULET" userId="6b23f485-01ca-4aef-9a82-cbc20d7072f9" providerId="ADAL" clId="{0599B59D-D098-4D7E-849B-163A13AF3B85}" dt="2018-01-20T19:18:37.516" v="402" actId="404"/>
+        <pc:chgData name="Sébastien PAULET" userId="6b23f485-01ca-4aef-9a82-cbc20d7072f9" providerId="ADAL" clId="{0599B59D-D098-4D7E-849B-163A13AF3B85}" dt="2018-01-23T10:58:11.629" v="2260" actId="1036"/>
         <pc:sldMkLst>
           <pc:docMk/>
           <pc:sldMk cId="1488436371" sldId="1559"/>
         </pc:sldMkLst>
         <pc:spChg chg="add mod">
-          <ac:chgData name="Sébastien PAULET" userId="6b23f485-01ca-4aef-9a82-cbc20d7072f9" providerId="ADAL" clId="{0599B59D-D098-4D7E-849B-163A13AF3B85}" dt="2018-01-20T19:05:03.387" v="282" actId="1037"/>
+          <ac:chgData name="Sébastien PAULET" userId="6b23f485-01ca-4aef-9a82-cbc20d7072f9" providerId="ADAL" clId="{0599B59D-D098-4D7E-849B-163A13AF3B85}" dt="2018-01-23T10:58:11.629" v="2260" actId="1036"/>
           <ac:spMkLst>
             <pc:docMk/>
             <pc:sldMk cId="1488436371" sldId="1559"/>
@@ -217,7 +202,7 @@
           </ac:spMkLst>
         </pc:spChg>
         <pc:picChg chg="add del mod">
-          <ac:chgData name="Sébastien PAULET" userId="6b23f485-01ca-4aef-9a82-cbc20d7072f9" providerId="ADAL" clId="{0599B59D-D098-4D7E-849B-163A13AF3B85}" dt="2018-01-20T18:43:48.175" v="88"/>
+          <ac:chgData name="Sébastien PAULET" userId="6b23f485-01ca-4aef-9a82-cbc20d7072f9" providerId="ADAL" clId="{0599B59D-D098-4D7E-849B-163A13AF3B85}" dt="2018-01-20T18:43:48.175" v="88" actId="404"/>
           <ac:picMkLst>
             <pc:docMk/>
             <pc:sldMk cId="1488436371" sldId="1559"/>
@@ -225,7 +210,7 @@
           </ac:picMkLst>
         </pc:picChg>
         <pc:picChg chg="add del">
-          <ac:chgData name="Sébastien PAULET" userId="6b23f485-01ca-4aef-9a82-cbc20d7072f9" providerId="ADAL" clId="{0599B59D-D098-4D7E-849B-163A13AF3B85}" dt="2018-01-20T18:48:26" v="90"/>
+          <ac:chgData name="Sébastien PAULET" userId="6b23f485-01ca-4aef-9a82-cbc20d7072f9" providerId="ADAL" clId="{0599B59D-D098-4D7E-849B-163A13AF3B85}" dt="2018-01-20T18:48:26" v="90" actId="404"/>
           <ac:picMkLst>
             <pc:docMk/>
             <pc:sldMk cId="1488436371" sldId="1559"/>
@@ -272,48 +257,6 @@
           </ac:spMkLst>
         </pc:spChg>
       </pc:sldChg>
-      <pc:sldChg chg="del">
-        <pc:chgData name="Sébastien PAULET" userId="6b23f485-01ca-4aef-9a82-cbc20d7072f9" providerId="ADAL" clId="{0599B59D-D098-4D7E-849B-163A13AF3B85}" dt="2018-01-20T18:40:40.380" v="20" actId="2696"/>
-        <pc:sldMkLst>
-          <pc:docMk/>
-          <pc:sldMk cId="1460557681" sldId="1566"/>
-        </pc:sldMkLst>
-      </pc:sldChg>
-      <pc:sldChg chg="del">
-        <pc:chgData name="Sébastien PAULET" userId="6b23f485-01ca-4aef-9a82-cbc20d7072f9" providerId="ADAL" clId="{0599B59D-D098-4D7E-849B-163A13AF3B85}" dt="2018-01-20T18:40:40.849" v="34" actId="2696"/>
-        <pc:sldMkLst>
-          <pc:docMk/>
-          <pc:sldMk cId="2944212158" sldId="1573"/>
-        </pc:sldMkLst>
-      </pc:sldChg>
-      <pc:sldChg chg="del">
-        <pc:chgData name="Sébastien PAULET" userId="6b23f485-01ca-4aef-9a82-cbc20d7072f9" providerId="ADAL" clId="{0599B59D-D098-4D7E-849B-163A13AF3B85}" dt="2018-01-20T18:40:40.949" v="39" actId="2696"/>
-        <pc:sldMkLst>
-          <pc:docMk/>
-          <pc:sldMk cId="2801647213" sldId="1575"/>
-        </pc:sldMkLst>
-      </pc:sldChg>
-      <pc:sldChg chg="del">
-        <pc:chgData name="Sébastien PAULET" userId="6b23f485-01ca-4aef-9a82-cbc20d7072f9" providerId="ADAL" clId="{0599B59D-D098-4D7E-849B-163A13AF3B85}" dt="2018-01-20T18:40:40.965" v="40" actId="2696"/>
-        <pc:sldMkLst>
-          <pc:docMk/>
-          <pc:sldMk cId="2607310999" sldId="1578"/>
-        </pc:sldMkLst>
-      </pc:sldChg>
-      <pc:sldChg chg="del">
-        <pc:chgData name="Sébastien PAULET" userId="6b23f485-01ca-4aef-9a82-cbc20d7072f9" providerId="ADAL" clId="{0599B59D-D098-4D7E-849B-163A13AF3B85}" dt="2018-01-20T18:40:41.018" v="42" actId="2696"/>
-        <pc:sldMkLst>
-          <pc:docMk/>
-          <pc:sldMk cId="4140299067" sldId="1579"/>
-        </pc:sldMkLst>
-      </pc:sldChg>
-      <pc:sldChg chg="del">
-        <pc:chgData name="Sébastien PAULET" userId="6b23f485-01ca-4aef-9a82-cbc20d7072f9" providerId="ADAL" clId="{0599B59D-D098-4D7E-849B-163A13AF3B85}" dt="2018-01-20T18:40:41.134" v="47" actId="2696"/>
-        <pc:sldMkLst>
-          <pc:docMk/>
-          <pc:sldMk cId="783685206" sldId="1582"/>
-        </pc:sldMkLst>
-      </pc:sldChg>
       <pc:sldChg chg="modSp ord">
         <pc:chgData name="Sébastien PAULET" userId="6b23f485-01ca-4aef-9a82-cbc20d7072f9" providerId="ADAL" clId="{0599B59D-D098-4D7E-849B-163A13AF3B85}" dt="2018-01-20T21:16:14.492" v="1762" actId="20577"/>
         <pc:sldMkLst>
@@ -337,8 +280,8 @@
           </ac:spMkLst>
         </pc:spChg>
       </pc:sldChg>
-      <pc:sldChg chg="addSp modSp ord">
-        <pc:chgData name="Sébastien PAULET" userId="6b23f485-01ca-4aef-9a82-cbc20d7072f9" providerId="ADAL" clId="{0599B59D-D098-4D7E-849B-163A13AF3B85}" dt="2018-01-20T20:46:17.315" v="1513" actId="20577"/>
+      <pc:sldChg chg="addSp modSp ord modNotesTx">
+        <pc:chgData name="Sébastien PAULET" userId="6b23f485-01ca-4aef-9a82-cbc20d7072f9" providerId="ADAL" clId="{0599B59D-D098-4D7E-849B-163A13AF3B85}" dt="2018-01-23T00:17:41.986" v="2125" actId="20577"/>
         <pc:sldMkLst>
           <pc:docMk/>
           <pc:sldMk cId="1833780528" sldId="1590"/>
@@ -367,209 +310,6 @@
             <ac:picMk id="2" creationId="{39B961CF-489B-409B-AD14-6ACDD1394F78}"/>
           </ac:picMkLst>
         </pc:picChg>
-      </pc:sldChg>
-      <pc:sldChg chg="del">
-        <pc:chgData name="Sébastien PAULET" userId="6b23f485-01ca-4aef-9a82-cbc20d7072f9" providerId="ADAL" clId="{0599B59D-D098-4D7E-849B-163A13AF3B85}" dt="2018-01-20T18:41:47.547" v="82" actId="2696"/>
-        <pc:sldMkLst>
-          <pc:docMk/>
-          <pc:sldMk cId="1273731674" sldId="1592"/>
-        </pc:sldMkLst>
-      </pc:sldChg>
-      <pc:sldChg chg="del">
-        <pc:chgData name="Sébastien PAULET" userId="6b23f485-01ca-4aef-9a82-cbc20d7072f9" providerId="ADAL" clId="{0599B59D-D098-4D7E-849B-163A13AF3B85}" dt="2018-01-20T18:40:40.433" v="21" actId="2696"/>
-        <pc:sldMkLst>
-          <pc:docMk/>
-          <pc:sldMk cId="1535933058" sldId="1594"/>
-        </pc:sldMkLst>
-      </pc:sldChg>
-      <pc:sldChg chg="del">
-        <pc:chgData name="Sébastien PAULET" userId="6b23f485-01ca-4aef-9a82-cbc20d7072f9" providerId="ADAL" clId="{0599B59D-D098-4D7E-849B-163A13AF3B85}" dt="2018-01-20T18:40:40.480" v="22" actId="2696"/>
-        <pc:sldMkLst>
-          <pc:docMk/>
-          <pc:sldMk cId="1641321226" sldId="1595"/>
-        </pc:sldMkLst>
-      </pc:sldChg>
-      <pc:sldChg chg="del">
-        <pc:chgData name="Sébastien PAULET" userId="6b23f485-01ca-4aef-9a82-cbc20d7072f9" providerId="ADAL" clId="{0599B59D-D098-4D7E-849B-163A13AF3B85}" dt="2018-01-20T18:40:40.517" v="23" actId="2696"/>
-        <pc:sldMkLst>
-          <pc:docMk/>
-          <pc:sldMk cId="1164888366" sldId="1596"/>
-        </pc:sldMkLst>
-      </pc:sldChg>
-      <pc:sldChg chg="del">
-        <pc:chgData name="Sébastien PAULET" userId="6b23f485-01ca-4aef-9a82-cbc20d7072f9" providerId="ADAL" clId="{0599B59D-D098-4D7E-849B-163A13AF3B85}" dt="2018-01-20T18:40:40.618" v="25" actId="2696"/>
-        <pc:sldMkLst>
-          <pc:docMk/>
-          <pc:sldMk cId="228669743" sldId="1598"/>
-        </pc:sldMkLst>
-      </pc:sldChg>
-      <pc:sldChg chg="del">
-        <pc:chgData name="Sébastien PAULET" userId="6b23f485-01ca-4aef-9a82-cbc20d7072f9" providerId="ADAL" clId="{0599B59D-D098-4D7E-849B-163A13AF3B85}" dt="2018-01-20T18:40:40.633" v="26" actId="2696"/>
-        <pc:sldMkLst>
-          <pc:docMk/>
-          <pc:sldMk cId="1234179566" sldId="1599"/>
-        </pc:sldMkLst>
-      </pc:sldChg>
-      <pc:sldChg chg="del">
-        <pc:chgData name="Sébastien PAULET" userId="6b23f485-01ca-4aef-9a82-cbc20d7072f9" providerId="ADAL" clId="{0599B59D-D098-4D7E-849B-163A13AF3B85}" dt="2018-01-20T18:40:40.702" v="29" actId="2696"/>
-        <pc:sldMkLst>
-          <pc:docMk/>
-          <pc:sldMk cId="2494907824" sldId="1600"/>
-        </pc:sldMkLst>
-      </pc:sldChg>
-      <pc:sldChg chg="del">
-        <pc:chgData name="Sébastien PAULET" userId="6b23f485-01ca-4aef-9a82-cbc20d7072f9" providerId="ADAL" clId="{0599B59D-D098-4D7E-849B-163A13AF3B85}" dt="2018-01-20T18:40:40.599" v="24" actId="2696"/>
-        <pc:sldMkLst>
-          <pc:docMk/>
-          <pc:sldMk cId="3195122600" sldId="1601"/>
-        </pc:sldMkLst>
-      </pc:sldChg>
-      <pc:sldChg chg="del">
-        <pc:chgData name="Sébastien PAULET" userId="6b23f485-01ca-4aef-9a82-cbc20d7072f9" providerId="ADAL" clId="{0599B59D-D098-4D7E-849B-163A13AF3B85}" dt="2018-01-20T18:40:40.865" v="35" actId="2696"/>
-        <pc:sldMkLst>
-          <pc:docMk/>
-          <pc:sldMk cId="2706886421" sldId="1603"/>
-        </pc:sldMkLst>
-      </pc:sldChg>
-      <pc:sldChg chg="del">
-        <pc:chgData name="Sébastien PAULET" userId="6b23f485-01ca-4aef-9a82-cbc20d7072f9" providerId="ADAL" clId="{0599B59D-D098-4D7E-849B-163A13AF3B85}" dt="2018-01-20T18:40:41.099" v="46" actId="2696"/>
-        <pc:sldMkLst>
-          <pc:docMk/>
-          <pc:sldMk cId="734877017" sldId="1604"/>
-        </pc:sldMkLst>
-      </pc:sldChg>
-      <pc:sldChg chg="del">
-        <pc:chgData name="Sébastien PAULET" userId="6b23f485-01ca-4aef-9a82-cbc20d7072f9" providerId="ADAL" clId="{0599B59D-D098-4D7E-849B-163A13AF3B85}" dt="2018-01-20T18:40:41.165" v="48" actId="2696"/>
-        <pc:sldMkLst>
-          <pc:docMk/>
-          <pc:sldMk cId="1640138653" sldId="1607"/>
-        </pc:sldMkLst>
-      </pc:sldChg>
-      <pc:sldChg chg="del">
-        <pc:chgData name="Sébastien PAULET" userId="6b23f485-01ca-4aef-9a82-cbc20d7072f9" providerId="ADAL" clId="{0599B59D-D098-4D7E-849B-163A13AF3B85}" dt="2018-01-20T18:40:40.881" v="36" actId="2696"/>
-        <pc:sldMkLst>
-          <pc:docMk/>
-          <pc:sldMk cId="257417427" sldId="1608"/>
-        </pc:sldMkLst>
-      </pc:sldChg>
-      <pc:sldChg chg="del">
-        <pc:chgData name="Sébastien PAULET" userId="6b23f485-01ca-4aef-9a82-cbc20d7072f9" providerId="ADAL" clId="{0599B59D-D098-4D7E-849B-163A13AF3B85}" dt="2018-01-20T18:40:40.802" v="33" actId="2696"/>
-        <pc:sldMkLst>
-          <pc:docMk/>
-          <pc:sldMk cId="143116791" sldId="1610"/>
-        </pc:sldMkLst>
-      </pc:sldChg>
-      <pc:sldChg chg="del">
-        <pc:chgData name="Sébastien PAULET" userId="6b23f485-01ca-4aef-9a82-cbc20d7072f9" providerId="ADAL" clId="{0599B59D-D098-4D7E-849B-163A13AF3B85}" dt="2018-01-20T18:40:40.902" v="37" actId="2696"/>
-        <pc:sldMkLst>
-          <pc:docMk/>
-          <pc:sldMk cId="3953669654" sldId="1611"/>
-        </pc:sldMkLst>
-      </pc:sldChg>
-      <pc:sldChg chg="del">
-        <pc:chgData name="Sébastien PAULET" userId="6b23f485-01ca-4aef-9a82-cbc20d7072f9" providerId="ADAL" clId="{0599B59D-D098-4D7E-849B-163A13AF3B85}" dt="2018-01-20T18:40:40.680" v="28" actId="2696"/>
-        <pc:sldMkLst>
-          <pc:docMk/>
-          <pc:sldMk cId="2072656328" sldId="1612"/>
-        </pc:sldMkLst>
-      </pc:sldChg>
-      <pc:sldChg chg="del">
-        <pc:chgData name="Sébastien PAULET" userId="6b23f485-01ca-4aef-9a82-cbc20d7072f9" providerId="ADAL" clId="{0599B59D-D098-4D7E-849B-163A13AF3B85}" dt="2018-01-20T18:40:41.233" v="50" actId="2696"/>
-        <pc:sldMkLst>
-          <pc:docMk/>
-          <pc:sldMk cId="759292059" sldId="1613"/>
-        </pc:sldMkLst>
-      </pc:sldChg>
-      <pc:sldChg chg="del">
-        <pc:chgData name="Sébastien PAULET" userId="6b23f485-01ca-4aef-9a82-cbc20d7072f9" providerId="ADAL" clId="{0599B59D-D098-4D7E-849B-163A13AF3B85}" dt="2018-01-20T18:40:41.318" v="53" actId="2696"/>
-        <pc:sldMkLst>
-          <pc:docMk/>
-          <pc:sldMk cId="722005840" sldId="1616"/>
-        </pc:sldMkLst>
-      </pc:sldChg>
-      <pc:sldChg chg="del">
-        <pc:chgData name="Sébastien PAULET" userId="6b23f485-01ca-4aef-9a82-cbc20d7072f9" providerId="ADAL" clId="{0599B59D-D098-4D7E-849B-163A13AF3B85}" dt="2018-01-20T18:40:41.365" v="55" actId="2696"/>
-        <pc:sldMkLst>
-          <pc:docMk/>
-          <pc:sldMk cId="3076201154" sldId="1617"/>
-        </pc:sldMkLst>
-      </pc:sldChg>
-      <pc:sldChg chg="del">
-        <pc:chgData name="Sébastien PAULET" userId="6b23f485-01ca-4aef-9a82-cbc20d7072f9" providerId="ADAL" clId="{0599B59D-D098-4D7E-849B-163A13AF3B85}" dt="2018-01-20T18:40:41.334" v="54" actId="2696"/>
-        <pc:sldMkLst>
-          <pc:docMk/>
-          <pc:sldMk cId="3193532764" sldId="1619"/>
-        </pc:sldMkLst>
-      </pc:sldChg>
-      <pc:sldChg chg="del">
-        <pc:chgData name="Sébastien PAULET" userId="6b23f485-01ca-4aef-9a82-cbc20d7072f9" providerId="ADAL" clId="{0599B59D-D098-4D7E-849B-163A13AF3B85}" dt="2018-01-20T18:40:41.381" v="56" actId="2696"/>
-        <pc:sldMkLst>
-          <pc:docMk/>
-          <pc:sldMk cId="3146119879" sldId="1620"/>
-        </pc:sldMkLst>
-      </pc:sldChg>
-      <pc:sldChg chg="del">
-        <pc:chgData name="Sébastien PAULET" userId="6b23f485-01ca-4aef-9a82-cbc20d7072f9" providerId="ADAL" clId="{0599B59D-D098-4D7E-849B-163A13AF3B85}" dt="2018-01-20T18:40:41.403" v="57" actId="2696"/>
-        <pc:sldMkLst>
-          <pc:docMk/>
-          <pc:sldMk cId="3701676243" sldId="1621"/>
-        </pc:sldMkLst>
-      </pc:sldChg>
-      <pc:sldChg chg="del">
-        <pc:chgData name="Sébastien PAULET" userId="6b23f485-01ca-4aef-9a82-cbc20d7072f9" providerId="ADAL" clId="{0599B59D-D098-4D7E-849B-163A13AF3B85}" dt="2018-01-20T18:40:41.419" v="58" actId="2696"/>
-        <pc:sldMkLst>
-          <pc:docMk/>
-          <pc:sldMk cId="557350578" sldId="1622"/>
-        </pc:sldMkLst>
-      </pc:sldChg>
-      <pc:sldChg chg="del">
-        <pc:chgData name="Sébastien PAULET" userId="6b23f485-01ca-4aef-9a82-cbc20d7072f9" providerId="ADAL" clId="{0599B59D-D098-4D7E-849B-163A13AF3B85}" dt="2018-01-20T18:41:57.970" v="85" actId="2696"/>
-        <pc:sldMkLst>
-          <pc:docMk/>
-          <pc:sldMk cId="2018346289" sldId="1624"/>
-        </pc:sldMkLst>
-      </pc:sldChg>
-      <pc:sldChg chg="del ord">
-        <pc:chgData name="Sébastien PAULET" userId="6b23f485-01ca-4aef-9a82-cbc20d7072f9" providerId="ADAL" clId="{0599B59D-D098-4D7E-849B-163A13AF3B85}" dt="2018-01-20T21:03:13.412" v="1638" actId="2696"/>
-        <pc:sldMkLst>
-          <pc:docMk/>
-          <pc:sldMk cId="406355767" sldId="1625"/>
-        </pc:sldMkLst>
-      </pc:sldChg>
-      <pc:sldChg chg="del">
-        <pc:chgData name="Sébastien PAULET" userId="6b23f485-01ca-4aef-9a82-cbc20d7072f9" providerId="ADAL" clId="{0599B59D-D098-4D7E-849B-163A13AF3B85}" dt="2018-01-20T18:40:40.733" v="30" actId="2696"/>
-        <pc:sldMkLst>
-          <pc:docMk/>
-          <pc:sldMk cId="633296107" sldId="1626"/>
-        </pc:sldMkLst>
-      </pc:sldChg>
-      <pc:sldChg chg="del">
-        <pc:chgData name="Sébastien PAULET" userId="6b23f485-01ca-4aef-9a82-cbc20d7072f9" providerId="ADAL" clId="{0599B59D-D098-4D7E-849B-163A13AF3B85}" dt="2018-01-20T18:40:40.764" v="31" actId="2696"/>
-        <pc:sldMkLst>
-          <pc:docMk/>
-          <pc:sldMk cId="4235016699" sldId="1627"/>
-        </pc:sldMkLst>
-      </pc:sldChg>
-      <pc:sldChg chg="del">
-        <pc:chgData name="Sébastien PAULET" userId="6b23f485-01ca-4aef-9a82-cbc20d7072f9" providerId="ADAL" clId="{0599B59D-D098-4D7E-849B-163A13AF3B85}" dt="2018-01-20T18:40:40.800" v="32" actId="2696"/>
-        <pc:sldMkLst>
-          <pc:docMk/>
-          <pc:sldMk cId="4093677059" sldId="1629"/>
-        </pc:sldMkLst>
-      </pc:sldChg>
-      <pc:sldChg chg="del">
-        <pc:chgData name="Sébastien PAULET" userId="6b23f485-01ca-4aef-9a82-cbc20d7072f9" providerId="ADAL" clId="{0599B59D-D098-4D7E-849B-163A13AF3B85}" dt="2018-01-20T18:40:41.249" v="51" actId="2696"/>
-        <pc:sldMkLst>
-          <pc:docMk/>
-          <pc:sldMk cId="1896843556" sldId="1630"/>
-        </pc:sldMkLst>
-      </pc:sldChg>
-      <pc:sldChg chg="del">
-        <pc:chgData name="Sébastien PAULET" userId="6b23f485-01ca-4aef-9a82-cbc20d7072f9" providerId="ADAL" clId="{0599B59D-D098-4D7E-849B-163A13AF3B85}" dt="2018-01-20T18:40:41.002" v="41" actId="2696"/>
-        <pc:sldMkLst>
-          <pc:docMk/>
-          <pc:sldMk cId="1971112459" sldId="1634"/>
-        </pc:sldMkLst>
       </pc:sldChg>
       <pc:sldChg chg="addSp delSp modSp ord delAnim">
         <pc:chgData name="Sébastien PAULET" userId="6b23f485-01ca-4aef-9a82-cbc20d7072f9" providerId="ADAL" clId="{0599B59D-D098-4D7E-849B-163A13AF3B85}" dt="2018-01-20T20:15:23.997" v="716" actId="20577"/>
@@ -722,64 +462,8 @@
           </ac:cxnSpMkLst>
         </pc:cxnChg>
       </pc:sldChg>
-      <pc:sldChg chg="del">
-        <pc:chgData name="Sébastien PAULET" userId="6b23f485-01ca-4aef-9a82-cbc20d7072f9" providerId="ADAL" clId="{0599B59D-D098-4D7E-849B-163A13AF3B85}" dt="2018-01-20T18:40:41.218" v="49" actId="2696"/>
-        <pc:sldMkLst>
-          <pc:docMk/>
-          <pc:sldMk cId="2657383869" sldId="1638"/>
-        </pc:sldMkLst>
-      </pc:sldChg>
-      <pc:sldChg chg="del">
-        <pc:chgData name="Sébastien PAULET" userId="6b23f485-01ca-4aef-9a82-cbc20d7072f9" providerId="ADAL" clId="{0599B59D-D098-4D7E-849B-163A13AF3B85}" dt="2018-01-20T18:40:41.034" v="43" actId="2696"/>
-        <pc:sldMkLst>
-          <pc:docMk/>
-          <pc:sldMk cId="1986383341" sldId="1640"/>
-        </pc:sldMkLst>
-      </pc:sldChg>
-      <pc:sldChg chg="del">
-        <pc:chgData name="Sébastien PAULET" userId="6b23f485-01ca-4aef-9a82-cbc20d7072f9" providerId="ADAL" clId="{0599B59D-D098-4D7E-849B-163A13AF3B85}" dt="2018-01-20T21:03:10.612" v="1637" actId="2696"/>
-        <pc:sldMkLst>
-          <pc:docMk/>
-          <pc:sldMk cId="2412992221" sldId="1641"/>
-        </pc:sldMkLst>
-      </pc:sldChg>
-      <pc:sldChg chg="del">
-        <pc:chgData name="Sébastien PAULET" userId="6b23f485-01ca-4aef-9a82-cbc20d7072f9" providerId="ADAL" clId="{0599B59D-D098-4D7E-849B-163A13AF3B85}" dt="2018-01-20T18:41:52.396" v="83" actId="2696"/>
-        <pc:sldMkLst>
-          <pc:docMk/>
-          <pc:sldMk cId="1755547651" sldId="1642"/>
-        </pc:sldMkLst>
-      </pc:sldChg>
-      <pc:sldChg chg="del">
-        <pc:chgData name="Sébastien PAULET" userId="6b23f485-01ca-4aef-9a82-cbc20d7072f9" providerId="ADAL" clId="{0599B59D-D098-4D7E-849B-163A13AF3B85}" dt="2018-01-20T18:40:41.280" v="52" actId="2696"/>
-        <pc:sldMkLst>
-          <pc:docMk/>
-          <pc:sldMk cId="3095929998" sldId="1643"/>
-        </pc:sldMkLst>
-      </pc:sldChg>
-      <pc:sldChg chg="del">
-        <pc:chgData name="Sébastien PAULET" userId="6b23f485-01ca-4aef-9a82-cbc20d7072f9" providerId="ADAL" clId="{0599B59D-D098-4D7E-849B-163A13AF3B85}" dt="2018-01-20T18:40:40.918" v="38" actId="2696"/>
-        <pc:sldMkLst>
-          <pc:docMk/>
-          <pc:sldMk cId="42168645" sldId="1644"/>
-        </pc:sldMkLst>
-      </pc:sldChg>
-      <pc:sldChg chg="del">
-        <pc:chgData name="Sébastien PAULET" userId="6b23f485-01ca-4aef-9a82-cbc20d7072f9" providerId="ADAL" clId="{0599B59D-D098-4D7E-849B-163A13AF3B85}" dt="2018-01-20T18:40:41.049" v="44" actId="2696"/>
-        <pc:sldMkLst>
-          <pc:docMk/>
-          <pc:sldMk cId="878808107" sldId="1645"/>
-        </pc:sldMkLst>
-      </pc:sldChg>
-      <pc:sldChg chg="del">
-        <pc:chgData name="Sébastien PAULET" userId="6b23f485-01ca-4aef-9a82-cbc20d7072f9" providerId="ADAL" clId="{0599B59D-D098-4D7E-849B-163A13AF3B85}" dt="2018-01-20T18:40:41.080" v="45" actId="2696"/>
-        <pc:sldMkLst>
-          <pc:docMk/>
-          <pc:sldMk cId="1154044862" sldId="1646"/>
-        </pc:sldMkLst>
-      </pc:sldChg>
-      <pc:sldChg chg="modSp addAnim delAnim">
-        <pc:chgData name="Sébastien PAULET" userId="6b23f485-01ca-4aef-9a82-cbc20d7072f9" providerId="ADAL" clId="{0599B59D-D098-4D7E-849B-163A13AF3B85}" dt="2018-01-20T21:29:09.989" v="2068"/>
+      <pc:sldChg chg="modSp del addAnim delAnim">
+        <pc:chgData name="Sébastien PAULET" userId="6b23f485-01ca-4aef-9a82-cbc20d7072f9" providerId="ADAL" clId="{0599B59D-D098-4D7E-849B-163A13AF3B85}" dt="2018-01-23T15:26:20.963" v="2580" actId="2696"/>
         <pc:sldMkLst>
           <pc:docMk/>
           <pc:sldMk cId="1150990250" sldId="1648"/>
@@ -793,7 +477,7 @@
           </ac:spMkLst>
         </pc:spChg>
         <pc:spChg chg="mod">
-          <ac:chgData name="Sébastien PAULET" userId="6b23f485-01ca-4aef-9a82-cbc20d7072f9" providerId="ADAL" clId="{0599B59D-D098-4D7E-849B-163A13AF3B85}" dt="2018-01-20T21:29:09.989" v="2068"/>
+          <ac:chgData name="Sébastien PAULET" userId="6b23f485-01ca-4aef-9a82-cbc20d7072f9" providerId="ADAL" clId="{0599B59D-D098-4D7E-849B-163A13AF3B85}" dt="2018-01-20T21:29:09.989" v="2068" actId="20577"/>
           <ac:spMkLst>
             <pc:docMk/>
             <pc:sldMk cId="1150990250" sldId="1648"/>
@@ -832,7 +516,7 @@
           </ac:spMkLst>
         </pc:spChg>
         <pc:spChg chg="add del">
-          <ac:chgData name="Sébastien PAULET" userId="6b23f485-01ca-4aef-9a82-cbc20d7072f9" providerId="ADAL" clId="{0599B59D-D098-4D7E-849B-163A13AF3B85}" dt="2018-01-20T20:35:06.706" v="1172"/>
+          <ac:chgData name="Sébastien PAULET" userId="6b23f485-01ca-4aef-9a82-cbc20d7072f9" providerId="ADAL" clId="{0599B59D-D098-4D7E-849B-163A13AF3B85}" dt="2018-01-20T20:35:06.706" v="1172" actId="1076"/>
           <ac:spMkLst>
             <pc:docMk/>
             <pc:sldMk cId="1701146766" sldId="1649"/>
@@ -840,7 +524,7 @@
           </ac:spMkLst>
         </pc:spChg>
         <pc:spChg chg="add del">
-          <ac:chgData name="Sébastien PAULET" userId="6b23f485-01ca-4aef-9a82-cbc20d7072f9" providerId="ADAL" clId="{0599B59D-D098-4D7E-849B-163A13AF3B85}" dt="2018-01-20T20:35:05.505" v="1170"/>
+          <ac:chgData name="Sébastien PAULET" userId="6b23f485-01ca-4aef-9a82-cbc20d7072f9" providerId="ADAL" clId="{0599B59D-D098-4D7E-849B-163A13AF3B85}" dt="2018-01-20T20:35:05.505" v="1170" actId="1076"/>
           <ac:spMkLst>
             <pc:docMk/>
             <pc:sldMk cId="1701146766" sldId="1649"/>
@@ -879,7 +563,7 @@
           </ac:spMkLst>
         </pc:spChg>
         <pc:picChg chg="add del">
-          <ac:chgData name="Sébastien PAULET" userId="6b23f485-01ca-4aef-9a82-cbc20d7072f9" providerId="ADAL" clId="{0599B59D-D098-4D7E-849B-163A13AF3B85}" dt="2018-01-20T20:11:26.123" v="693"/>
+          <ac:chgData name="Sébastien PAULET" userId="6b23f485-01ca-4aef-9a82-cbc20d7072f9" providerId="ADAL" clId="{0599B59D-D098-4D7E-849B-163A13AF3B85}" dt="2018-01-20T20:11:26.123" v="693" actId="1076"/>
           <ac:picMkLst>
             <pc:docMk/>
             <pc:sldMk cId="1229228444" sldId="1650"/>
@@ -966,8 +650,8 @@
           </ac:picMkLst>
         </pc:picChg>
       </pc:sldChg>
-      <pc:sldChg chg="addSp delSp modSp add">
-        <pc:chgData name="Sébastien PAULET" userId="6b23f485-01ca-4aef-9a82-cbc20d7072f9" providerId="ADAL" clId="{0599B59D-D098-4D7E-849B-163A13AF3B85}" dt="2018-01-20T21:15:04.514" v="1739" actId="478"/>
+      <pc:sldChg chg="addSp delSp modSp add modNotesTx">
+        <pc:chgData name="Sébastien PAULET" userId="6b23f485-01ca-4aef-9a82-cbc20d7072f9" providerId="ADAL" clId="{0599B59D-D098-4D7E-849B-163A13AF3B85}" dt="2018-01-22T22:12:03.098" v="2097" actId="20577"/>
         <pc:sldMkLst>
           <pc:docMk/>
           <pc:sldMk cId="1414764111" sldId="1652"/>
@@ -989,7 +673,7 @@
           </ac:spMkLst>
         </pc:spChg>
         <pc:spChg chg="add mod">
-          <ac:chgData name="Sébastien PAULET" userId="6b23f485-01ca-4aef-9a82-cbc20d7072f9" providerId="ADAL" clId="{0599B59D-D098-4D7E-849B-163A13AF3B85}" dt="2018-01-20T21:09:20.389" v="1735"/>
+          <ac:chgData name="Sébastien PAULET" userId="6b23f485-01ca-4aef-9a82-cbc20d7072f9" providerId="ADAL" clId="{0599B59D-D098-4D7E-849B-163A13AF3B85}" dt="2018-01-20T21:09:20.389" v="1735" actId="478"/>
           <ac:spMkLst>
             <pc:docMk/>
             <pc:sldMk cId="1414764111" sldId="1652"/>
@@ -1021,8 +705,8 @@
           </ac:picMkLst>
         </pc:picChg>
       </pc:sldChg>
-      <pc:sldChg chg="addSp delSp modSp add">
-        <pc:chgData name="Sébastien PAULET" userId="6b23f485-01ca-4aef-9a82-cbc20d7072f9" providerId="ADAL" clId="{0599B59D-D098-4D7E-849B-163A13AF3B85}" dt="2018-01-20T21:06:44.243" v="1714" actId="1037"/>
+      <pc:sldChg chg="addSp delSp modSp add modNotesTx">
+        <pc:chgData name="Sébastien PAULET" userId="6b23f485-01ca-4aef-9a82-cbc20d7072f9" providerId="ADAL" clId="{0599B59D-D098-4D7E-849B-163A13AF3B85}" dt="2018-01-22T14:02:11.638" v="2071" actId="20577"/>
         <pc:sldMkLst>
           <pc:docMk/>
           <pc:sldMk cId="2894641130" sldId="1653"/>
@@ -1092,14 +776,22 @@
           </ac:picMkLst>
         </pc:picChg>
       </pc:sldChg>
-      <pc:sldChg chg="addSp modSp add">
-        <pc:chgData name="Sébastien PAULET" userId="6b23f485-01ca-4aef-9a82-cbc20d7072f9" providerId="ADAL" clId="{0599B59D-D098-4D7E-849B-163A13AF3B85}" dt="2018-01-20T21:28:55.126" v="2067" actId="20577"/>
+      <pc:sldChg chg="addSp delSp modSp add">
+        <pc:chgData name="Sébastien PAULET" userId="6b23f485-01ca-4aef-9a82-cbc20d7072f9" providerId="ADAL" clId="{0599B59D-D098-4D7E-849B-163A13AF3B85}" dt="2018-01-23T15:27:06.734" v="2607" actId="20577"/>
         <pc:sldMkLst>
           <pc:docMk/>
           <pc:sldMk cId="2328442223" sldId="1654"/>
         </pc:sldMkLst>
-        <pc:spChg chg="mod">
-          <ac:chgData name="Sébastien PAULET" userId="6b23f485-01ca-4aef-9a82-cbc20d7072f9" providerId="ADAL" clId="{0599B59D-D098-4D7E-849B-163A13AF3B85}" dt="2018-01-20T21:16:25.617" v="1771" actId="20577"/>
+        <pc:spChg chg="add mod ord">
+          <ac:chgData name="Sébastien PAULET" userId="6b23f485-01ca-4aef-9a82-cbc20d7072f9" providerId="ADAL" clId="{0599B59D-D098-4D7E-849B-163A13AF3B85}" dt="2018-01-23T10:52:27.132" v="2184" actId="164"/>
+          <ac:spMkLst>
+            <pc:docMk/>
+            <pc:sldMk cId="2328442223" sldId="1654"/>
+            <ac:spMk id="2" creationId="{30650F52-6379-4E9E-8775-B220BD57DE67}"/>
+          </ac:spMkLst>
+        </pc:spChg>
+        <pc:spChg chg="del mod">
+          <ac:chgData name="Sébastien PAULET" userId="6b23f485-01ca-4aef-9a82-cbc20d7072f9" providerId="ADAL" clId="{0599B59D-D098-4D7E-849B-163A13AF3B85}" dt="2018-01-23T11:05:13.185" v="2385" actId="478"/>
           <ac:spMkLst>
             <pc:docMk/>
             <pc:sldMk cId="2328442223" sldId="1654"/>
@@ -1107,15 +799,79 @@
           </ac:spMkLst>
         </pc:spChg>
         <pc:spChg chg="mod">
-          <ac:chgData name="Sébastien PAULET" userId="6b23f485-01ca-4aef-9a82-cbc20d7072f9" providerId="ADAL" clId="{0599B59D-D098-4D7E-849B-163A13AF3B85}" dt="2018-01-20T21:28:55.126" v="2067" actId="20577"/>
+          <ac:chgData name="Sébastien PAULET" userId="6b23f485-01ca-4aef-9a82-cbc20d7072f9" providerId="ADAL" clId="{0599B59D-D098-4D7E-849B-163A13AF3B85}" dt="2018-01-23T11:07:19.416" v="2424" actId="20577"/>
           <ac:spMkLst>
             <pc:docMk/>
             <pc:sldMk cId="2328442223" sldId="1654"/>
             <ac:spMk id="4" creationId="{BC220B95-314D-4793-8D0E-7A3AB87CE2F3}"/>
           </ac:spMkLst>
         </pc:spChg>
+        <pc:spChg chg="add mod ord">
+          <ac:chgData name="Sébastien PAULET" userId="6b23f485-01ca-4aef-9a82-cbc20d7072f9" providerId="ADAL" clId="{0599B59D-D098-4D7E-849B-163A13AF3B85}" dt="2018-01-23T10:52:20.372" v="2183" actId="164"/>
+          <ac:spMkLst>
+            <pc:docMk/>
+            <pc:sldMk cId="2328442223" sldId="1654"/>
+            <ac:spMk id="8" creationId="{1DCE1559-F6DB-4B84-9739-6EA9A4FCD348}"/>
+          </ac:spMkLst>
+        </pc:spChg>
+        <pc:spChg chg="add mod">
+          <ac:chgData name="Sébastien PAULET" userId="6b23f485-01ca-4aef-9a82-cbc20d7072f9" providerId="ADAL" clId="{0599B59D-D098-4D7E-849B-163A13AF3B85}" dt="2018-01-23T11:07:27.619" v="2433" actId="6549"/>
+          <ac:spMkLst>
+            <pc:docMk/>
+            <pc:sldMk cId="2328442223" sldId="1654"/>
+            <ac:spMk id="11" creationId="{6BFF205B-3600-4F94-B1BC-148B1D17D9EC}"/>
+          </ac:spMkLst>
+        </pc:spChg>
+        <pc:spChg chg="add mod">
+          <ac:chgData name="Sébastien PAULET" userId="6b23f485-01ca-4aef-9a82-cbc20d7072f9" providerId="ADAL" clId="{0599B59D-D098-4D7E-849B-163A13AF3B85}" dt="2018-01-23T12:58:25.576" v="2579" actId="20577"/>
+          <ac:spMkLst>
+            <pc:docMk/>
+            <pc:sldMk cId="2328442223" sldId="1654"/>
+            <ac:spMk id="12" creationId="{7E9C4ACD-CBAF-4E45-8328-C751B02990B8}"/>
+          </ac:spMkLst>
+        </pc:spChg>
+        <pc:spChg chg="add mod">
+          <ac:chgData name="Sébastien PAULET" userId="6b23f485-01ca-4aef-9a82-cbc20d7072f9" providerId="ADAL" clId="{0599B59D-D098-4D7E-849B-163A13AF3B85}" dt="2018-01-23T11:05:21.294" v="2397" actId="1035"/>
+          <ac:spMkLst>
+            <pc:docMk/>
+            <pc:sldMk cId="2328442223" sldId="1654"/>
+            <ac:spMk id="17" creationId="{C3445EC2-9D9F-45E1-BF58-63B38CFA4FD6}"/>
+          </ac:spMkLst>
+        </pc:spChg>
+        <pc:spChg chg="add mod">
+          <ac:chgData name="Sébastien PAULET" userId="6b23f485-01ca-4aef-9a82-cbc20d7072f9" providerId="ADAL" clId="{0599B59D-D098-4D7E-849B-163A13AF3B85}" dt="2018-01-23T15:27:06.734" v="2607" actId="20577"/>
+          <ac:spMkLst>
+            <pc:docMk/>
+            <pc:sldMk cId="2328442223" sldId="1654"/>
+            <ac:spMk id="18" creationId="{43B6742E-C0FB-47F3-9259-EAD969DA217B}"/>
+          </ac:spMkLst>
+        </pc:spChg>
+        <pc:grpChg chg="add del mod">
+          <ac:chgData name="Sébastien PAULET" userId="6b23f485-01ca-4aef-9a82-cbc20d7072f9" providerId="ADAL" clId="{0599B59D-D098-4D7E-849B-163A13AF3B85}" dt="2018-01-23T10:59:02.274" v="2275" actId="1036"/>
+          <ac:grpSpMkLst>
+            <pc:docMk/>
+            <pc:sldMk cId="2328442223" sldId="1654"/>
+            <ac:grpSpMk id="6" creationId="{1B4A119A-1AF4-476F-88B9-AB664290841A}"/>
+          </ac:grpSpMkLst>
+        </pc:grpChg>
+        <pc:grpChg chg="add mod">
+          <ac:chgData name="Sébastien PAULET" userId="6b23f485-01ca-4aef-9a82-cbc20d7072f9" providerId="ADAL" clId="{0599B59D-D098-4D7E-849B-163A13AF3B85}" dt="2018-01-23T11:12:06.881" v="2542" actId="1035"/>
+          <ac:grpSpMkLst>
+            <pc:docMk/>
+            <pc:sldMk cId="2328442223" sldId="1654"/>
+            <ac:grpSpMk id="9" creationId="{12C0155E-45BE-4D1B-97D4-EC621D578737}"/>
+          </ac:grpSpMkLst>
+        </pc:grpChg>
+        <pc:grpChg chg="add mod">
+          <ac:chgData name="Sébastien PAULET" userId="6b23f485-01ca-4aef-9a82-cbc20d7072f9" providerId="ADAL" clId="{0599B59D-D098-4D7E-849B-163A13AF3B85}" dt="2018-01-23T11:07:16.708" v="2420" actId="14100"/>
+          <ac:grpSpMkLst>
+            <pc:docMk/>
+            <pc:sldMk cId="2328442223" sldId="1654"/>
+            <ac:grpSpMk id="13" creationId="{7E67FBAC-FCEB-49E6-A3FA-FCB19EA4F329}"/>
+          </ac:grpSpMkLst>
+        </pc:grpChg>
         <pc:picChg chg="add mod">
-          <ac:chgData name="Sébastien PAULET" userId="6b23f485-01ca-4aef-9a82-cbc20d7072f9" providerId="ADAL" clId="{0599B59D-D098-4D7E-849B-163A13AF3B85}" dt="2018-01-20T21:27:38.557" v="2003" actId="1076"/>
+          <ac:chgData name="Sébastien PAULET" userId="6b23f485-01ca-4aef-9a82-cbc20d7072f9" providerId="ADAL" clId="{0599B59D-D098-4D7E-849B-163A13AF3B85}" dt="2018-01-23T10:52:27.132" v="2184" actId="164"/>
           <ac:picMkLst>
             <pc:docMk/>
             <pc:sldMk cId="2328442223" sldId="1654"/>
@@ -1123,22 +879,38 @@
           </ac:picMkLst>
         </pc:picChg>
         <pc:picChg chg="add mod">
-          <ac:chgData name="Sébastien PAULET" userId="6b23f485-01ca-4aef-9a82-cbc20d7072f9" providerId="ADAL" clId="{0599B59D-D098-4D7E-849B-163A13AF3B85}" dt="2018-01-20T21:27:49.243" v="2008" actId="1076"/>
+          <ac:chgData name="Sébastien PAULET" userId="6b23f485-01ca-4aef-9a82-cbc20d7072f9" providerId="ADAL" clId="{0599B59D-D098-4D7E-849B-163A13AF3B85}" dt="2018-01-23T10:52:20.372" v="2183" actId="164"/>
           <ac:picMkLst>
             <pc:docMk/>
             <pc:sldMk cId="2328442223" sldId="1654"/>
             <ac:picMk id="7" creationId="{68BDED46-179B-44D8-A726-EB9828FA58B5}"/>
           </ac:picMkLst>
         </pc:picChg>
+        <pc:picChg chg="add mod">
+          <ac:chgData name="Sébastien PAULET" userId="6b23f485-01ca-4aef-9a82-cbc20d7072f9" providerId="ADAL" clId="{0599B59D-D098-4D7E-849B-163A13AF3B85}" dt="2018-01-23T11:07:37.552" v="2434" actId="1076"/>
+          <ac:picMkLst>
+            <pc:docMk/>
+            <pc:sldMk cId="2328442223" sldId="1654"/>
+            <ac:picMk id="10" creationId="{EC7F11FE-4BA0-47C6-BE43-7C822DF9D828}"/>
+          </ac:picMkLst>
+        </pc:picChg>
+        <pc:picChg chg="add mod">
+          <ac:chgData name="Sébastien PAULET" userId="6b23f485-01ca-4aef-9a82-cbc20d7072f9" providerId="ADAL" clId="{0599B59D-D098-4D7E-849B-163A13AF3B85}" dt="2018-01-23T11:12:24.540" v="2545" actId="1036"/>
+          <ac:picMkLst>
+            <pc:docMk/>
+            <pc:sldMk cId="2328442223" sldId="1654"/>
+            <ac:picMk id="16" creationId="{E883AC25-734E-4CBE-926A-2087EE0C714C}"/>
+          </ac:picMkLst>
+        </pc:picChg>
       </pc:sldChg>
       <pc:sldMasterChg chg="modSldLayout">
-        <pc:chgData name="Sébastien PAULET" userId="6b23f485-01ca-4aef-9a82-cbc20d7072f9" providerId="ADAL" clId="{0599B59D-D098-4D7E-849B-163A13AF3B85}" dt="2018-01-20T18:51:56.004" v="102"/>
+        <pc:chgData name="Sébastien PAULET" userId="6b23f485-01ca-4aef-9a82-cbc20d7072f9" providerId="ADAL" clId="{0599B59D-D098-4D7E-849B-163A13AF3B85}" dt="2018-01-20T18:51:56.004" v="102" actId="20577"/>
         <pc:sldMasterMkLst>
           <pc:docMk/>
           <pc:sldMasterMk cId="2005544715" sldId="2147484495"/>
         </pc:sldMasterMkLst>
         <pc:sldLayoutChg chg="setBg">
-          <pc:chgData name="Sébastien PAULET" userId="6b23f485-01ca-4aef-9a82-cbc20d7072f9" providerId="ADAL" clId="{0599B59D-D098-4D7E-849B-163A13AF3B85}" dt="2018-01-20T18:51:45.632" v="99"/>
+          <pc:chgData name="Sébastien PAULET" userId="6b23f485-01ca-4aef-9a82-cbc20d7072f9" providerId="ADAL" clId="{0599B59D-D098-4D7E-849B-163A13AF3B85}" dt="2018-01-20T18:51:45.632" v="99" actId="20577"/>
           <pc:sldLayoutMkLst>
             <pc:docMk/>
             <pc:sldMasterMk cId="2005544715" sldId="2147484495"/>
@@ -1146,7 +918,7 @@
           </pc:sldLayoutMkLst>
         </pc:sldLayoutChg>
         <pc:sldLayoutChg chg="setBg">
-          <pc:chgData name="Sébastien PAULET" userId="6b23f485-01ca-4aef-9a82-cbc20d7072f9" providerId="ADAL" clId="{0599B59D-D098-4D7E-849B-163A13AF3B85}" dt="2018-01-20T18:51:48.470" v="100"/>
+          <pc:chgData name="Sébastien PAULET" userId="6b23f485-01ca-4aef-9a82-cbc20d7072f9" providerId="ADAL" clId="{0599B59D-D098-4D7E-849B-163A13AF3B85}" dt="2018-01-20T18:51:48.470" v="100" actId="20577"/>
           <pc:sldLayoutMkLst>
             <pc:docMk/>
             <pc:sldMasterMk cId="2005544715" sldId="2147484495"/>
@@ -1154,7 +926,7 @@
           </pc:sldLayoutMkLst>
         </pc:sldLayoutChg>
         <pc:sldLayoutChg chg="setBg">
-          <pc:chgData name="Sébastien PAULET" userId="6b23f485-01ca-4aef-9a82-cbc20d7072f9" providerId="ADAL" clId="{0599B59D-D098-4D7E-849B-163A13AF3B85}" dt="2018-01-20T18:51:52.414" v="101"/>
+          <pc:chgData name="Sébastien PAULET" userId="6b23f485-01ca-4aef-9a82-cbc20d7072f9" providerId="ADAL" clId="{0599B59D-D098-4D7E-849B-163A13AF3B85}" dt="2018-01-20T18:51:52.414" v="101" actId="20577"/>
           <pc:sldLayoutMkLst>
             <pc:docMk/>
             <pc:sldMasterMk cId="2005544715" sldId="2147484495"/>
@@ -1162,7 +934,7 @@
           </pc:sldLayoutMkLst>
         </pc:sldLayoutChg>
         <pc:sldLayoutChg chg="setBg">
-          <pc:chgData name="Sébastien PAULET" userId="6b23f485-01ca-4aef-9a82-cbc20d7072f9" providerId="ADAL" clId="{0599B59D-D098-4D7E-849B-163A13AF3B85}" dt="2018-01-20T18:51:56.004" v="102"/>
+          <pc:chgData name="Sébastien PAULET" userId="6b23f485-01ca-4aef-9a82-cbc20d7072f9" providerId="ADAL" clId="{0599B59D-D098-4D7E-849B-163A13AF3B85}" dt="2018-01-20T18:51:56.004" v="102" actId="20577"/>
           <pc:sldLayoutMkLst>
             <pc:docMk/>
             <pc:sldMasterMk cId="2005544715" sldId="2147484495"/>
@@ -1170,14 +942,14 @@
           </pc:sldLayoutMkLst>
         </pc:sldLayoutChg>
         <pc:sldLayoutChg chg="modSp">
-          <pc:chgData name="Sébastien PAULET" userId="6b23f485-01ca-4aef-9a82-cbc20d7072f9" providerId="ADAL" clId="{0599B59D-D098-4D7E-849B-163A13AF3B85}" dt="2018-01-20T18:51:41.656" v="98"/>
+          <pc:chgData name="Sébastien PAULET" userId="6b23f485-01ca-4aef-9a82-cbc20d7072f9" providerId="ADAL" clId="{0599B59D-D098-4D7E-849B-163A13AF3B85}" dt="2018-01-20T18:51:41.656" v="98" actId="20577"/>
           <pc:sldLayoutMkLst>
             <pc:docMk/>
             <pc:sldMasterMk cId="2005544715" sldId="2147484495"/>
             <pc:sldLayoutMk cId="1937646889" sldId="2147484516"/>
           </pc:sldLayoutMkLst>
           <pc:spChg chg="mod">
-            <ac:chgData name="Sébastien PAULET" userId="6b23f485-01ca-4aef-9a82-cbc20d7072f9" providerId="ADAL" clId="{0599B59D-D098-4D7E-849B-163A13AF3B85}" dt="2018-01-20T18:51:41.656" v="98"/>
+            <ac:chgData name="Sébastien PAULET" userId="6b23f485-01ca-4aef-9a82-cbc20d7072f9" providerId="ADAL" clId="{0599B59D-D098-4D7E-849B-163A13AF3B85}" dt="2018-01-20T18:51:41.656" v="98" actId="20577"/>
             <ac:spMkLst>
               <pc:docMk/>
               <pc:sldMasterMk cId="2005544715" sldId="2147484495"/>
@@ -1188,13 +960,13 @@
         </pc:sldLayoutChg>
       </pc:sldMasterChg>
       <pc:sldMasterChg chg="modSldLayout">
-        <pc:chgData name="Sébastien PAULET" userId="6b23f485-01ca-4aef-9a82-cbc20d7072f9" providerId="ADAL" clId="{0599B59D-D098-4D7E-849B-163A13AF3B85}" dt="2018-01-20T18:52:17.850" v="107"/>
+        <pc:chgData name="Sébastien PAULET" userId="6b23f485-01ca-4aef-9a82-cbc20d7072f9" providerId="ADAL" clId="{0599B59D-D098-4D7E-849B-163A13AF3B85}" dt="2018-01-20T18:52:17.850" v="107" actId="20577"/>
         <pc:sldMasterMkLst>
           <pc:docMk/>
           <pc:sldMasterMk cId="3767842624" sldId="2147484519"/>
         </pc:sldMasterMkLst>
         <pc:sldLayoutChg chg="setBg">
-          <pc:chgData name="Sébastien PAULET" userId="6b23f485-01ca-4aef-9a82-cbc20d7072f9" providerId="ADAL" clId="{0599B59D-D098-4D7E-849B-163A13AF3B85}" dt="2018-01-20T18:52:00.360" v="103"/>
+          <pc:chgData name="Sébastien PAULET" userId="6b23f485-01ca-4aef-9a82-cbc20d7072f9" providerId="ADAL" clId="{0599B59D-D098-4D7E-849B-163A13AF3B85}" dt="2018-01-20T18:52:00.360" v="103" actId="20577"/>
           <pc:sldLayoutMkLst>
             <pc:docMk/>
             <pc:sldMasterMk cId="3767842624" sldId="2147484519"/>
@@ -1202,14 +974,14 @@
           </pc:sldLayoutMkLst>
         </pc:sldLayoutChg>
         <pc:sldLayoutChg chg="modSp">
-          <pc:chgData name="Sébastien PAULET" userId="6b23f485-01ca-4aef-9a82-cbc20d7072f9" providerId="ADAL" clId="{0599B59D-D098-4D7E-849B-163A13AF3B85}" dt="2018-01-20T18:52:06.405" v="104"/>
+          <pc:chgData name="Sébastien PAULET" userId="6b23f485-01ca-4aef-9a82-cbc20d7072f9" providerId="ADAL" clId="{0599B59D-D098-4D7E-849B-163A13AF3B85}" dt="2018-01-20T18:52:06.405" v="104" actId="20577"/>
           <pc:sldLayoutMkLst>
             <pc:docMk/>
             <pc:sldMasterMk cId="3767842624" sldId="2147484519"/>
             <pc:sldLayoutMk cId="4112745383" sldId="2147484530"/>
           </pc:sldLayoutMkLst>
           <pc:spChg chg="mod">
-            <ac:chgData name="Sébastien PAULET" userId="6b23f485-01ca-4aef-9a82-cbc20d7072f9" providerId="ADAL" clId="{0599B59D-D098-4D7E-849B-163A13AF3B85}" dt="2018-01-20T18:52:06.405" v="104"/>
+            <ac:chgData name="Sébastien PAULET" userId="6b23f485-01ca-4aef-9a82-cbc20d7072f9" providerId="ADAL" clId="{0599B59D-D098-4D7E-849B-163A13AF3B85}" dt="2018-01-20T18:52:06.405" v="104" actId="20577"/>
             <ac:spMkLst>
               <pc:docMk/>
               <pc:sldMasterMk cId="3767842624" sldId="2147484519"/>
@@ -1219,7 +991,7 @@
           </pc:spChg>
         </pc:sldLayoutChg>
         <pc:sldLayoutChg chg="setBg">
-          <pc:chgData name="Sébastien PAULET" userId="6b23f485-01ca-4aef-9a82-cbc20d7072f9" providerId="ADAL" clId="{0599B59D-D098-4D7E-849B-163A13AF3B85}" dt="2018-01-20T18:52:10.034" v="105"/>
+          <pc:chgData name="Sébastien PAULET" userId="6b23f485-01ca-4aef-9a82-cbc20d7072f9" providerId="ADAL" clId="{0599B59D-D098-4D7E-849B-163A13AF3B85}" dt="2018-01-20T18:52:10.034" v="105" actId="20577"/>
           <pc:sldLayoutMkLst>
             <pc:docMk/>
             <pc:sldMasterMk cId="3767842624" sldId="2147484519"/>
@@ -1227,7 +999,7 @@
           </pc:sldLayoutMkLst>
         </pc:sldLayoutChg>
         <pc:sldLayoutChg chg="setBg">
-          <pc:chgData name="Sébastien PAULET" userId="6b23f485-01ca-4aef-9a82-cbc20d7072f9" providerId="ADAL" clId="{0599B59D-D098-4D7E-849B-163A13AF3B85}" dt="2018-01-20T18:52:13.758" v="106"/>
+          <pc:chgData name="Sébastien PAULET" userId="6b23f485-01ca-4aef-9a82-cbc20d7072f9" providerId="ADAL" clId="{0599B59D-D098-4D7E-849B-163A13AF3B85}" dt="2018-01-20T18:52:13.758" v="106" actId="20577"/>
           <pc:sldLayoutMkLst>
             <pc:docMk/>
             <pc:sldMasterMk cId="3767842624" sldId="2147484519"/>
@@ -1235,7 +1007,7 @@
           </pc:sldLayoutMkLst>
         </pc:sldLayoutChg>
         <pc:sldLayoutChg chg="setBg">
-          <pc:chgData name="Sébastien PAULET" userId="6b23f485-01ca-4aef-9a82-cbc20d7072f9" providerId="ADAL" clId="{0599B59D-D098-4D7E-849B-163A13AF3B85}" dt="2018-01-20T18:52:17.850" v="107"/>
+          <pc:chgData name="Sébastien PAULET" userId="6b23f485-01ca-4aef-9a82-cbc20d7072f9" providerId="ADAL" clId="{0599B59D-D098-4D7E-849B-163A13AF3B85}" dt="2018-01-20T18:52:17.850" v="107" actId="20577"/>
           <pc:sldLayoutMkLst>
             <pc:docMk/>
             <pc:sldMasterMk cId="3767842624" sldId="2147484519"/>
@@ -1244,13 +1016,13 @@
         </pc:sldLayoutChg>
       </pc:sldMasterChg>
       <pc:sldMasterChg chg="modSldLayout">
-        <pc:chgData name="Sébastien PAULET" userId="6b23f485-01ca-4aef-9a82-cbc20d7072f9" providerId="ADAL" clId="{0599B59D-D098-4D7E-849B-163A13AF3B85}" dt="2018-01-20T18:52:39.927" v="112"/>
+        <pc:chgData name="Sébastien PAULET" userId="6b23f485-01ca-4aef-9a82-cbc20d7072f9" providerId="ADAL" clId="{0599B59D-D098-4D7E-849B-163A13AF3B85}" dt="2018-01-20T18:52:39.927" v="112" actId="20577"/>
         <pc:sldMasterMkLst>
           <pc:docMk/>
           <pc:sldMasterMk cId="1595066715" sldId="2147484547"/>
         </pc:sldMasterMkLst>
         <pc:sldLayoutChg chg="setBg">
-          <pc:chgData name="Sébastien PAULET" userId="6b23f485-01ca-4aef-9a82-cbc20d7072f9" providerId="ADAL" clId="{0599B59D-D098-4D7E-849B-163A13AF3B85}" dt="2018-01-20T18:52:24.563" v="108"/>
+          <pc:chgData name="Sébastien PAULET" userId="6b23f485-01ca-4aef-9a82-cbc20d7072f9" providerId="ADAL" clId="{0599B59D-D098-4D7E-849B-163A13AF3B85}" dt="2018-01-20T18:52:24.563" v="108" actId="20577"/>
           <pc:sldLayoutMkLst>
             <pc:docMk/>
             <pc:sldMasterMk cId="1595066715" sldId="2147484547"/>
@@ -1258,7 +1030,7 @@
           </pc:sldLayoutMkLst>
         </pc:sldLayoutChg>
         <pc:sldLayoutChg chg="setBg">
-          <pc:chgData name="Sébastien PAULET" userId="6b23f485-01ca-4aef-9a82-cbc20d7072f9" providerId="ADAL" clId="{0599B59D-D098-4D7E-849B-163A13AF3B85}" dt="2018-01-20T18:52:28.672" v="109"/>
+          <pc:chgData name="Sébastien PAULET" userId="6b23f485-01ca-4aef-9a82-cbc20d7072f9" providerId="ADAL" clId="{0599B59D-D098-4D7E-849B-163A13AF3B85}" dt="2018-01-20T18:52:28.672" v="109" actId="20577"/>
           <pc:sldLayoutMkLst>
             <pc:docMk/>
             <pc:sldMasterMk cId="1595066715" sldId="2147484547"/>
@@ -1266,7 +1038,7 @@
           </pc:sldLayoutMkLst>
         </pc:sldLayoutChg>
         <pc:sldLayoutChg chg="setBg">
-          <pc:chgData name="Sébastien PAULET" userId="6b23f485-01ca-4aef-9a82-cbc20d7072f9" providerId="ADAL" clId="{0599B59D-D098-4D7E-849B-163A13AF3B85}" dt="2018-01-20T18:52:32.597" v="110"/>
+          <pc:chgData name="Sébastien PAULET" userId="6b23f485-01ca-4aef-9a82-cbc20d7072f9" providerId="ADAL" clId="{0599B59D-D098-4D7E-849B-163A13AF3B85}" dt="2018-01-20T18:52:32.597" v="110" actId="20577"/>
           <pc:sldLayoutMkLst>
             <pc:docMk/>
             <pc:sldMasterMk cId="1595066715" sldId="2147484547"/>
@@ -1274,7 +1046,7 @@
           </pc:sldLayoutMkLst>
         </pc:sldLayoutChg>
         <pc:sldLayoutChg chg="setBg">
-          <pc:chgData name="Sébastien PAULET" userId="6b23f485-01ca-4aef-9a82-cbc20d7072f9" providerId="ADAL" clId="{0599B59D-D098-4D7E-849B-163A13AF3B85}" dt="2018-01-20T18:52:36.091" v="111"/>
+          <pc:chgData name="Sébastien PAULET" userId="6b23f485-01ca-4aef-9a82-cbc20d7072f9" providerId="ADAL" clId="{0599B59D-D098-4D7E-849B-163A13AF3B85}" dt="2018-01-20T18:52:36.091" v="111" actId="20577"/>
           <pc:sldLayoutMkLst>
             <pc:docMk/>
             <pc:sldMasterMk cId="1595066715" sldId="2147484547"/>
@@ -1282,7 +1054,7 @@
           </pc:sldLayoutMkLst>
         </pc:sldLayoutChg>
         <pc:sldLayoutChg chg="setBg">
-          <pc:chgData name="Sébastien PAULET" userId="6b23f485-01ca-4aef-9a82-cbc20d7072f9" providerId="ADAL" clId="{0599B59D-D098-4D7E-849B-163A13AF3B85}" dt="2018-01-20T18:52:39.927" v="112"/>
+          <pc:chgData name="Sébastien PAULET" userId="6b23f485-01ca-4aef-9a82-cbc20d7072f9" providerId="ADAL" clId="{0599B59D-D098-4D7E-849B-163A13AF3B85}" dt="2018-01-20T18:52:39.927" v="112" actId="20577"/>
           <pc:sldLayoutMkLst>
             <pc:docMk/>
             <pc:sldMasterMk cId="1595066715" sldId="2147484547"/>
@@ -1291,13 +1063,13 @@
         </pc:sldLayoutChg>
       </pc:sldMasterChg>
       <pc:sldMasterChg chg="modSldLayout">
-        <pc:chgData name="Sébastien PAULET" userId="6b23f485-01ca-4aef-9a82-cbc20d7072f9" providerId="ADAL" clId="{0599B59D-D098-4D7E-849B-163A13AF3B85}" dt="2018-01-20T18:53:02.982" v="117"/>
+        <pc:chgData name="Sébastien PAULET" userId="6b23f485-01ca-4aef-9a82-cbc20d7072f9" providerId="ADAL" clId="{0599B59D-D098-4D7E-849B-163A13AF3B85}" dt="2018-01-20T18:53:02.982" v="117" actId="20577"/>
         <pc:sldMasterMkLst>
           <pc:docMk/>
           <pc:sldMasterMk cId="953490732" sldId="2147484565"/>
         </pc:sldMasterMkLst>
         <pc:sldLayoutChg chg="setBg">
-          <pc:chgData name="Sébastien PAULET" userId="6b23f485-01ca-4aef-9a82-cbc20d7072f9" providerId="ADAL" clId="{0599B59D-D098-4D7E-849B-163A13AF3B85}" dt="2018-01-20T18:52:48.242" v="113"/>
+          <pc:chgData name="Sébastien PAULET" userId="6b23f485-01ca-4aef-9a82-cbc20d7072f9" providerId="ADAL" clId="{0599B59D-D098-4D7E-849B-163A13AF3B85}" dt="2018-01-20T18:52:48.242" v="113" actId="20577"/>
           <pc:sldLayoutMkLst>
             <pc:docMk/>
             <pc:sldMasterMk cId="953490732" sldId="2147484565"/>
@@ -1305,7 +1077,7 @@
           </pc:sldLayoutMkLst>
         </pc:sldLayoutChg>
         <pc:sldLayoutChg chg="setBg">
-          <pc:chgData name="Sébastien PAULET" userId="6b23f485-01ca-4aef-9a82-cbc20d7072f9" providerId="ADAL" clId="{0599B59D-D098-4D7E-849B-163A13AF3B85}" dt="2018-01-20T18:52:52.350" v="114"/>
+          <pc:chgData name="Sébastien PAULET" userId="6b23f485-01ca-4aef-9a82-cbc20d7072f9" providerId="ADAL" clId="{0599B59D-D098-4D7E-849B-163A13AF3B85}" dt="2018-01-20T18:52:52.350" v="114" actId="20577"/>
           <pc:sldLayoutMkLst>
             <pc:docMk/>
             <pc:sldMasterMk cId="953490732" sldId="2147484565"/>
@@ -1313,7 +1085,7 @@
           </pc:sldLayoutMkLst>
         </pc:sldLayoutChg>
         <pc:sldLayoutChg chg="setBg">
-          <pc:chgData name="Sébastien PAULET" userId="6b23f485-01ca-4aef-9a82-cbc20d7072f9" providerId="ADAL" clId="{0599B59D-D098-4D7E-849B-163A13AF3B85}" dt="2018-01-20T18:52:55.750" v="115"/>
+          <pc:chgData name="Sébastien PAULET" userId="6b23f485-01ca-4aef-9a82-cbc20d7072f9" providerId="ADAL" clId="{0599B59D-D098-4D7E-849B-163A13AF3B85}" dt="2018-01-20T18:52:55.750" v="115" actId="20577"/>
           <pc:sldLayoutMkLst>
             <pc:docMk/>
             <pc:sldMasterMk cId="953490732" sldId="2147484565"/>
@@ -1321,7 +1093,7 @@
           </pc:sldLayoutMkLst>
         </pc:sldLayoutChg>
         <pc:sldLayoutChg chg="setBg">
-          <pc:chgData name="Sébastien PAULET" userId="6b23f485-01ca-4aef-9a82-cbc20d7072f9" providerId="ADAL" clId="{0599B59D-D098-4D7E-849B-163A13AF3B85}" dt="2018-01-20T18:52:59.060" v="116"/>
+          <pc:chgData name="Sébastien PAULET" userId="6b23f485-01ca-4aef-9a82-cbc20d7072f9" providerId="ADAL" clId="{0599B59D-D098-4D7E-849B-163A13AF3B85}" dt="2018-01-20T18:52:59.060" v="116" actId="20577"/>
           <pc:sldLayoutMkLst>
             <pc:docMk/>
             <pc:sldMasterMk cId="953490732" sldId="2147484565"/>
@@ -1329,7 +1101,7 @@
           </pc:sldLayoutMkLst>
         </pc:sldLayoutChg>
         <pc:sldLayoutChg chg="setBg">
-          <pc:chgData name="Sébastien PAULET" userId="6b23f485-01ca-4aef-9a82-cbc20d7072f9" providerId="ADAL" clId="{0599B59D-D098-4D7E-849B-163A13AF3B85}" dt="2018-01-20T18:53:02.982" v="117"/>
+          <pc:chgData name="Sébastien PAULET" userId="6b23f485-01ca-4aef-9a82-cbc20d7072f9" providerId="ADAL" clId="{0599B59D-D098-4D7E-849B-163A13AF3B85}" dt="2018-01-20T18:53:02.982" v="117" actId="20577"/>
           <pc:sldLayoutMkLst>
             <pc:docMk/>
             <pc:sldMasterMk cId="953490732" sldId="2147484565"/>
@@ -1346,13 +1118,6 @@
       <pc:docMkLst>
         <pc:docMk/>
       </pc:docMkLst>
-      <pc:sldChg chg="del">
-        <pc:chgData name="Sébastien PAULET" userId="6b23f485-01ca-4aef-9a82-cbc20d7072f9" providerId="ADAL" clId="{DB8C3F60-83EE-4AF6-B6C2-678AB9D854FD}" dt="2018-01-20T18:39:19.142" v="0" actId="2696"/>
-        <pc:sldMkLst>
-          <pc:docMk/>
-          <pc:sldMk cId="2904246329" sldId="1647"/>
-        </pc:sldMkLst>
-      </pc:sldChg>
     </pc:docChg>
   </pc:docChgLst>
 </pc:chgInfo>
@@ -1444,7 +1209,7 @@
               <a:rPr lang="en-US" smtClean="0">
                 <a:latin typeface="Segoe UI" pitchFamily="34" charset="0"/>
               </a:rPr>
-              <a:t>1/20/2018 7:40 PM</a:t>
+              <a:t>1/23/2018 1:53 PM</a:t>
             </a:fld>
             <a:endParaRPr lang="en-US" dirty="0">
               <a:latin typeface="Segoe UI" pitchFamily="34" charset="0"/>
@@ -1738,7 +1503,7 @@
           <a:p>
             <a:fld id="{D18B56EA-E28F-4F92-9F16-7A6F2501B303}" type="datetime8">
               <a:rPr lang="en-US" smtClean="0"/>
-              <a:t>1/20/2018 7:40 PM</a:t>
+              <a:t>1/23/2018 1:53 PM</a:t>
             </a:fld>
             <a:endParaRPr lang="en-US" dirty="0"/>
           </a:p>
@@ -2121,7 +1886,7 @@
           <a:p>
             <a:fld id="{D18B56EA-E28F-4F92-9F16-7A6F2501B303}" type="datetime8">
               <a:rPr lang="en-US" smtClean="0"/>
-              <a:t>1/20/2018 8:04 PM</a:t>
+              <a:t>1/23/2018 1:53 PM</a:t>
             </a:fld>
             <a:endParaRPr lang="en-US" dirty="0"/>
           </a:p>
@@ -2302,7 +2067,7 @@
           <a:p>
             <a:fld id="{D18B56EA-E28F-4F92-9F16-7A6F2501B303}" type="datetime8">
               <a:rPr lang="en-US" smtClean="0"/>
-              <a:t>1/20/2018 7:40 PM</a:t>
+              <a:t>1/23/2018 1:53 PM</a:t>
             </a:fld>
             <a:endParaRPr lang="en-US" dirty="0"/>
           </a:p>
@@ -2483,7 +2248,7 @@
           <a:p>
             <a:fld id="{D18B56EA-E28F-4F92-9F16-7A6F2501B303}" type="datetime8">
               <a:rPr lang="en-US" smtClean="0"/>
-              <a:t>1/20/2018 10:27 PM</a:t>
+              <a:t>1/23/2018 1:53 PM</a:t>
             </a:fld>
             <a:endParaRPr lang="en-US" dirty="0"/>
           </a:p>
@@ -2517,455 +2282,6 @@
     <p:extLst>
       <p:ext uri="{BB962C8B-B14F-4D97-AF65-F5344CB8AC3E}">
         <p14:creationId xmlns:p14="http://schemas.microsoft.com/office/powerpoint/2010/main" val="1505813521"/>
-      </p:ext>
-    </p:extLst>
-  </p:cSld>
-  <p:clrMapOvr>
-    <a:masterClrMapping/>
-  </p:clrMapOvr>
-</p:notes>
-</file>
-
-<file path=ppt/notesSlides/notesSlide12.xml><?xml version="1.0" encoding="utf-8"?>
-<p:notes xmlns:a="http://schemas.openxmlformats.org/drawingml/2006/main" xmlns:r="http://schemas.openxmlformats.org/officeDocument/2006/relationships" xmlns:p="http://schemas.openxmlformats.org/presentationml/2006/main">
-  <p:cSld>
-    <p:spTree>
-      <p:nvGrpSpPr>
-        <p:cNvPr id="1" name=""/>
-        <p:cNvGrpSpPr/>
-        <p:nvPr/>
-      </p:nvGrpSpPr>
-      <p:grpSpPr>
-        <a:xfrm>
-          <a:off x="0" y="0"/>
-          <a:ext cx="0" cy="0"/>
-          <a:chOff x="0" y="0"/>
-          <a:chExt cx="0" cy="0"/>
-        </a:xfrm>
-      </p:grpSpPr>
-      <p:sp>
-        <p:nvSpPr>
-          <p:cNvPr id="2" name="Slide Image Placeholder 1"/>
-          <p:cNvSpPr>
-            <a:spLocks noGrp="1" noRot="1" noChangeAspect="1"/>
-          </p:cNvSpPr>
-          <p:nvPr>
-            <p:ph type="sldImg"/>
-          </p:nvPr>
-        </p:nvSpPr>
-        <p:spPr/>
-      </p:sp>
-      <p:sp>
-        <p:nvSpPr>
-          <p:cNvPr id="3" name="Notes Placeholder 2"/>
-          <p:cNvSpPr>
-            <a:spLocks noGrp="1"/>
-          </p:cNvSpPr>
-          <p:nvPr>
-            <p:ph type="body" idx="1"/>
-          </p:nvPr>
-        </p:nvSpPr>
-        <p:spPr/>
-        <p:txBody>
-          <a:bodyPr/>
-          <a:lstStyle/>
-          <a:p>
-            <a:pPr marL="0" marR="0" indent="0" algn="l" defTabSz="914363" rtl="0" eaLnBrk="1" fontAlgn="auto" latinLnBrk="0" hangingPunct="1">
-              <a:lnSpc>
-                <a:spcPct val="90000"/>
-              </a:lnSpc>
-              <a:spcBef>
-                <a:spcPts val="0"/>
-              </a:spcBef>
-              <a:spcAft>
-                <a:spcPts val="333"/>
-              </a:spcAft>
-              <a:buClrTx/>
-              <a:buSzTx/>
-              <a:buFontTx/>
-              <a:buNone/>
-              <a:tabLst/>
-              <a:defRPr/>
-            </a:pPr>
-            <a:endParaRPr lang="en-US" dirty="0"/>
-          </a:p>
-        </p:txBody>
-      </p:sp>
-      <p:sp>
-        <p:nvSpPr>
-          <p:cNvPr id="8" name="Date Placeholder 7"/>
-          <p:cNvSpPr>
-            <a:spLocks noGrp="1"/>
-          </p:cNvSpPr>
-          <p:nvPr>
-            <p:ph type="dt" idx="10"/>
-          </p:nvPr>
-        </p:nvSpPr>
-        <p:spPr/>
-        <p:txBody>
-          <a:bodyPr/>
-          <a:lstStyle/>
-          <a:p>
-            <a:pPr marL="0" marR="0" lvl="0" indent="0" algn="r" defTabSz="932742" rtl="0" eaLnBrk="1" fontAlgn="auto" latinLnBrk="0" hangingPunct="1">
-              <a:lnSpc>
-                <a:spcPct val="100000"/>
-              </a:lnSpc>
-              <a:spcBef>
-                <a:spcPts val="0"/>
-              </a:spcBef>
-              <a:spcAft>
-                <a:spcPts val="0"/>
-              </a:spcAft>
-              <a:buClrTx/>
-              <a:buSzTx/>
-              <a:buFontTx/>
-              <a:buNone/>
-              <a:tabLst/>
-              <a:defRPr/>
-            </a:pPr>
-            <a:fld id="{FAE93440-8CE8-4345-AA9F-8886942F5E27}" type="datetime1">
-              <a:rPr kumimoji="0" lang="en-US" sz="1200" b="0" i="0" u="none" strike="noStrike" kern="1200" cap="none" spc="0" normalizeH="0" baseline="0" noProof="0" smtClean="0">
-                <a:ln>
-                  <a:noFill/>
-                </a:ln>
-                <a:solidFill>
-                  <a:prstClr val="black"/>
-                </a:solidFill>
-                <a:effectLst/>
-                <a:uLnTx/>
-                <a:uFillTx/>
-                <a:latin typeface="Segoe UI" pitchFamily="34" charset="0"/>
-                <a:ea typeface="+mn-ea"/>
-                <a:cs typeface="+mn-cs"/>
-              </a:rPr>
-              <a:pPr marL="0" marR="0" lvl="0" indent="0" algn="r" defTabSz="932742" rtl="0" eaLnBrk="1" fontAlgn="auto" latinLnBrk="0" hangingPunct="1">
-                <a:lnSpc>
-                  <a:spcPct val="100000"/>
-                </a:lnSpc>
-                <a:spcBef>
-                  <a:spcPts val="0"/>
-                </a:spcBef>
-                <a:spcAft>
-                  <a:spcPts val="0"/>
-                </a:spcAft>
-                <a:buClrTx/>
-                <a:buSzTx/>
-                <a:buFontTx/>
-                <a:buNone/>
-                <a:tabLst/>
-                <a:defRPr/>
-              </a:pPr>
-              <a:t>1/20/2018</a:t>
-            </a:fld>
-            <a:endParaRPr kumimoji="0" lang="en-US" sz="1200" b="0" i="0" u="none" strike="noStrike" kern="1200" cap="none" spc="0" normalizeH="0" baseline="0" noProof="0" dirty="0">
-              <a:ln>
-                <a:noFill/>
-              </a:ln>
-              <a:solidFill>
-                <a:prstClr val="black"/>
-              </a:solidFill>
-              <a:effectLst/>
-              <a:uLnTx/>
-              <a:uFillTx/>
-              <a:latin typeface="Segoe UI" pitchFamily="34" charset="0"/>
-              <a:ea typeface="+mn-ea"/>
-              <a:cs typeface="+mn-cs"/>
-            </a:endParaRPr>
-          </a:p>
-        </p:txBody>
-      </p:sp>
-      <p:sp>
-        <p:nvSpPr>
-          <p:cNvPr id="9" name="Footer Placeholder 8"/>
-          <p:cNvSpPr>
-            <a:spLocks noGrp="1"/>
-          </p:cNvSpPr>
-          <p:nvPr>
-            <p:ph type="ftr" sz="quarter" idx="11"/>
-          </p:nvPr>
-        </p:nvSpPr>
-        <p:spPr/>
-        <p:txBody>
-          <a:bodyPr/>
-          <a:lstStyle/>
-          <a:p>
-            <a:pPr marL="571500" marR="0" lvl="0" indent="0" algn="l" defTabSz="914099" rtl="0" eaLnBrk="0" fontAlgn="auto" latinLnBrk="0" hangingPunct="0">
-              <a:lnSpc>
-                <a:spcPct val="100000"/>
-              </a:lnSpc>
-              <a:spcBef>
-                <a:spcPts val="0"/>
-              </a:spcBef>
-              <a:spcAft>
-                <a:spcPts val="0"/>
-              </a:spcAft>
-              <a:buClrTx/>
-              <a:buSzTx/>
-              <a:buFontTx/>
-              <a:buNone/>
-              <a:tabLst/>
-              <a:defRPr/>
-            </a:pPr>
-            <a:r>
-              <a:rPr kumimoji="0" lang="en-US" sz="400" b="0" i="0" u="none" strike="noStrike" kern="1200" cap="none" spc="0" normalizeH="0" baseline="0" noProof="0" dirty="0">
-                <a:ln>
-                  <a:noFill/>
-                </a:ln>
-                <a:gradFill>
-                  <a:gsLst>
-                    <a:gs pos="0">
-                      <a:prstClr val="black"/>
-                    </a:gs>
-                    <a:gs pos="100000">
-                      <a:prstClr val="black"/>
-                    </a:gs>
-                  </a:gsLst>
-                  <a:lin ang="5400000" scaled="0"/>
-                </a:gradFill>
-                <a:effectLst/>
-                <a:uLnTx/>
-                <a:uFillTx/>
-                <a:latin typeface="Segoe UI" pitchFamily="34" charset="0"/>
-                <a:ea typeface="Segoe UI" pitchFamily="34" charset="0"/>
-                <a:cs typeface="Segoe UI" pitchFamily="34" charset="0"/>
-              </a:rPr>
-              <a:t>© 2012 Microsoft Corporation. All rights reserved. Microsoft, Windows, Windows Vista and other product names are or may be registered trademarks and/or trademarks in the U.S. and/or other countries.</a:t>
-            </a:r>
-          </a:p>
-          <a:p>
-            <a:pPr marL="571500" marR="0" lvl="0" indent="0" algn="l" defTabSz="914099" rtl="0" eaLnBrk="0" fontAlgn="auto" latinLnBrk="0" hangingPunct="0">
-              <a:lnSpc>
-                <a:spcPct val="100000"/>
-              </a:lnSpc>
-              <a:spcBef>
-                <a:spcPts val="0"/>
-              </a:spcBef>
-              <a:spcAft>
-                <a:spcPts val="0"/>
-              </a:spcAft>
-              <a:buClrTx/>
-              <a:buSzTx/>
-              <a:buFontTx/>
-              <a:buNone/>
-              <a:tabLst/>
-              <a:defRPr/>
-            </a:pPr>
-            <a:r>
-              <a:rPr kumimoji="0" lang="en-US" sz="400" b="0" i="0" u="none" strike="noStrike" kern="1200" cap="none" spc="0" normalizeH="0" baseline="0" noProof="0" dirty="0">
-                <a:ln>
-                  <a:noFill/>
-                </a:ln>
-                <a:gradFill>
-                  <a:gsLst>
-                    <a:gs pos="0">
-                      <a:prstClr val="black"/>
-                    </a:gs>
-                    <a:gs pos="100000">
-                      <a:prstClr val="black"/>
-                    </a:gs>
-                  </a:gsLst>
-                  <a:lin ang="5400000" scaled="0"/>
-                </a:gradFill>
-                <a:effectLst/>
-                <a:uLnTx/>
-                <a:uFillTx/>
-                <a:latin typeface="Segoe UI" pitchFamily="34" charset="0"/>
-                <a:ea typeface="Segoe UI" pitchFamily="34" charset="0"/>
-                <a:cs typeface="Segoe UI" pitchFamily="34" charset="0"/>
-              </a:rPr>
-              <a:t>The information herein is for informational purposes only and represents the current view of Microsoft Corporation as of the date of this presentation. Because Microsoft must respond to changing market conditions, it should not be interpreted to be a commitment on the part of Microsoft, and Microsoft cannot guarantee the accuracy of any information provided after the date of this presentation. </a:t>
-            </a:r>
-            <a:br>
-              <a:rPr kumimoji="0" lang="en-US" sz="400" b="0" i="0" u="none" strike="noStrike" kern="1200" cap="none" spc="0" normalizeH="0" baseline="0" noProof="0" dirty="0">
-                <a:ln>
-                  <a:noFill/>
-                </a:ln>
-                <a:gradFill>
-                  <a:gsLst>
-                    <a:gs pos="0">
-                      <a:prstClr val="black"/>
-                    </a:gs>
-                    <a:gs pos="100000">
-                      <a:prstClr val="black"/>
-                    </a:gs>
-                  </a:gsLst>
-                  <a:lin ang="5400000" scaled="0"/>
-                </a:gradFill>
-                <a:effectLst/>
-                <a:uLnTx/>
-                <a:uFillTx/>
-                <a:latin typeface="Segoe UI" pitchFamily="34" charset="0"/>
-                <a:ea typeface="Segoe UI" pitchFamily="34" charset="0"/>
-                <a:cs typeface="Segoe UI" pitchFamily="34" charset="0"/>
-              </a:rPr>
-            </a:br>
-            <a:r>
-              <a:rPr kumimoji="0" lang="en-US" sz="400" b="0" i="0" u="none" strike="noStrike" kern="1200" cap="none" spc="0" normalizeH="0" baseline="0" noProof="0" dirty="0">
-                <a:ln>
-                  <a:noFill/>
-                </a:ln>
-                <a:gradFill>
-                  <a:gsLst>
-                    <a:gs pos="0">
-                      <a:prstClr val="black"/>
-                    </a:gs>
-                    <a:gs pos="100000">
-                      <a:prstClr val="black"/>
-                    </a:gs>
-                  </a:gsLst>
-                  <a:lin ang="5400000" scaled="0"/>
-                </a:gradFill>
-                <a:effectLst/>
-                <a:uLnTx/>
-                <a:uFillTx/>
-                <a:latin typeface="Segoe UI" pitchFamily="34" charset="0"/>
-                <a:ea typeface="Segoe UI" pitchFamily="34" charset="0"/>
-                <a:cs typeface="Segoe UI" pitchFamily="34" charset="0"/>
-              </a:rPr>
-              <a:t>MICROSOFT MAKES NO WARRANTIES, EXPRESS, IMPLIED OR STATUTORY, AS TO THE INFORMATION IN THIS PRESENTATION.</a:t>
-            </a:r>
-          </a:p>
-        </p:txBody>
-      </p:sp>
-      <p:sp>
-        <p:nvSpPr>
-          <p:cNvPr id="10" name="Slide Number Placeholder 9"/>
-          <p:cNvSpPr>
-            <a:spLocks noGrp="1"/>
-          </p:cNvSpPr>
-          <p:nvPr>
-            <p:ph type="sldNum" sz="quarter" idx="12"/>
-          </p:nvPr>
-        </p:nvSpPr>
-        <p:spPr/>
-        <p:txBody>
-          <a:bodyPr/>
-          <a:lstStyle/>
-          <a:p>
-            <a:pPr marL="0" marR="0" lvl="0" indent="0" algn="r" defTabSz="932742" rtl="0" eaLnBrk="1" fontAlgn="auto" latinLnBrk="0" hangingPunct="1">
-              <a:lnSpc>
-                <a:spcPct val="100000"/>
-              </a:lnSpc>
-              <a:spcBef>
-                <a:spcPts val="0"/>
-              </a:spcBef>
-              <a:spcAft>
-                <a:spcPts val="0"/>
-              </a:spcAft>
-              <a:buClrTx/>
-              <a:buSzTx/>
-              <a:buFontTx/>
-              <a:buNone/>
-              <a:tabLst/>
-              <a:defRPr/>
-            </a:pPr>
-            <a:fld id="{8B263312-38AA-4E1E-B2B5-0F8F122B24FE}" type="slidenum">
-              <a:rPr kumimoji="0" lang="en-US" sz="1200" b="0" i="0" u="none" strike="noStrike" kern="1200" cap="none" spc="0" normalizeH="0" baseline="0" noProof="0" smtClean="0">
-                <a:ln>
-                  <a:noFill/>
-                </a:ln>
-                <a:solidFill>
-                  <a:prstClr val="black"/>
-                </a:solidFill>
-                <a:effectLst/>
-                <a:uLnTx/>
-                <a:uFillTx/>
-                <a:latin typeface="Segoe UI" pitchFamily="34" charset="0"/>
-                <a:ea typeface="+mn-ea"/>
-                <a:cs typeface="+mn-cs"/>
-              </a:rPr>
-              <a:pPr marL="0" marR="0" lvl="0" indent="0" algn="r" defTabSz="932742" rtl="0" eaLnBrk="1" fontAlgn="auto" latinLnBrk="0" hangingPunct="1">
-                <a:lnSpc>
-                  <a:spcPct val="100000"/>
-                </a:lnSpc>
-                <a:spcBef>
-                  <a:spcPts val="0"/>
-                </a:spcBef>
-                <a:spcAft>
-                  <a:spcPts val="0"/>
-                </a:spcAft>
-                <a:buClrTx/>
-                <a:buSzTx/>
-                <a:buFontTx/>
-                <a:buNone/>
-                <a:tabLst/>
-                <a:defRPr/>
-              </a:pPr>
-              <a:t>12</a:t>
-            </a:fld>
-            <a:endParaRPr kumimoji="0" lang="en-US" sz="1200" b="0" i="0" u="none" strike="noStrike" kern="1200" cap="none" spc="0" normalizeH="0" baseline="0" noProof="0" dirty="0">
-              <a:ln>
-                <a:noFill/>
-              </a:ln>
-              <a:solidFill>
-                <a:prstClr val="black"/>
-              </a:solidFill>
-              <a:effectLst/>
-              <a:uLnTx/>
-              <a:uFillTx/>
-              <a:latin typeface="Segoe UI" pitchFamily="34" charset="0"/>
-              <a:ea typeface="+mn-ea"/>
-              <a:cs typeface="+mn-cs"/>
-            </a:endParaRPr>
-          </a:p>
-        </p:txBody>
-      </p:sp>
-      <p:sp>
-        <p:nvSpPr>
-          <p:cNvPr id="11" name="Header Placeholder 10"/>
-          <p:cNvSpPr>
-            <a:spLocks noGrp="1"/>
-          </p:cNvSpPr>
-          <p:nvPr>
-            <p:ph type="hdr" sz="quarter" idx="13"/>
-          </p:nvPr>
-        </p:nvSpPr>
-        <p:spPr/>
-        <p:txBody>
-          <a:bodyPr/>
-          <a:lstStyle/>
-          <a:p>
-            <a:pPr marL="0" marR="0" lvl="0" indent="0" algn="l" defTabSz="932742" rtl="0" eaLnBrk="1" fontAlgn="auto" latinLnBrk="0" hangingPunct="1">
-              <a:lnSpc>
-                <a:spcPct val="100000"/>
-              </a:lnSpc>
-              <a:spcBef>
-                <a:spcPts val="0"/>
-              </a:spcBef>
-              <a:spcAft>
-                <a:spcPts val="0"/>
-              </a:spcAft>
-              <a:buClrTx/>
-              <a:buSzTx/>
-              <a:buFontTx/>
-              <a:buNone/>
-              <a:tabLst/>
-              <a:defRPr/>
-            </a:pPr>
-            <a:r>
-              <a:rPr kumimoji="0" lang="en-US" sz="1200" b="0" i="0" u="none" strike="noStrike" kern="1200" cap="none" spc="0" normalizeH="0" baseline="0" noProof="0" dirty="0">
-                <a:ln>
-                  <a:noFill/>
-                </a:ln>
-                <a:solidFill>
-                  <a:prstClr val="black"/>
-                </a:solidFill>
-                <a:effectLst/>
-                <a:uLnTx/>
-                <a:uFillTx/>
-                <a:latin typeface="Segoe UI" pitchFamily="34" charset="0"/>
-                <a:ea typeface="+mn-ea"/>
-                <a:cs typeface="+mn-cs"/>
-              </a:rPr>
-              <a:t>Tech Ready 15</a:t>
-            </a:r>
-          </a:p>
-        </p:txBody>
-      </p:sp>
-    </p:spTree>
-    <p:extLst>
-      <p:ext uri="{BB962C8B-B14F-4D97-AF65-F5344CB8AC3E}">
-        <p14:creationId xmlns:p14="http://schemas.microsoft.com/office/powerpoint/2010/main" val="2418613548"/>
       </p:ext>
     </p:extLst>
   </p:cSld>
@@ -3113,7 +2429,7 @@
           <a:p>
             <a:fld id="{D18B56EA-E28F-4F92-9F16-7A6F2501B303}" type="datetime8">
               <a:rPr lang="en-US" smtClean="0"/>
-              <a:t>1/20/2018 7:40 PM</a:t>
+              <a:t>1/23/2018 1:53 PM</a:t>
             </a:fld>
             <a:endParaRPr lang="en-US" dirty="0"/>
           </a:p>
@@ -3369,7 +2685,7 @@
           <a:p>
             <a:fld id="{D18B56EA-E28F-4F92-9F16-7A6F2501B303}" type="datetime8">
               <a:rPr lang="en-US" smtClean="0"/>
-              <a:t>1/20/2018 9:35 PM</a:t>
+              <a:t>1/23/2018 1:53 PM</a:t>
             </a:fld>
             <a:endParaRPr lang="en-US" dirty="0"/>
           </a:p>
@@ -3550,7 +2866,7 @@
           <a:p>
             <a:fld id="{D18B56EA-E28F-4F92-9F16-7A6F2501B303}" type="datetime8">
               <a:rPr lang="en-US" smtClean="0"/>
-              <a:t>1/20/2018 9:04 PM</a:t>
+              <a:t>1/23/2018 1:53 PM</a:t>
             </a:fld>
             <a:endParaRPr lang="en-US" dirty="0"/>
           </a:p>
@@ -3637,7 +2953,14 @@
           <a:bodyPr/>
           <a:lstStyle/>
           <a:p>
-            <a:endParaRPr lang="en-US"/>
+            <a:r>
+              <a:rPr lang="en-US" dirty="0"/>
+              <a:t>V1 vs </a:t>
+            </a:r>
+            <a:r>
+              <a:rPr lang="en-US"/>
+              <a:t>V2 authentication https://docs.microsoft.com/en-us/azure/active-directory/develop/active-directory-v2-limitations</a:t>
+            </a:r>
           </a:p>
         </p:txBody>
       </p:sp>
@@ -3731,7 +3054,7 @@
           <a:p>
             <a:fld id="{D18B56EA-E28F-4F92-9F16-7A6F2501B303}" type="datetime8">
               <a:rPr lang="en-US" smtClean="0"/>
-              <a:t>1/20/2018 7:40 PM</a:t>
+              <a:t>1/23/2018 1:53 PM</a:t>
             </a:fld>
             <a:endParaRPr lang="en-US" dirty="0"/>
           </a:p>
@@ -3912,7 +3235,7 @@
           <a:p>
             <a:fld id="{D18B56EA-E28F-4F92-9F16-7A6F2501B303}" type="datetime8">
               <a:rPr lang="en-US" smtClean="0"/>
-              <a:t>1/20/2018 9:55 PM</a:t>
+              <a:t>1/23/2018 1:53 PM</a:t>
             </a:fld>
             <a:endParaRPr lang="en-US" dirty="0"/>
           </a:p>
@@ -3999,7 +3322,15 @@
           <a:bodyPr/>
           <a:lstStyle/>
           <a:p>
-            <a:endParaRPr lang="en-US"/>
+            <a:r>
+              <a:rPr lang="en-US" dirty="0"/>
+              <a:t>https://graph.microsoft.com/v1.0/me/calendarview?startdatetime=2018-01-23T00:00:00.000Z&amp;enddatetime</a:t>
+            </a:r>
+            <a:r>
+              <a:rPr lang="en-US"/>
+              <a:t>=2018-01-23T23:59:59.999Z</a:t>
+            </a:r>
+            <a:endParaRPr lang="en-US" dirty="0"/>
           </a:p>
         </p:txBody>
       </p:sp>
@@ -4093,7 +3424,7 @@
           <a:p>
             <a:fld id="{D18B56EA-E28F-4F92-9F16-7A6F2501B303}" type="datetime8">
               <a:rPr lang="en-US" smtClean="0"/>
-              <a:t>1/20/2018 10:04 PM</a:t>
+              <a:t>1/23/2018 1:53 PM</a:t>
             </a:fld>
             <a:endParaRPr lang="en-US" dirty="0"/>
           </a:p>
@@ -4180,7 +3511,22 @@
           <a:bodyPr/>
           <a:lstStyle/>
           <a:p>
-            <a:endParaRPr lang="en-US"/>
+            <a:r>
+              <a:rPr lang="en-US" dirty="0" err="1"/>
+              <a:t>Durée</a:t>
+            </a:r>
+            <a:r>
+              <a:rPr lang="en-US" dirty="0"/>
+              <a:t> de vie des </a:t>
+            </a:r>
+            <a:r>
+              <a:rPr lang="en-US" dirty="0" err="1"/>
+              <a:t>jetons</a:t>
+            </a:r>
+            <a:r>
+              <a:rPr lang="en-US" dirty="0"/>
+              <a:t> : https://docs.microsoft.com/fr-fr/azure/active-directory/active-directory-configurable-token-lifetimes</a:t>
+            </a:r>
           </a:p>
         </p:txBody>
       </p:sp>
@@ -4274,7 +3620,7 @@
           <a:p>
             <a:fld id="{D18B56EA-E28F-4F92-9F16-7A6F2501B303}" type="datetime8">
               <a:rPr lang="en-US" smtClean="0"/>
-              <a:t>1/20/2018 10:09 PM</a:t>
+              <a:t>1/23/2018 1:53 PM</a:t>
             </a:fld>
             <a:endParaRPr lang="en-US" dirty="0"/>
           </a:p>
@@ -27779,13 +27125,13 @@
   <p:clrMapOvr>
     <a:masterClrMapping/>
   </p:clrMapOvr>
-  <mc:AlternateContent xmlns:mc="http://schemas.openxmlformats.org/markup-compatibility/2006">
-    <mc:Choice xmlns:p14="http://schemas.microsoft.com/office/powerpoint/2010/main" Requires="p14">
+  <mc:AlternateContent xmlns:mc="http://schemas.openxmlformats.org/markup-compatibility/2006" xmlns:p14="http://schemas.microsoft.com/office/powerpoint/2010/main">
+    <mc:Choice Requires="p14">
       <p:transition spd="med" p14:dur="700">
         <p:fade/>
       </p:transition>
     </mc:Choice>
-    <mc:Fallback>
+    <mc:Fallback xmlns="">
       <p:transition spd="med">
         <p:fade/>
       </p:transition>
@@ -27902,7 +27248,7 @@
         <p:fade/>
       </p:transition>
     </mc:Choice>
-    <mc:Fallback xmlns:a16="http://schemas.microsoft.com/office/drawing/2014/main" xmlns="">
+    <mc:Fallback xmlns="" xmlns:a16="http://schemas.microsoft.com/office/drawing/2014/main">
       <p:transition spd="med">
         <p:fade/>
       </p:transition>
@@ -27930,35 +27276,6 @@
       </p:grpSpPr>
       <p:sp>
         <p:nvSpPr>
-          <p:cNvPr id="3" name="Title 2">
-            <a:extLst>
-              <a:ext uri="{FF2B5EF4-FFF2-40B4-BE49-F238E27FC236}">
-                <a16:creationId xmlns:a16="http://schemas.microsoft.com/office/drawing/2014/main" id="{1C14ED28-E417-4E27-8878-298275C1D9C2}"/>
-              </a:ext>
-            </a:extLst>
-          </p:cNvPr>
-          <p:cNvSpPr>
-            <a:spLocks noGrp="1"/>
-          </p:cNvSpPr>
-          <p:nvPr>
-            <p:ph type="title"/>
-          </p:nvPr>
-        </p:nvSpPr>
-        <p:spPr/>
-        <p:txBody>
-          <a:bodyPr/>
-          <a:lstStyle/>
-          <a:p>
-            <a:r>
-              <a:rPr lang="en-US" dirty="0" err="1"/>
-              <a:t>Exercices</a:t>
-            </a:r>
-            <a:endParaRPr lang="en-US" dirty="0"/>
-          </a:p>
-        </p:txBody>
-      </p:sp>
-      <p:sp>
-        <p:nvSpPr>
           <p:cNvPr id="4" name="Text Placeholder 3">
             <a:extLst>
               <a:ext uri="{FF2B5EF4-FFF2-40B4-BE49-F238E27FC236}">
@@ -27975,26 +27292,33 @@
         </p:nvSpPr>
         <p:spPr>
           <a:xfrm>
-            <a:off x="274640" y="1212852"/>
-            <a:ext cx="11887200" cy="4881336"/>
+            <a:off x="274639" y="296862"/>
+            <a:ext cx="11810997" cy="1902059"/>
           </a:xfrm>
+          <a:solidFill>
+            <a:srgbClr val="F05251"/>
+          </a:solidFill>
         </p:spPr>
         <p:txBody>
           <a:bodyPr/>
           <a:lstStyle/>
           <a:p>
             <a:r>
+              <a:rPr lang="en-US" dirty="0">
+                <a:solidFill>
+                  <a:schemeClr val="bg1"/>
+                </a:solidFill>
+              </a:rPr>
+              <a:t>        AngularJS</a:t>
+            </a:r>
+            <a:r>
               <a:rPr lang="en-US" dirty="0"/>
-              <a:t>Deux </a:t>
-            </a:r>
-            <a:r>
-              <a:rPr lang="en-US" dirty="0" err="1"/>
-              <a:t>chemins</a:t>
-            </a:r>
-            <a:r>
-              <a:rPr lang="en-US" dirty="0"/>
-              <a:t>:</a:t>
-            </a:r>
+              <a:t> </a:t>
+            </a:r>
+          </a:p>
+          <a:p>
+            <a:pPr lvl="1"/>
+            <a:endParaRPr lang="en-US" dirty="0"/>
           </a:p>
           <a:p>
             <a:pPr marL="342900" lvl="1" indent="-342900">
@@ -28004,169 +27328,156 @@
             <a:endParaRPr lang="en-US" dirty="0"/>
           </a:p>
           <a:p>
-            <a:pPr marL="342900" lvl="1" indent="-342900">
-              <a:buFont typeface="Arial" panose="020B0604020202020204" pitchFamily="34" charset="0"/>
-              <a:buChar char="•"/>
-            </a:pPr>
-            <a:endParaRPr lang="en-US" dirty="0"/>
-          </a:p>
-          <a:p>
-            <a:pPr marL="342900" lvl="1" indent="-342900">
-              <a:buFont typeface="Arial" panose="020B0604020202020204" pitchFamily="34" charset="0"/>
-              <a:buChar char="•"/>
-            </a:pPr>
-            <a:endParaRPr lang="en-US" dirty="0"/>
-          </a:p>
-          <a:p>
-            <a:endParaRPr lang="en-US" dirty="0"/>
-          </a:p>
-          <a:p>
-            <a:endParaRPr lang="en-US" dirty="0"/>
-          </a:p>
-          <a:p>
-            <a:r>
-              <a:rPr lang="en-US" dirty="0" err="1"/>
-              <a:t>Exercices</a:t>
-            </a:r>
-            <a:endParaRPr lang="en-US" dirty="0"/>
-          </a:p>
-          <a:p>
-            <a:pPr marL="342900" lvl="1" indent="-342900">
-              <a:buFont typeface="Arial" panose="020B0604020202020204" pitchFamily="34" charset="0"/>
-              <a:buChar char="•"/>
-            </a:pPr>
-            <a:r>
-              <a:rPr lang="en-US" dirty="0" err="1"/>
-              <a:t>Authentification</a:t>
-            </a:r>
-            <a:endParaRPr lang="en-US" dirty="0"/>
-          </a:p>
-          <a:p>
-            <a:pPr marL="342900" lvl="1" indent="-342900">
-              <a:buFont typeface="Arial" panose="020B0604020202020204" pitchFamily="34" charset="0"/>
-              <a:buChar char="•"/>
-            </a:pPr>
-            <a:r>
-              <a:rPr lang="en-US" dirty="0"/>
-              <a:t>Inscription d’un </a:t>
-            </a:r>
-            <a:r>
-              <a:rPr lang="en-US" dirty="0" err="1"/>
-              <a:t>utilisateur</a:t>
-            </a:r>
-            <a:r>
-              <a:rPr lang="en-US" dirty="0"/>
-              <a:t> (</a:t>
-            </a:r>
-            <a:r>
-              <a:rPr lang="en-US" dirty="0" err="1"/>
-              <a:t>écriture</a:t>
-            </a:r>
-            <a:r>
-              <a:rPr lang="en-US" dirty="0"/>
-              <a:t> </a:t>
-            </a:r>
-            <a:r>
-              <a:rPr lang="en-US" dirty="0" err="1"/>
-              <a:t>dans</a:t>
-            </a:r>
-            <a:r>
-              <a:rPr lang="en-US" dirty="0"/>
-              <a:t> un </a:t>
-            </a:r>
-            <a:r>
-              <a:rPr lang="en-US" dirty="0" err="1"/>
-              <a:t>fichier</a:t>
-            </a:r>
-            <a:r>
-              <a:rPr lang="en-US" dirty="0"/>
-              <a:t> Excel, lecture </a:t>
-            </a:r>
-            <a:r>
-              <a:rPr lang="en-US" dirty="0" err="1"/>
-              <a:t>calendrier</a:t>
-            </a:r>
-            <a:r>
-              <a:rPr lang="en-US" dirty="0"/>
-              <a:t>)</a:t>
-            </a:r>
-          </a:p>
-          <a:p>
-            <a:pPr marL="342900" lvl="1" indent="-342900">
-              <a:buFont typeface="Arial" panose="020B0604020202020204" pitchFamily="34" charset="0"/>
-              <a:buChar char="•"/>
-            </a:pPr>
-            <a:r>
-              <a:rPr lang="en-US" dirty="0"/>
-              <a:t>Gestion de la </a:t>
-            </a:r>
-            <a:r>
-              <a:rPr lang="en-US" dirty="0" err="1"/>
-              <a:t>durée</a:t>
-            </a:r>
-            <a:r>
-              <a:rPr lang="en-US" dirty="0"/>
-              <a:t> du </a:t>
-            </a:r>
-            <a:r>
-              <a:rPr lang="en-US" dirty="0" err="1"/>
-              <a:t>compte</a:t>
-            </a:r>
-            <a:endParaRPr lang="en-US" dirty="0"/>
-          </a:p>
-          <a:p>
-            <a:pPr marL="342900" lvl="1" indent="-342900">
-              <a:buFont typeface="Arial" panose="020B0604020202020204" pitchFamily="34" charset="0"/>
-              <a:buChar char="•"/>
-            </a:pPr>
-            <a:r>
-              <a:rPr lang="en-US" dirty="0"/>
-              <a:t>Recherche de </a:t>
-            </a:r>
-            <a:r>
-              <a:rPr lang="en-US" dirty="0" err="1"/>
-              <a:t>fichiers</a:t>
-            </a:r>
-            <a:endParaRPr lang="en-US" dirty="0"/>
+            <a:r>
+              <a:rPr lang="en-US" sz="3200" dirty="0">
+                <a:solidFill>
+                  <a:schemeClr val="bg1"/>
+                </a:solidFill>
+              </a:rPr>
+              <a:t>https://github.com/azugfr/RedShirtTour-MSGraphAPI-Lab_JS</a:t>
+            </a:r>
           </a:p>
         </p:txBody>
       </p:sp>
-      <p:pic>
-        <p:nvPicPr>
-          <p:cNvPr id="5" name="Image 4">
+      <p:grpSp>
+        <p:nvGrpSpPr>
+          <p:cNvPr id="9" name="Groupe 8">
             <a:extLst>
               <a:ext uri="{FF2B5EF4-FFF2-40B4-BE49-F238E27FC236}">
-                <a16:creationId xmlns:a16="http://schemas.microsoft.com/office/drawing/2014/main" id="{4A42A34C-4333-4F7A-A653-4158A9552D03}"/>
+                <a16:creationId xmlns:a16="http://schemas.microsoft.com/office/drawing/2014/main" id="{12C0155E-45BE-4D1B-97D4-EC621D578737}"/>
               </a:ext>
             </a:extLst>
           </p:cNvPr>
-          <p:cNvPicPr>
-            <a:picLocks noChangeAspect="1"/>
-          </p:cNvPicPr>
+          <p:cNvGrpSpPr/>
           <p:nvPr/>
-        </p:nvPicPr>
-        <p:blipFill>
-          <a:blip r:embed="rId3"/>
-          <a:stretch>
-            <a:fillRect/>
-          </a:stretch>
-        </p:blipFill>
-        <p:spPr>
+        </p:nvGrpSpPr>
+        <p:grpSpPr>
           <a:xfrm>
-            <a:off x="3170237" y="1999763"/>
-            <a:ext cx="1371600" cy="1371600"/>
+            <a:off x="461952" y="373062"/>
+            <a:ext cx="727085" cy="689533"/>
+            <a:chOff x="9342437" y="2887662"/>
+            <a:chExt cx="1371600" cy="1371600"/>
           </a:xfrm>
-          <a:prstGeom prst="rect">
-            <a:avLst/>
-          </a:prstGeom>
-        </p:spPr>
-      </p:pic>
+        </p:grpSpPr>
+        <p:sp>
+          <p:nvSpPr>
+            <p:cNvPr id="2" name="Rectangle 1">
+              <a:extLst>
+                <a:ext uri="{FF2B5EF4-FFF2-40B4-BE49-F238E27FC236}">
+                  <a16:creationId xmlns:a16="http://schemas.microsoft.com/office/drawing/2014/main" id="{30650F52-6379-4E9E-8775-B220BD57DE67}"/>
+                </a:ext>
+              </a:extLst>
+            </p:cNvPr>
+            <p:cNvSpPr/>
+            <p:nvPr/>
+          </p:nvSpPr>
+          <p:spPr bwMode="auto">
+            <a:xfrm>
+              <a:off x="9571037" y="3040062"/>
+              <a:ext cx="914400" cy="920960"/>
+            </a:xfrm>
+            <a:prstGeom prst="rect">
+              <a:avLst/>
+            </a:prstGeom>
+            <a:solidFill>
+              <a:schemeClr val="bg1"/>
+            </a:solidFill>
+            <a:ln>
+              <a:noFill/>
+              <a:headEnd type="none" w="med" len="med"/>
+              <a:tailEnd type="none" w="med" len="med"/>
+            </a:ln>
+            <a:effectLst/>
+          </p:spPr>
+          <p:style>
+            <a:lnRef idx="1">
+              <a:schemeClr val="accent2"/>
+            </a:lnRef>
+            <a:fillRef idx="3">
+              <a:schemeClr val="accent2"/>
+            </a:fillRef>
+            <a:effectRef idx="2">
+              <a:schemeClr val="accent2"/>
+            </a:effectRef>
+            <a:fontRef idx="minor">
+              <a:schemeClr val="lt1"/>
+            </a:fontRef>
+          </p:style>
+          <p:txBody>
+            <a:bodyPr rot="0" spcFirstLastPara="0" vertOverflow="overflow" horzOverflow="overflow" vert="horz" wrap="square" lIns="182880" tIns="146304" rIns="182880" bIns="146304" numCol="1" spcCol="0" rtlCol="0" fromWordArt="0" anchor="t" anchorCtr="0" forceAA="0" compatLnSpc="1">
+              <a:prstTxWarp prst="textNoShape">
+                <a:avLst/>
+              </a:prstTxWarp>
+              <a:noAutofit/>
+            </a:bodyPr>
+            <a:lstStyle/>
+            <a:p>
+              <a:pPr algn="ctr" defTabSz="932472" fontAlgn="base">
+                <a:lnSpc>
+                  <a:spcPct val="90000"/>
+                </a:lnSpc>
+                <a:spcBef>
+                  <a:spcPct val="0"/>
+                </a:spcBef>
+                <a:spcAft>
+                  <a:spcPct val="0"/>
+                </a:spcAft>
+              </a:pPr>
+              <a:endParaRPr lang="fr-FR" sz="2400" dirty="0" err="1">
+                <a:gradFill>
+                  <a:gsLst>
+                    <a:gs pos="0">
+                      <a:srgbClr val="FFFFFF"/>
+                    </a:gs>
+                    <a:gs pos="100000">
+                      <a:srgbClr val="FFFFFF"/>
+                    </a:gs>
+                  </a:gsLst>
+                  <a:lin ang="5400000" scaled="0"/>
+                </a:gradFill>
+                <a:ea typeface="Segoe UI" pitchFamily="34" charset="0"/>
+                <a:cs typeface="Segoe UI" pitchFamily="34" charset="0"/>
+              </a:endParaRPr>
+            </a:p>
+          </p:txBody>
+        </p:sp>
+        <p:pic>
+          <p:nvPicPr>
+            <p:cNvPr id="5" name="Image 4">
+              <a:extLst>
+                <a:ext uri="{FF2B5EF4-FFF2-40B4-BE49-F238E27FC236}">
+                  <a16:creationId xmlns:a16="http://schemas.microsoft.com/office/drawing/2014/main" id="{4A42A34C-4333-4F7A-A653-4158A9552D03}"/>
+                </a:ext>
+              </a:extLst>
+            </p:cNvPr>
+            <p:cNvPicPr>
+              <a:picLocks noChangeAspect="1"/>
+            </p:cNvPicPr>
+            <p:nvPr/>
+          </p:nvPicPr>
+          <p:blipFill>
+            <a:blip r:embed="rId3"/>
+            <a:stretch>
+              <a:fillRect/>
+            </a:stretch>
+          </p:blipFill>
+          <p:spPr>
+            <a:xfrm>
+              <a:off x="9342437" y="2887662"/>
+              <a:ext cx="1371600" cy="1371600"/>
+            </a:xfrm>
+            <a:prstGeom prst="rect">
+              <a:avLst/>
+            </a:prstGeom>
+          </p:spPr>
+        </p:pic>
+      </p:grpSp>
       <p:pic>
         <p:nvPicPr>
-          <p:cNvPr id="7" name="Image 6">
+          <p:cNvPr id="10" name="Image 9">
             <a:extLst>
               <a:ext uri="{FF2B5EF4-FFF2-40B4-BE49-F238E27FC236}">
-                <a16:creationId xmlns:a16="http://schemas.microsoft.com/office/drawing/2014/main" id="{68BDED46-179B-44D8-A726-EB9828FA58B5}"/>
+                <a16:creationId xmlns:a16="http://schemas.microsoft.com/office/drawing/2014/main" id="{EC7F11FE-4BA0-47C6-BE43-7C822DF9D828}"/>
               </a:ext>
             </a:extLst>
           </p:cNvPr>
@@ -28183,53 +27494,542 @@
         </p:blipFill>
         <p:spPr>
           <a:xfrm>
-            <a:off x="6751637" y="1907431"/>
-            <a:ext cx="1589831" cy="1589831"/>
+            <a:off x="9418637" y="341896"/>
+            <a:ext cx="1221815" cy="1171800"/>
           </a:xfrm>
           <a:prstGeom prst="rect">
             <a:avLst/>
           </a:prstGeom>
         </p:spPr>
       </p:pic>
-    </p:spTree>
-    <p:extLst>
-      <p:ext uri="{BB962C8B-B14F-4D97-AF65-F5344CB8AC3E}">
-        <p14:creationId xmlns:p14="http://schemas.microsoft.com/office/powerpoint/2010/main" val="2328442223"/>
-      </p:ext>
-    </p:extLst>
-  </p:cSld>
-  <p:clrMapOvr>
-    <a:masterClrMapping/>
-  </p:clrMapOvr>
-  <p:transition>
-    <p:fade/>
-  </p:transition>
-</p:sld>
-</file>
-
-<file path=ppt/slides/slide12.xml><?xml version="1.0" encoding="utf-8"?>
-<p:sld xmlns:a="http://schemas.openxmlformats.org/drawingml/2006/main" xmlns:r="http://schemas.openxmlformats.org/officeDocument/2006/relationships" xmlns:p="http://schemas.openxmlformats.org/presentationml/2006/main">
-  <p:cSld>
-    <p:spTree>
-      <p:nvGrpSpPr>
-        <p:cNvPr id="1" name=""/>
-        <p:cNvGrpSpPr/>
-        <p:nvPr/>
-      </p:nvGrpSpPr>
-      <p:grpSpPr>
-        <a:xfrm>
-          <a:off x="0" y="0"/>
-          <a:ext cx="0" cy="0"/>
-          <a:chOff x="0" y="0"/>
-          <a:chExt cx="0" cy="0"/>
-        </a:xfrm>
-      </p:grpSpPr>
       <p:sp>
         <p:nvSpPr>
-          <p:cNvPr id="5" name="Rectangle 4">
+          <p:cNvPr id="11" name="Text Placeholder 3">
             <a:extLst>
               <a:ext uri="{FF2B5EF4-FFF2-40B4-BE49-F238E27FC236}">
-                <a16:creationId xmlns:a16="http://schemas.microsoft.com/office/drawing/2014/main" id="{47D9725B-698E-47E3-B931-CB100214DE36}"/>
+                <a16:creationId xmlns:a16="http://schemas.microsoft.com/office/drawing/2014/main" id="{6BFF205B-3600-4F94-B1BC-148B1D17D9EC}"/>
+              </a:ext>
+            </a:extLst>
+          </p:cNvPr>
+          <p:cNvSpPr txBox="1">
+            <a:spLocks/>
+          </p:cNvSpPr>
+          <p:nvPr/>
+        </p:nvSpPr>
+        <p:spPr>
+          <a:xfrm>
+            <a:off x="274639" y="2581272"/>
+            <a:ext cx="11784009" cy="1834348"/>
+          </a:xfrm>
+          <a:prstGeom prst="rect">
+            <a:avLst/>
+          </a:prstGeom>
+          <a:solidFill>
+            <a:srgbClr val="F05251"/>
+          </a:solidFill>
+        </p:spPr>
+        <p:txBody>
+          <a:bodyPr vert="horz" wrap="square" lIns="146304" tIns="91440" rIns="146304" bIns="91440" rtlCol="0">
+            <a:spAutoFit/>
+          </a:bodyPr>
+          <a:lstStyle>
+            <a:lvl1pPr marL="0" marR="0" indent="0" algn="l" defTabSz="932742" rtl="0" eaLnBrk="1" fontAlgn="auto" latinLnBrk="0" hangingPunct="1">
+              <a:lnSpc>
+                <a:spcPct val="90000"/>
+              </a:lnSpc>
+              <a:spcBef>
+                <a:spcPct val="20000"/>
+              </a:spcBef>
+              <a:spcAft>
+                <a:spcPts val="0"/>
+              </a:spcAft>
+              <a:buClrTx/>
+              <a:buSzPct val="90000"/>
+              <a:buFont typeface="Wingdings" panose="05000000000000000000" pitchFamily="2" charset="2"/>
+              <a:buNone/>
+              <a:tabLst/>
+              <a:defRPr sz="3600" kern="1200" spc="0" baseline="0">
+                <a:gradFill>
+                  <a:gsLst>
+                    <a:gs pos="1250">
+                      <a:schemeClr val="tx2"/>
+                    </a:gs>
+                    <a:gs pos="99000">
+                      <a:schemeClr val="tx2"/>
+                    </a:gs>
+                  </a:gsLst>
+                  <a:lin ang="5400000" scaled="0"/>
+                </a:gradFill>
+                <a:latin typeface="+mj-lt"/>
+                <a:ea typeface="+mn-ea"/>
+                <a:cs typeface="+mn-cs"/>
+              </a:defRPr>
+            </a:lvl1pPr>
+            <a:lvl2pPr marL="0" marR="0" indent="0" algn="l" defTabSz="932742" rtl="0" eaLnBrk="1" fontAlgn="auto" latinLnBrk="0" hangingPunct="1">
+              <a:lnSpc>
+                <a:spcPct val="90000"/>
+              </a:lnSpc>
+              <a:spcBef>
+                <a:spcPct val="20000"/>
+              </a:spcBef>
+              <a:spcAft>
+                <a:spcPts val="0"/>
+              </a:spcAft>
+              <a:buClrTx/>
+              <a:buSzPct val="90000"/>
+              <a:buFontTx/>
+              <a:buNone/>
+              <a:tabLst/>
+              <a:defRPr sz="2000" kern="1200" spc="0" baseline="0">
+                <a:gradFill>
+                  <a:gsLst>
+                    <a:gs pos="1250">
+                      <a:schemeClr val="tx1"/>
+                    </a:gs>
+                    <a:gs pos="100000">
+                      <a:schemeClr val="tx1"/>
+                    </a:gs>
+                  </a:gsLst>
+                  <a:lin ang="5400000" scaled="0"/>
+                </a:gradFill>
+                <a:latin typeface="+mn-lt"/>
+                <a:ea typeface="+mn-ea"/>
+                <a:cs typeface="+mn-cs"/>
+              </a:defRPr>
+            </a:lvl2pPr>
+            <a:lvl3pPr marL="228513" marR="0" indent="0" algn="l" defTabSz="932742" rtl="0" eaLnBrk="1" fontAlgn="auto" latinLnBrk="0" hangingPunct="1">
+              <a:lnSpc>
+                <a:spcPct val="90000"/>
+              </a:lnSpc>
+              <a:spcBef>
+                <a:spcPct val="20000"/>
+              </a:spcBef>
+              <a:spcAft>
+                <a:spcPts val="0"/>
+              </a:spcAft>
+              <a:buClrTx/>
+              <a:buSzPct val="90000"/>
+              <a:buFont typeface="Wingdings" panose="05000000000000000000" pitchFamily="2" charset="2"/>
+              <a:buNone/>
+              <a:tabLst/>
+              <a:defRPr sz="2400" kern="1200" spc="0" baseline="0">
+                <a:gradFill>
+                  <a:gsLst>
+                    <a:gs pos="1250">
+                      <a:schemeClr val="tx1"/>
+                    </a:gs>
+                    <a:gs pos="100000">
+                      <a:schemeClr val="tx1"/>
+                    </a:gs>
+                  </a:gsLst>
+                  <a:lin ang="5400000" scaled="0"/>
+                </a:gradFill>
+                <a:latin typeface="+mn-lt"/>
+                <a:ea typeface="+mn-ea"/>
+                <a:cs typeface="+mn-cs"/>
+              </a:defRPr>
+            </a:lvl3pPr>
+            <a:lvl4pPr marL="457024" marR="0" indent="0" algn="l" defTabSz="932742" rtl="0" eaLnBrk="1" fontAlgn="auto" latinLnBrk="0" hangingPunct="1">
+              <a:lnSpc>
+                <a:spcPct val="90000"/>
+              </a:lnSpc>
+              <a:spcBef>
+                <a:spcPct val="20000"/>
+              </a:spcBef>
+              <a:spcAft>
+                <a:spcPts val="0"/>
+              </a:spcAft>
+              <a:buClrTx/>
+              <a:buSzPct val="90000"/>
+              <a:buFont typeface="Wingdings" panose="05000000000000000000" pitchFamily="2" charset="2"/>
+              <a:buNone/>
+              <a:tabLst/>
+              <a:defRPr sz="2200" kern="1200" spc="0" baseline="0">
+                <a:gradFill>
+                  <a:gsLst>
+                    <a:gs pos="1250">
+                      <a:schemeClr val="tx1"/>
+                    </a:gs>
+                    <a:gs pos="100000">
+                      <a:schemeClr val="tx1"/>
+                    </a:gs>
+                  </a:gsLst>
+                  <a:lin ang="5400000" scaled="0"/>
+                </a:gradFill>
+                <a:latin typeface="+mn-lt"/>
+                <a:ea typeface="+mn-ea"/>
+                <a:cs typeface="+mn-cs"/>
+              </a:defRPr>
+            </a:lvl4pPr>
+            <a:lvl5pPr marL="685537" marR="0" indent="0" algn="l" defTabSz="932742" rtl="0" eaLnBrk="1" fontAlgn="auto" latinLnBrk="0" hangingPunct="1">
+              <a:lnSpc>
+                <a:spcPct val="90000"/>
+              </a:lnSpc>
+              <a:spcBef>
+                <a:spcPct val="20000"/>
+              </a:spcBef>
+              <a:spcAft>
+                <a:spcPts val="0"/>
+              </a:spcAft>
+              <a:buClrTx/>
+              <a:buSzPct val="90000"/>
+              <a:buFont typeface="Wingdings" panose="05000000000000000000" pitchFamily="2" charset="2"/>
+              <a:buNone/>
+              <a:tabLst/>
+              <a:defRPr sz="2200" kern="1200" spc="0" baseline="0">
+                <a:gradFill>
+                  <a:gsLst>
+                    <a:gs pos="1250">
+                      <a:schemeClr val="tx1"/>
+                    </a:gs>
+                    <a:gs pos="100000">
+                      <a:schemeClr val="tx1"/>
+                    </a:gs>
+                  </a:gsLst>
+                  <a:lin ang="5400000" scaled="0"/>
+                </a:gradFill>
+                <a:latin typeface="+mn-lt"/>
+                <a:ea typeface="+mn-ea"/>
+                <a:cs typeface="+mn-cs"/>
+              </a:defRPr>
+            </a:lvl5pPr>
+            <a:lvl6pPr marL="2565040" indent="-233186" algn="l" defTabSz="932742" rtl="0" eaLnBrk="1" latinLnBrk="0" hangingPunct="1">
+              <a:spcBef>
+                <a:spcPct val="20000"/>
+              </a:spcBef>
+              <a:buFont typeface="Arial" pitchFamily="34" charset="0"/>
+              <a:buChar char="•"/>
+              <a:defRPr sz="2000" kern="1200">
+                <a:solidFill>
+                  <a:schemeClr val="tx1"/>
+                </a:solidFill>
+                <a:latin typeface="+mn-lt"/>
+                <a:ea typeface="+mn-ea"/>
+                <a:cs typeface="+mn-cs"/>
+              </a:defRPr>
+            </a:lvl6pPr>
+            <a:lvl7pPr marL="3031412" indent="-233186" algn="l" defTabSz="932742" rtl="0" eaLnBrk="1" latinLnBrk="0" hangingPunct="1">
+              <a:spcBef>
+                <a:spcPct val="20000"/>
+              </a:spcBef>
+              <a:buFont typeface="Arial" pitchFamily="34" charset="0"/>
+              <a:buChar char="•"/>
+              <a:defRPr sz="2000" kern="1200">
+                <a:solidFill>
+                  <a:schemeClr val="tx1"/>
+                </a:solidFill>
+                <a:latin typeface="+mn-lt"/>
+                <a:ea typeface="+mn-ea"/>
+                <a:cs typeface="+mn-cs"/>
+              </a:defRPr>
+            </a:lvl7pPr>
+            <a:lvl8pPr marL="3497783" indent="-233186" algn="l" defTabSz="932742" rtl="0" eaLnBrk="1" latinLnBrk="0" hangingPunct="1">
+              <a:spcBef>
+                <a:spcPct val="20000"/>
+              </a:spcBef>
+              <a:buFont typeface="Arial" pitchFamily="34" charset="0"/>
+              <a:buChar char="•"/>
+              <a:defRPr sz="2000" kern="1200">
+                <a:solidFill>
+                  <a:schemeClr val="tx1"/>
+                </a:solidFill>
+                <a:latin typeface="+mn-lt"/>
+                <a:ea typeface="+mn-ea"/>
+                <a:cs typeface="+mn-cs"/>
+              </a:defRPr>
+            </a:lvl8pPr>
+            <a:lvl9pPr marL="3964155" indent="-233186" algn="l" defTabSz="932742" rtl="0" eaLnBrk="1" latinLnBrk="0" hangingPunct="1">
+              <a:spcBef>
+                <a:spcPct val="20000"/>
+              </a:spcBef>
+              <a:buFont typeface="Arial" pitchFamily="34" charset="0"/>
+              <a:buChar char="•"/>
+              <a:defRPr sz="2000" kern="1200">
+                <a:solidFill>
+                  <a:schemeClr val="tx1"/>
+                </a:solidFill>
+                <a:latin typeface="+mn-lt"/>
+                <a:ea typeface="+mn-ea"/>
+                <a:cs typeface="+mn-cs"/>
+              </a:defRPr>
+            </a:lvl9pPr>
+          </a:lstStyle>
+          <a:p>
+            <a:r>
+              <a:rPr lang="en-US" dirty="0">
+                <a:solidFill>
+                  <a:schemeClr val="bg1"/>
+                </a:solidFill>
+              </a:rPr>
+              <a:t>	Xamarin</a:t>
+            </a:r>
+            <a:r>
+              <a:rPr lang="en-US" dirty="0"/>
+              <a:t> </a:t>
+            </a:r>
+          </a:p>
+          <a:p>
+            <a:endParaRPr lang="en-US" dirty="0"/>
+          </a:p>
+          <a:p>
+            <a:r>
+              <a:rPr lang="en-US" sz="3200" dirty="0">
+                <a:solidFill>
+                  <a:schemeClr val="bg1"/>
+                </a:solidFill>
+              </a:rPr>
+              <a:t>https://github.com/azugfr/RedShirtTour-MSGraphAPI-Lab_Xamarin</a:t>
+            </a:r>
+          </a:p>
+        </p:txBody>
+      </p:sp>
+      <p:sp>
+        <p:nvSpPr>
+          <p:cNvPr id="12" name="Rectangle 11">
+            <a:extLst>
+              <a:ext uri="{FF2B5EF4-FFF2-40B4-BE49-F238E27FC236}">
+                <a16:creationId xmlns:a16="http://schemas.microsoft.com/office/drawing/2014/main" id="{7E9C4ACD-CBAF-4E45-8328-C751B02990B8}"/>
+              </a:ext>
+            </a:extLst>
+          </p:cNvPr>
+          <p:cNvSpPr/>
+          <p:nvPr/>
+        </p:nvSpPr>
+        <p:spPr>
+          <a:xfrm>
+            <a:off x="262195" y="5916311"/>
+            <a:ext cx="11594841" cy="954107"/>
+          </a:xfrm>
+          <a:prstGeom prst="rect">
+            <a:avLst/>
+          </a:prstGeom>
+        </p:spPr>
+        <p:txBody>
+          <a:bodyPr wrap="square">
+            <a:spAutoFit/>
+          </a:bodyPr>
+          <a:lstStyle/>
+          <a:p>
+            <a:r>
+              <a:rPr lang="en-US" sz="2800" dirty="0" err="1">
+                <a:solidFill>
+                  <a:srgbClr val="F05251"/>
+                </a:solidFill>
+              </a:rPr>
+              <a:t>Exercices</a:t>
+            </a:r>
+            <a:endParaRPr lang="en-US" sz="2800" dirty="0">
+              <a:solidFill>
+                <a:srgbClr val="F05251"/>
+              </a:solidFill>
+            </a:endParaRPr>
+          </a:p>
+          <a:p>
+            <a:pPr marL="0" lvl="1" algn="ctr"/>
+            <a:r>
+              <a:rPr lang="fr-FR" sz="2800" dirty="0" err="1"/>
+              <a:t>Authent</a:t>
+            </a:r>
+            <a:r>
+              <a:rPr lang="fr-FR" sz="2800" dirty="0"/>
+              <a:t> &amp; </a:t>
+            </a:r>
+            <a:r>
+              <a:rPr lang="fr-FR" sz="2800" dirty="0" err="1"/>
+              <a:t>token</a:t>
+            </a:r>
+            <a:r>
+              <a:rPr lang="fr-FR" sz="2800" dirty="0"/>
+              <a:t>     -     List groups &amp; </a:t>
+            </a:r>
+            <a:r>
+              <a:rPr lang="fr-FR" sz="2800" dirty="0" err="1"/>
+              <a:t>events</a:t>
+            </a:r>
+            <a:r>
+              <a:rPr lang="fr-FR" sz="2800" dirty="0"/>
+              <a:t>     -    Inscription to an </a:t>
+            </a:r>
+            <a:r>
+              <a:rPr lang="fr-FR" sz="2800" dirty="0" err="1"/>
+              <a:t>event</a:t>
+            </a:r>
+            <a:r>
+              <a:rPr lang="fr-FR" sz="2800" dirty="0"/>
+              <a:t>  </a:t>
+            </a:r>
+          </a:p>
+        </p:txBody>
+      </p:sp>
+      <p:grpSp>
+        <p:nvGrpSpPr>
+          <p:cNvPr id="13" name="Groupe 12">
+            <a:extLst>
+              <a:ext uri="{FF2B5EF4-FFF2-40B4-BE49-F238E27FC236}">
+                <a16:creationId xmlns:a16="http://schemas.microsoft.com/office/drawing/2014/main" id="{7E67FBAC-FCEB-49E6-A3FA-FCB19EA4F329}"/>
+              </a:ext>
+            </a:extLst>
+          </p:cNvPr>
+          <p:cNvGrpSpPr/>
+          <p:nvPr/>
+        </p:nvGrpSpPr>
+        <p:grpSpPr>
+          <a:xfrm>
+            <a:off x="368294" y="2603657"/>
+            <a:ext cx="820744" cy="741205"/>
+            <a:chOff x="6751637" y="1907431"/>
+            <a:chExt cx="1589831" cy="1589831"/>
+          </a:xfrm>
+        </p:grpSpPr>
+        <p:sp>
+          <p:nvSpPr>
+            <p:cNvPr id="14" name="Rectangle 13">
+              <a:extLst>
+                <a:ext uri="{FF2B5EF4-FFF2-40B4-BE49-F238E27FC236}">
+                  <a16:creationId xmlns:a16="http://schemas.microsoft.com/office/drawing/2014/main" id="{9BBC8BF3-BEEB-4511-8BBA-52A8BC6480F9}"/>
+                </a:ext>
+              </a:extLst>
+            </p:cNvPr>
+            <p:cNvSpPr/>
+            <p:nvPr/>
+          </p:nvSpPr>
+          <p:spPr bwMode="auto">
+            <a:xfrm>
+              <a:off x="7089352" y="2241866"/>
+              <a:ext cx="914400" cy="920960"/>
+            </a:xfrm>
+            <a:prstGeom prst="rect">
+              <a:avLst/>
+            </a:prstGeom>
+            <a:solidFill>
+              <a:schemeClr val="bg1"/>
+            </a:solidFill>
+            <a:ln>
+              <a:noFill/>
+              <a:headEnd type="none" w="med" len="med"/>
+              <a:tailEnd type="none" w="med" len="med"/>
+            </a:ln>
+            <a:effectLst/>
+          </p:spPr>
+          <p:style>
+            <a:lnRef idx="1">
+              <a:schemeClr val="accent2"/>
+            </a:lnRef>
+            <a:fillRef idx="3">
+              <a:schemeClr val="accent2"/>
+            </a:fillRef>
+            <a:effectRef idx="2">
+              <a:schemeClr val="accent2"/>
+            </a:effectRef>
+            <a:fontRef idx="minor">
+              <a:schemeClr val="lt1"/>
+            </a:fontRef>
+          </p:style>
+          <p:txBody>
+            <a:bodyPr rot="0" spcFirstLastPara="0" vertOverflow="overflow" horzOverflow="overflow" vert="horz" wrap="square" lIns="182880" tIns="146304" rIns="182880" bIns="146304" numCol="1" spcCol="0" rtlCol="0" fromWordArt="0" anchor="t" anchorCtr="0" forceAA="0" compatLnSpc="1">
+              <a:prstTxWarp prst="textNoShape">
+                <a:avLst/>
+              </a:prstTxWarp>
+              <a:noAutofit/>
+            </a:bodyPr>
+            <a:lstStyle/>
+            <a:p>
+              <a:pPr algn="ctr" defTabSz="932472" fontAlgn="base">
+                <a:lnSpc>
+                  <a:spcPct val="90000"/>
+                </a:lnSpc>
+                <a:spcBef>
+                  <a:spcPct val="0"/>
+                </a:spcBef>
+                <a:spcAft>
+                  <a:spcPct val="0"/>
+                </a:spcAft>
+              </a:pPr>
+              <a:endParaRPr lang="fr-FR" sz="2400" dirty="0" err="1">
+                <a:gradFill>
+                  <a:gsLst>
+                    <a:gs pos="0">
+                      <a:srgbClr val="FFFFFF"/>
+                    </a:gs>
+                    <a:gs pos="100000">
+                      <a:srgbClr val="FFFFFF"/>
+                    </a:gs>
+                  </a:gsLst>
+                  <a:lin ang="5400000" scaled="0"/>
+                </a:gradFill>
+                <a:ea typeface="Segoe UI" pitchFamily="34" charset="0"/>
+                <a:cs typeface="Segoe UI" pitchFamily="34" charset="0"/>
+              </a:endParaRPr>
+            </a:p>
+          </p:txBody>
+        </p:sp>
+        <p:pic>
+          <p:nvPicPr>
+            <p:cNvPr id="15" name="Image 14">
+              <a:extLst>
+                <a:ext uri="{FF2B5EF4-FFF2-40B4-BE49-F238E27FC236}">
+                  <a16:creationId xmlns:a16="http://schemas.microsoft.com/office/drawing/2014/main" id="{A8506D65-6D87-4557-B911-06B6B46F8A58}"/>
+                </a:ext>
+              </a:extLst>
+            </p:cNvPr>
+            <p:cNvPicPr>
+              <a:picLocks noChangeAspect="1"/>
+            </p:cNvPicPr>
+            <p:nvPr/>
+          </p:nvPicPr>
+          <p:blipFill>
+            <a:blip r:embed="rId5"/>
+            <a:stretch>
+              <a:fillRect/>
+            </a:stretch>
+          </p:blipFill>
+          <p:spPr>
+            <a:xfrm>
+              <a:off x="6751637" y="1907431"/>
+              <a:ext cx="1589831" cy="1589831"/>
+            </a:xfrm>
+            <a:prstGeom prst="rect">
+              <a:avLst/>
+            </a:prstGeom>
+          </p:spPr>
+        </p:pic>
+      </p:grpSp>
+      <p:pic>
+        <p:nvPicPr>
+          <p:cNvPr id="16" name="Image 15">
+            <a:extLst>
+              <a:ext uri="{FF2B5EF4-FFF2-40B4-BE49-F238E27FC236}">
+                <a16:creationId xmlns:a16="http://schemas.microsoft.com/office/drawing/2014/main" id="{E883AC25-734E-4CBE-926A-2087EE0C714C}"/>
+              </a:ext>
+            </a:extLst>
+          </p:cNvPr>
+          <p:cNvPicPr>
+            <a:picLocks noChangeAspect="1"/>
+          </p:cNvPicPr>
+          <p:nvPr/>
+        </p:nvPicPr>
+        <p:blipFill>
+          <a:blip r:embed="rId6"/>
+          <a:stretch>
+            <a:fillRect/>
+          </a:stretch>
+        </p:blipFill>
+        <p:spPr>
+          <a:xfrm>
+            <a:off x="9494837" y="2581026"/>
+            <a:ext cx="1221815" cy="1297236"/>
+          </a:xfrm>
+          <a:prstGeom prst="rect">
+            <a:avLst/>
+          </a:prstGeom>
+        </p:spPr>
+      </p:pic>
+      <p:sp>
+        <p:nvSpPr>
+          <p:cNvPr id="17" name="Ellipse 16">
+            <a:extLst>
+              <a:ext uri="{FF2B5EF4-FFF2-40B4-BE49-F238E27FC236}">
+                <a16:creationId xmlns:a16="http://schemas.microsoft.com/office/drawing/2014/main" id="{C3445EC2-9D9F-45E1-BF58-63B38CFA4FD6}"/>
               </a:ext>
             </a:extLst>
           </p:cNvPr>
@@ -28238,15 +28038,18 @@
         </p:nvSpPr>
         <p:spPr bwMode="auto">
           <a:xfrm>
-            <a:off x="0" y="0"/>
-            <a:ext cx="4389437" cy="6994525"/>
+            <a:off x="8018237" y="2697701"/>
+            <a:ext cx="1171800" cy="1171800"/>
           </a:xfrm>
-          <a:prstGeom prst="rect">
+          <a:prstGeom prst="ellipse">
             <a:avLst/>
           </a:prstGeom>
-          <a:solidFill>
-            <a:srgbClr val="F05251"/>
-          </a:solidFill>
+          <a:blipFill>
+            <a:blip r:embed="rId7"/>
+            <a:stretch>
+              <a:fillRect/>
+            </a:stretch>
+          </a:blipFill>
           <a:ln>
             <a:noFill/>
             <a:headEnd type="none" w="med" len="med"/>
@@ -28277,7 +28080,7 @@
           </a:bodyPr>
           <a:lstStyle/>
           <a:p>
-            <a:pPr marL="0" marR="0" lvl="0" indent="0" algn="ctr" defTabSz="932472" rtl="0" eaLnBrk="1" fontAlgn="base" latinLnBrk="0" hangingPunct="1">
+            <a:pPr algn="ctr" defTabSz="932472" fontAlgn="base">
               <a:lnSpc>
                 <a:spcPct val="90000"/>
               </a:lnSpc>
@@ -28287,17 +28090,8 @@
               <a:spcAft>
                 <a:spcPct val="0"/>
               </a:spcAft>
-              <a:buClrTx/>
-              <a:buSzTx/>
-              <a:buFontTx/>
-              <a:buNone/>
-              <a:tabLst/>
-              <a:defRPr/>
             </a:pPr>
-            <a:endParaRPr kumimoji="0" lang="en-US" sz="2400" b="0" i="0" u="none" strike="noStrike" kern="1200" cap="none" spc="0" normalizeH="0" baseline="0" noProof="0" dirty="0" err="1">
-              <a:ln>
-                <a:noFill/>
-              </a:ln>
+            <a:endParaRPr lang="fr-FR" sz="2400" dirty="0" err="1">
               <a:gradFill>
                 <a:gsLst>
                   <a:gs pos="0">
@@ -28309,10 +28103,6 @@
                 </a:gsLst>
                 <a:lin ang="5400000" scaled="0"/>
               </a:gradFill>
-              <a:effectLst/>
-              <a:uLnTx/>
-              <a:uFillTx/>
-              <a:latin typeface="Segoe UI Semilight"/>
               <a:ea typeface="Segoe UI" pitchFamily="34" charset="0"/>
               <a:cs typeface="Segoe UI" pitchFamily="34" charset="0"/>
             </a:endParaRPr>
@@ -28321,1589 +28111,310 @@
       </p:sp>
       <p:sp>
         <p:nvSpPr>
-          <p:cNvPr id="3" name="Text Placeholder 2"/>
-          <p:cNvSpPr>
-            <a:spLocks noGrp="1"/>
+          <p:cNvPr id="18" name="Text Placeholder 3">
+            <a:extLst>
+              <a:ext uri="{FF2B5EF4-FFF2-40B4-BE49-F238E27FC236}">
+                <a16:creationId xmlns:a16="http://schemas.microsoft.com/office/drawing/2014/main" id="{43B6742E-C0FB-47F3-9259-EAD969DA217B}"/>
+              </a:ext>
+            </a:extLst>
+          </p:cNvPr>
+          <p:cNvSpPr txBox="1">
+            <a:spLocks/>
           </p:cNvSpPr>
-          <p:nvPr>
-            <p:ph type="body" sz="quarter" idx="10"/>
-          </p:nvPr>
+          <p:nvPr/>
         </p:nvSpPr>
         <p:spPr>
           <a:xfrm>
-            <a:off x="5760073" y="4074692"/>
-            <a:ext cx="6934200" cy="710964"/>
+            <a:off x="274638" y="4581190"/>
+            <a:ext cx="11784009" cy="1169551"/>
           </a:xfrm>
           <a:prstGeom prst="rect">
             <a:avLst/>
           </a:prstGeom>
+          <a:solidFill>
+            <a:schemeClr val="tx1">
+              <a:lumMod val="60000"/>
+              <a:lumOff val="40000"/>
+            </a:schemeClr>
+          </a:solidFill>
         </p:spPr>
         <p:txBody>
-          <a:bodyPr lIns="182880" tIns="146304" rIns="182880" bIns="146304"/>
-          <a:lstStyle/>
-          <a:p>
-            <a:pPr marL="0" indent="0">
-              <a:buClr>
-                <a:schemeClr val="tx1"/>
-              </a:buClr>
-              <a:buNone/>
-              <a:defRPr/>
-            </a:pPr>
-            <a:r>
-              <a:rPr lang="en-US" sz="3000" dirty="0">
-                <a:gradFill>
-                  <a:gsLst>
-                    <a:gs pos="99115">
-                      <a:schemeClr val="tx1"/>
-                    </a:gs>
-                    <a:gs pos="59000">
-                      <a:schemeClr val="tx1"/>
-                    </a:gs>
-                  </a:gsLst>
-                  <a:lin ang="5400000" scaled="0"/>
-                </a:gradFill>
-                <a:latin typeface="+mn-lt"/>
-              </a:rPr>
-              <a:t>Phone:</a:t>
-            </a:r>
-            <a:r>
-              <a:rPr lang="en-US" sz="3000" dirty="0">
-                <a:gradFill>
-                  <a:gsLst>
-                    <a:gs pos="99115">
-                      <a:schemeClr val="tx2"/>
-                    </a:gs>
-                    <a:gs pos="59000">
-                      <a:schemeClr val="tx2"/>
-                    </a:gs>
-                  </a:gsLst>
-                  <a:lin ang="5400000" scaled="0"/>
-                </a:gradFill>
-                <a:latin typeface="+mn-lt"/>
-              </a:rPr>
-              <a:t> </a:t>
-            </a:r>
-            <a:r>
-              <a:rPr lang="en-US" sz="2600" dirty="0">
-                <a:gradFill>
-                  <a:gsLst>
-                    <a:gs pos="99115">
-                      <a:schemeClr val="tx1"/>
-                    </a:gs>
-                    <a:gs pos="59000">
-                      <a:schemeClr val="tx1"/>
-                    </a:gs>
-                  </a:gsLst>
-                  <a:lin ang="5400000" scaled="0"/>
-                </a:gradFill>
-                <a:latin typeface="+mn-lt"/>
-              </a:rPr>
-              <a:t>TBD</a:t>
-            </a:r>
-            <a:endParaRPr lang="en-US" sz="2600" dirty="0">
-              <a:gradFill>
-                <a:gsLst>
-                  <a:gs pos="0">
-                    <a:schemeClr val="tx2"/>
-                  </a:gs>
-                  <a:gs pos="100000">
-                    <a:schemeClr val="tx2"/>
-                  </a:gs>
-                </a:gsLst>
-                <a:lin ang="5400000" scaled="0"/>
-              </a:gradFill>
-              <a:latin typeface="+mn-lt"/>
-            </a:endParaRPr>
-          </a:p>
-        </p:txBody>
-      </p:sp>
-      <p:sp>
-        <p:nvSpPr>
-          <p:cNvPr id="2" name="Title 1"/>
-          <p:cNvSpPr>
-            <a:spLocks noGrp="1"/>
-          </p:cNvSpPr>
-          <p:nvPr>
-            <p:ph type="title"/>
-          </p:nvPr>
-        </p:nvSpPr>
-        <p:spPr>
-          <a:xfrm>
-            <a:off x="274639" y="1362868"/>
-            <a:ext cx="4571999" cy="2556631"/>
-          </a:xfrm>
-        </p:spPr>
-        <p:txBody>
-          <a:bodyPr/>
-          <a:lstStyle/>
-          <a:p>
-            <a:r>
-              <a:rPr lang="en-US" sz="6000" dirty="0">
-                <a:gradFill>
-                  <a:gsLst>
-                    <a:gs pos="730">
-                      <a:schemeClr val="bg1"/>
-                    </a:gs>
-                    <a:gs pos="15328">
-                      <a:schemeClr val="bg1"/>
-                    </a:gs>
-                  </a:gsLst>
-                  <a:lin ang="5400000" scaled="0"/>
-                </a:gradFill>
-              </a:rPr>
-              <a:t>Please evaluate </a:t>
-            </a:r>
-            <a:br>
-              <a:rPr lang="en-US" sz="6000" dirty="0">
-                <a:gradFill>
-                  <a:gsLst>
-                    <a:gs pos="730">
-                      <a:schemeClr val="bg1"/>
-                    </a:gs>
-                    <a:gs pos="15328">
-                      <a:schemeClr val="bg1"/>
-                    </a:gs>
-                  </a:gsLst>
-                  <a:lin ang="5400000" scaled="0"/>
-                </a:gradFill>
-              </a:rPr>
-            </a:br>
-            <a:r>
-              <a:rPr lang="en-US" sz="6000" dirty="0">
-                <a:gradFill>
-                  <a:gsLst>
-                    <a:gs pos="730">
-                      <a:schemeClr val="bg1"/>
-                    </a:gs>
-                    <a:gs pos="15328">
-                      <a:schemeClr val="bg1"/>
-                    </a:gs>
-                  </a:gsLst>
-                  <a:lin ang="5400000" scaled="0"/>
-                </a:gradFill>
-              </a:rPr>
-              <a:t>this session</a:t>
-            </a:r>
-            <a:endParaRPr lang="en-US" sz="3800" dirty="0">
-              <a:gradFill>
-                <a:gsLst>
-                  <a:gs pos="99115">
-                    <a:schemeClr val="bg1"/>
-                  </a:gs>
-                  <a:gs pos="59000">
-                    <a:schemeClr val="bg1"/>
-                  </a:gs>
-                </a:gsLst>
-                <a:lin ang="5400000" scaled="0"/>
-              </a:gradFill>
-              <a:latin typeface="+mn-lt"/>
-              <a:cs typeface="+mn-cs"/>
-            </a:endParaRPr>
-          </a:p>
-        </p:txBody>
-      </p:sp>
-      <p:cxnSp>
-        <p:nvCxnSpPr>
-          <p:cNvPr id="12" name="Straight Connector 11">
-            <a:extLst>
-              <a:ext uri="{FF2B5EF4-FFF2-40B4-BE49-F238E27FC236}">
-                <a16:creationId xmlns:a16="http://schemas.microsoft.com/office/drawing/2014/main" id="{5CA2B6D0-1B0B-498E-90D0-2ECABE78343B}"/>
-              </a:ext>
-            </a:extLst>
-          </p:cNvPr>
-          <p:cNvCxnSpPr>
-            <a:cxnSpLocks/>
-          </p:cNvCxnSpPr>
-          <p:nvPr/>
-        </p:nvCxnSpPr>
-        <p:spPr>
-          <a:xfrm>
-            <a:off x="5313362" y="2194560"/>
-            <a:ext cx="0" cy="2398955"/>
-          </a:xfrm>
-          <a:prstGeom prst="line">
-            <a:avLst/>
-          </a:prstGeom>
-          <a:ln w="22225">
-            <a:solidFill>
-              <a:schemeClr val="tx2"/>
-            </a:solidFill>
-            <a:headEnd type="none"/>
-            <a:tailEnd type="none"/>
-          </a:ln>
-        </p:spPr>
-        <p:style>
-          <a:lnRef idx="1">
-            <a:schemeClr val="accent1"/>
-          </a:lnRef>
-          <a:fillRef idx="0">
-            <a:schemeClr val="accent1"/>
-          </a:fillRef>
-          <a:effectRef idx="0">
-            <a:schemeClr val="accent1"/>
-          </a:effectRef>
-          <a:fontRef idx="minor">
-            <a:schemeClr val="tx1"/>
-          </a:fontRef>
-        </p:style>
-      </p:cxnSp>
-      <p:sp>
-        <p:nvSpPr>
-          <p:cNvPr id="10" name="Rectangle 9">
-            <a:extLst>
-              <a:ext uri="{FF2B5EF4-FFF2-40B4-BE49-F238E27FC236}">
-                <a16:creationId xmlns:a16="http://schemas.microsoft.com/office/drawing/2014/main" id="{1B9175C7-AC9A-4FEF-89A0-6AD4F117D55D}"/>
-              </a:ext>
-            </a:extLst>
-          </p:cNvPr>
-          <p:cNvSpPr/>
-          <p:nvPr/>
-        </p:nvSpPr>
-        <p:spPr>
-          <a:xfrm>
-            <a:off x="4887304" y="1515919"/>
-            <a:ext cx="848309" cy="634020"/>
-          </a:xfrm>
-          <a:prstGeom prst="rect">
-            <a:avLst/>
-          </a:prstGeom>
-        </p:spPr>
-        <p:txBody>
-          <a:bodyPr wrap="none">
+          <a:bodyPr vert="horz" wrap="square" lIns="146304" tIns="91440" rIns="146304" bIns="91440" rtlCol="0">
             <a:spAutoFit/>
           </a:bodyPr>
-          <a:lstStyle/>
-          <a:p>
-            <a:pPr marL="0" marR="0" lvl="0" indent="0" algn="ctr" defTabSz="932742" rtl="0" eaLnBrk="1" fontAlgn="auto" latinLnBrk="0" hangingPunct="1">
+          <a:lstStyle>
+            <a:lvl1pPr marL="0" marR="0" indent="0" algn="l" defTabSz="932742" rtl="0" eaLnBrk="1" fontAlgn="auto" latinLnBrk="0" hangingPunct="1">
               <a:lnSpc>
-                <a:spcPct val="80000"/>
+                <a:spcPct val="90000"/>
               </a:lnSpc>
               <a:spcBef>
-                <a:spcPts val="0"/>
+                <a:spcPct val="20000"/>
               </a:spcBef>
               <a:spcAft>
                 <a:spcPts val="0"/>
               </a:spcAft>
               <a:buClrTx/>
-              <a:buSzTx/>
-              <a:buFontTx/>
+              <a:buSzPct val="90000"/>
+              <a:buFont typeface="Wingdings" panose="05000000000000000000" pitchFamily="2" charset="2"/>
               <a:buNone/>
               <a:tabLst/>
-              <a:defRPr/>
-            </a:pPr>
-            <a:r>
-              <a:rPr kumimoji="0" lang="en-US" sz="2200" b="0" i="0" u="none" strike="noStrike" kern="1200" cap="none" spc="0" normalizeH="0" baseline="0" noProof="0" dirty="0">
-                <a:ln>
-                  <a:noFill/>
-                </a:ln>
+              <a:defRPr sz="3600" kern="1200" spc="0" baseline="0">
                 <a:gradFill>
                   <a:gsLst>
-                    <a:gs pos="99115">
-                      <a:srgbClr val="D83B01"/>
-                    </a:gs>
-                    <a:gs pos="59000">
-                      <a:srgbClr val="D83B01"/>
+                    <a:gs pos="1250">
+                      <a:schemeClr val="tx2"/>
+                    </a:gs>
+                    <a:gs pos="99000">
+                      <a:schemeClr val="tx2"/>
                     </a:gs>
                   </a:gsLst>
                   <a:lin ang="5400000" scaled="0"/>
                 </a:gradFill>
-                <a:effectLst/>
-                <a:uLnTx/>
-                <a:uFillTx/>
-                <a:latin typeface="Yu Gothic UI Semibold" panose="020B0700000000000000" pitchFamily="34" charset="-128"/>
-                <a:ea typeface="Yu Gothic UI Semibold" panose="020B0700000000000000" pitchFamily="34" charset="-128"/>
+                <a:latin typeface="+mj-lt"/>
+                <a:ea typeface="+mn-ea"/>
                 <a:cs typeface="+mn-cs"/>
-              </a:rPr>
-              <a:t>From</a:t>
-            </a:r>
-            <a:br>
-              <a:rPr kumimoji="0" lang="en-US" sz="2200" b="0" i="0" u="none" strike="noStrike" kern="1200" cap="none" spc="0" normalizeH="0" baseline="0" noProof="0" dirty="0">
-                <a:ln>
-                  <a:noFill/>
-                </a:ln>
-                <a:gradFill>
-                  <a:gsLst>
-                    <a:gs pos="99115">
-                      <a:srgbClr val="D83B01"/>
-                    </a:gs>
-                    <a:gs pos="59000">
-                      <a:srgbClr val="D83B01"/>
-                    </a:gs>
-                  </a:gsLst>
-                  <a:lin ang="5400000" scaled="0"/>
-                </a:gradFill>
-                <a:effectLst/>
-                <a:uLnTx/>
-                <a:uFillTx/>
-                <a:latin typeface="Yu Gothic UI Semibold" panose="020B0700000000000000" pitchFamily="34" charset="-128"/>
-                <a:ea typeface="Yu Gothic UI Semibold" panose="020B0700000000000000" pitchFamily="34" charset="-128"/>
-                <a:cs typeface="+mn-cs"/>
-              </a:rPr>
-            </a:br>
-            <a:r>
-              <a:rPr kumimoji="0" lang="en-US" sz="2200" b="0" i="0" u="none" strike="noStrike" kern="1200" cap="none" spc="0" normalizeH="0" baseline="0" noProof="0" dirty="0">
-                <a:ln>
-                  <a:noFill/>
-                </a:ln>
-                <a:gradFill>
-                  <a:gsLst>
-                    <a:gs pos="99115">
-                      <a:srgbClr val="D83B01"/>
-                    </a:gs>
-                    <a:gs pos="59000">
-                      <a:srgbClr val="D83B01"/>
-                    </a:gs>
-                  </a:gsLst>
-                  <a:lin ang="5400000" scaled="0"/>
-                </a:gradFill>
-                <a:effectLst/>
-                <a:uLnTx/>
-                <a:uFillTx/>
-                <a:latin typeface="Yu Gothic UI Semibold" panose="020B0700000000000000" pitchFamily="34" charset="-128"/>
-                <a:ea typeface="Yu Gothic UI Semibold" panose="020B0700000000000000" pitchFamily="34" charset="-128"/>
-                <a:cs typeface="+mn-cs"/>
-              </a:rPr>
-              <a:t>your</a:t>
-            </a:r>
-            <a:endParaRPr kumimoji="0" lang="en-US" sz="2200" b="0" i="0" u="none" strike="noStrike" kern="1200" cap="none" spc="0" normalizeH="0" baseline="0" noProof="0" dirty="0">
-              <a:ln>
-                <a:noFill/>
-              </a:ln>
-              <a:solidFill>
-                <a:srgbClr val="353535"/>
-              </a:solidFill>
-              <a:effectLst/>
-              <a:uLnTx/>
-              <a:uFillTx/>
-              <a:latin typeface="Yu Gothic UI Semibold" panose="020B0700000000000000" pitchFamily="34" charset="-128"/>
-              <a:ea typeface="Yu Gothic UI Semibold" panose="020B0700000000000000" pitchFamily="34" charset="-128"/>
-              <a:cs typeface="+mn-cs"/>
-            </a:endParaRPr>
-          </a:p>
-        </p:txBody>
-      </p:sp>
-      <p:sp>
-        <p:nvSpPr>
-          <p:cNvPr id="6" name="Rectangle 5">
-            <a:extLst>
-              <a:ext uri="{FF2B5EF4-FFF2-40B4-BE49-F238E27FC236}">
-                <a16:creationId xmlns:a16="http://schemas.microsoft.com/office/drawing/2014/main" id="{E7885C01-B146-43BF-9012-6CA206FE755E}"/>
-              </a:ext>
-            </a:extLst>
-          </p:cNvPr>
-          <p:cNvSpPr/>
-          <p:nvPr/>
-        </p:nvSpPr>
-        <p:spPr>
-          <a:xfrm>
-            <a:off x="5760073" y="2787823"/>
-            <a:ext cx="6433639" cy="1015663"/>
-          </a:xfrm>
-          <a:prstGeom prst="rect">
-            <a:avLst/>
-          </a:prstGeom>
-        </p:spPr>
-        <p:txBody>
-          <a:bodyPr wrap="square" lIns="182880">
-            <a:spAutoFit/>
-          </a:bodyPr>
-          <a:lstStyle/>
-          <a:p>
-            <a:pPr marL="0" marR="0" lvl="0" indent="0" algn="l" defTabSz="932742" rtl="0" eaLnBrk="1" fontAlgn="auto" latinLnBrk="0" hangingPunct="1">
+              </a:defRPr>
+            </a:lvl1pPr>
+            <a:lvl2pPr marL="0" marR="0" indent="0" algn="l" defTabSz="932742" rtl="0" eaLnBrk="1" fontAlgn="auto" latinLnBrk="0" hangingPunct="1">
               <a:lnSpc>
-                <a:spcPct val="100000"/>
+                <a:spcPct val="90000"/>
               </a:lnSpc>
               <a:spcBef>
-                <a:spcPts val="0"/>
-              </a:spcBef>
-              <a:spcAft>
-                <a:spcPts val="0"/>
-              </a:spcAft>
-              <a:buClr>
-                <a:srgbClr val="353535"/>
-              </a:buClr>
-              <a:buSzTx/>
-              <a:buFontTx/>
-              <a:buNone/>
-              <a:tabLst/>
-              <a:defRPr/>
-            </a:pPr>
-            <a:r>
-              <a:rPr kumimoji="0" lang="en-US" sz="3000" b="0" i="0" u="none" strike="noStrike" kern="1200" cap="none" spc="0" normalizeH="0" baseline="0" noProof="0" dirty="0">
-                <a:ln>
-                  <a:noFill/>
-                </a:ln>
-                <a:gradFill>
-                  <a:gsLst>
-                    <a:gs pos="99115">
-                      <a:srgbClr val="353535"/>
-                    </a:gs>
-                    <a:gs pos="59000">
-                      <a:srgbClr val="353535"/>
-                    </a:gs>
-                  </a:gsLst>
-                  <a:lin ang="5400000" scaled="0"/>
-                </a:gradFill>
-                <a:effectLst/>
-                <a:uLnTx/>
-                <a:uFillTx/>
-                <a:latin typeface="Segoe UI Semilight"/>
-                <a:ea typeface="+mn-ea"/>
-                <a:cs typeface="+mn-cs"/>
-              </a:rPr>
-              <a:t>PC or tablet:</a:t>
-            </a:r>
-            <a:br>
-              <a:rPr kumimoji="0" lang="en-US" sz="3000" b="0" i="0" u="none" strike="noStrike" kern="1200" cap="none" spc="0" normalizeH="0" baseline="0" noProof="0" dirty="0">
-                <a:ln>
-                  <a:noFill/>
-                </a:ln>
-                <a:gradFill>
-                  <a:gsLst>
-                    <a:gs pos="99115">
-                      <a:srgbClr val="353535"/>
-                    </a:gs>
-                    <a:gs pos="59000">
-                      <a:srgbClr val="353535"/>
-                    </a:gs>
-                  </a:gsLst>
-                  <a:lin ang="5400000" scaled="0"/>
-                </a:gradFill>
-                <a:effectLst/>
-                <a:uLnTx/>
-                <a:uFillTx/>
-                <a:latin typeface="Segoe UI Semilight"/>
-                <a:ea typeface="+mn-ea"/>
-                <a:cs typeface="+mn-cs"/>
-              </a:rPr>
-            </a:br>
-            <a:r>
-              <a:rPr kumimoji="0" lang="en-US" sz="3000" b="0" i="0" u="none" strike="noStrike" kern="1200" cap="none" spc="0" normalizeH="0" baseline="0" noProof="0" dirty="0">
-                <a:ln>
-                  <a:noFill/>
-                </a:ln>
-                <a:gradFill>
-                  <a:gsLst>
-                    <a:gs pos="99115">
-                      <a:srgbClr val="353535"/>
-                    </a:gs>
-                    <a:gs pos="59000">
-                      <a:srgbClr val="353535"/>
-                    </a:gs>
-                  </a:gsLst>
-                  <a:lin ang="5400000" scaled="0"/>
-                </a:gradFill>
-                <a:effectLst/>
-                <a:uLnTx/>
-                <a:uFillTx/>
-                <a:latin typeface="Segoe UI Semilight"/>
-                <a:ea typeface="+mn-ea"/>
-                <a:cs typeface="+mn-cs"/>
-              </a:rPr>
-              <a:t>TBD</a:t>
-            </a:r>
-            <a:endParaRPr kumimoji="0" lang="en-US" sz="2600" b="0" i="0" u="none" strike="noStrike" kern="1200" cap="none" spc="0" normalizeH="0" baseline="0" noProof="0" dirty="0">
-              <a:ln>
-                <a:noFill/>
-              </a:ln>
-              <a:gradFill>
-                <a:gsLst>
-                  <a:gs pos="99115">
-                    <a:srgbClr val="353535"/>
-                  </a:gs>
-                  <a:gs pos="59000">
-                    <a:srgbClr val="353535"/>
-                  </a:gs>
-                </a:gsLst>
-                <a:lin ang="5400000" scaled="0"/>
-              </a:gradFill>
-              <a:effectLst/>
-              <a:uLnTx/>
-              <a:uFillTx/>
-              <a:latin typeface="Segoe UI Semilight"/>
-              <a:ea typeface="+mn-ea"/>
-              <a:cs typeface="+mn-cs"/>
-            </a:endParaRPr>
-          </a:p>
-        </p:txBody>
-      </p:sp>
-      <p:grpSp>
-        <p:nvGrpSpPr>
-          <p:cNvPr id="27" name="Group 26">
-            <a:extLst>
-              <a:ext uri="{FF2B5EF4-FFF2-40B4-BE49-F238E27FC236}">
-                <a16:creationId xmlns:a16="http://schemas.microsoft.com/office/drawing/2014/main" id="{0A04A1B0-654D-4751-9FBA-CAC97491AE69}"/>
-              </a:ext>
-            </a:extLst>
-          </p:cNvPr>
-          <p:cNvGrpSpPr/>
-          <p:nvPr/>
-        </p:nvGrpSpPr>
-        <p:grpSpPr>
-          <a:xfrm>
-            <a:off x="4941392" y="2723277"/>
-            <a:ext cx="743940" cy="743940"/>
-            <a:chOff x="5068714" y="2346760"/>
-            <a:chExt cx="743940" cy="743940"/>
-          </a:xfrm>
-        </p:grpSpPr>
-        <p:sp>
-          <p:nvSpPr>
-            <p:cNvPr id="14" name="Oval 13">
-              <a:extLst>
-                <a:ext uri="{FF2B5EF4-FFF2-40B4-BE49-F238E27FC236}">
-                  <a16:creationId xmlns:a16="http://schemas.microsoft.com/office/drawing/2014/main" id="{20FECF53-763C-4271-B8F8-A4A716465651}"/>
-                </a:ext>
-              </a:extLst>
-            </p:cNvPr>
-            <p:cNvSpPr/>
-            <p:nvPr/>
-          </p:nvSpPr>
-          <p:spPr bwMode="auto">
-            <a:xfrm>
-              <a:off x="5068714" y="2346760"/>
-              <a:ext cx="743940" cy="743940"/>
-            </a:xfrm>
-            <a:prstGeom prst="ellipse">
-              <a:avLst/>
-            </a:prstGeom>
-            <a:solidFill>
-              <a:schemeClr val="bg2"/>
-            </a:solidFill>
-            <a:ln w="19050">
-              <a:solidFill>
-                <a:schemeClr val="tx2"/>
-              </a:solidFill>
-              <a:headEnd type="none" w="med" len="med"/>
-              <a:tailEnd type="none" w="med" len="med"/>
-            </a:ln>
-            <a:effectLst/>
-          </p:spPr>
-          <p:style>
-            <a:lnRef idx="1">
-              <a:schemeClr val="accent2"/>
-            </a:lnRef>
-            <a:fillRef idx="3">
-              <a:schemeClr val="accent2"/>
-            </a:fillRef>
-            <a:effectRef idx="2">
-              <a:schemeClr val="accent2"/>
-            </a:effectRef>
-            <a:fontRef idx="minor">
-              <a:schemeClr val="lt1"/>
-            </a:fontRef>
-          </p:style>
-          <p:txBody>
-            <a:bodyPr rot="0" spcFirstLastPara="0" vertOverflow="overflow" horzOverflow="overflow" vert="horz" wrap="square" lIns="182880" tIns="146304" rIns="182880" bIns="146304" numCol="1" spcCol="0" rtlCol="0" fromWordArt="0" anchor="t" anchorCtr="0" forceAA="0" compatLnSpc="1">
-              <a:prstTxWarp prst="textNoShape">
-                <a:avLst/>
-              </a:prstTxWarp>
-              <a:noAutofit/>
-            </a:bodyPr>
-            <a:lstStyle/>
-            <a:p>
-              <a:pPr marL="0" marR="0" lvl="0" indent="0" algn="ctr" defTabSz="932472" rtl="0" eaLnBrk="1" fontAlgn="base" latinLnBrk="0" hangingPunct="1">
-                <a:lnSpc>
-                  <a:spcPct val="90000"/>
-                </a:lnSpc>
-                <a:spcBef>
-                  <a:spcPct val="0"/>
-                </a:spcBef>
-                <a:spcAft>
-                  <a:spcPct val="0"/>
-                </a:spcAft>
-                <a:buClrTx/>
-                <a:buSzTx/>
-                <a:buFontTx/>
-                <a:buNone/>
-                <a:tabLst/>
-                <a:defRPr/>
-              </a:pPr>
-              <a:endParaRPr kumimoji="0" lang="en-US" sz="2400" b="0" i="0" u="none" strike="noStrike" kern="1200" cap="none" spc="0" normalizeH="0" baseline="0" noProof="0" dirty="0" err="1">
-                <a:ln>
-                  <a:noFill/>
-                </a:ln>
-                <a:gradFill>
-                  <a:gsLst>
-                    <a:gs pos="0">
-                      <a:srgbClr val="FFFFFF"/>
-                    </a:gs>
-                    <a:gs pos="100000">
-                      <a:srgbClr val="FFFFFF"/>
-                    </a:gs>
-                  </a:gsLst>
-                  <a:lin ang="5400000" scaled="0"/>
-                </a:gradFill>
-                <a:effectLst/>
-                <a:uLnTx/>
-                <a:uFillTx/>
-                <a:latin typeface="Segoe UI Semilight"/>
-                <a:ea typeface="Segoe UI" pitchFamily="34" charset="0"/>
-                <a:cs typeface="Segoe UI" pitchFamily="34" charset="0"/>
-              </a:endParaRPr>
-            </a:p>
-          </p:txBody>
-        </p:sp>
-        <p:grpSp>
-          <p:nvGrpSpPr>
-            <p:cNvPr id="18" name="Group 17">
-              <a:extLst>
-                <a:ext uri="{FF2B5EF4-FFF2-40B4-BE49-F238E27FC236}">
-                  <a16:creationId xmlns:a16="http://schemas.microsoft.com/office/drawing/2014/main" id="{ABCE3E8E-E197-418C-979E-8FE840FCCE46}"/>
-                </a:ext>
-              </a:extLst>
-            </p:cNvPr>
-            <p:cNvGrpSpPr/>
-            <p:nvPr/>
-          </p:nvGrpSpPr>
-          <p:grpSpPr>
-            <a:xfrm>
-              <a:off x="5245660" y="2601662"/>
-              <a:ext cx="400129" cy="282590"/>
-              <a:chOff x="5395125" y="2601662"/>
-              <a:chExt cx="400129" cy="282590"/>
-            </a:xfrm>
-          </p:grpSpPr>
-          <p:sp>
-            <p:nvSpPr>
-              <p:cNvPr id="8" name="monitor">
-                <a:extLst>
-                  <a:ext uri="{FF2B5EF4-FFF2-40B4-BE49-F238E27FC236}">
-                    <a16:creationId xmlns:a16="http://schemas.microsoft.com/office/drawing/2014/main" id="{46EF422B-0A0E-4BC9-B7F7-14EB673BF803}"/>
-                  </a:ext>
-                </a:extLst>
-              </p:cNvPr>
-              <p:cNvSpPr>
-                <a:spLocks noChangeAspect="1" noEditPoints="1"/>
-              </p:cNvSpPr>
-              <p:nvPr/>
-            </p:nvSpPr>
-            <p:spPr bwMode="auto">
-              <a:xfrm>
-                <a:off x="5395125" y="2601662"/>
-                <a:ext cx="315012" cy="241423"/>
-              </a:xfrm>
-              <a:custGeom>
-                <a:avLst/>
-                <a:gdLst>
-                  <a:gd name="T0" fmla="*/ 244 w 244"/>
-                  <a:gd name="T1" fmla="*/ 68 h 187"/>
-                  <a:gd name="T2" fmla="*/ 244 w 244"/>
-                  <a:gd name="T3" fmla="*/ 151 h 187"/>
-                  <a:gd name="T4" fmla="*/ 0 w 244"/>
-                  <a:gd name="T5" fmla="*/ 151 h 187"/>
-                  <a:gd name="T6" fmla="*/ 0 w 244"/>
-                  <a:gd name="T7" fmla="*/ 0 h 187"/>
-                  <a:gd name="T8" fmla="*/ 244 w 244"/>
-                  <a:gd name="T9" fmla="*/ 0 h 187"/>
-                  <a:gd name="T10" fmla="*/ 244 w 244"/>
-                  <a:gd name="T11" fmla="*/ 68 h 187"/>
-                  <a:gd name="T12" fmla="*/ 122 w 244"/>
-                  <a:gd name="T13" fmla="*/ 151 h 187"/>
-                  <a:gd name="T14" fmla="*/ 122 w 244"/>
-                  <a:gd name="T15" fmla="*/ 187 h 187"/>
-                  <a:gd name="T16" fmla="*/ 73 w 244"/>
-                  <a:gd name="T17" fmla="*/ 187 h 187"/>
-                  <a:gd name="T18" fmla="*/ 171 w 244"/>
-                  <a:gd name="T19" fmla="*/ 187 h 187"/>
-                </a:gdLst>
-                <a:ahLst/>
-                <a:cxnLst>
-                  <a:cxn ang="0">
-                    <a:pos x="T0" y="T1"/>
-                  </a:cxn>
-                  <a:cxn ang="0">
-                    <a:pos x="T2" y="T3"/>
-                  </a:cxn>
-                  <a:cxn ang="0">
-                    <a:pos x="T4" y="T5"/>
-                  </a:cxn>
-                  <a:cxn ang="0">
-                    <a:pos x="T6" y="T7"/>
-                  </a:cxn>
-                  <a:cxn ang="0">
-                    <a:pos x="T8" y="T9"/>
-                  </a:cxn>
-                  <a:cxn ang="0">
-                    <a:pos x="T10" y="T11"/>
-                  </a:cxn>
-                  <a:cxn ang="0">
-                    <a:pos x="T12" y="T13"/>
-                  </a:cxn>
-                  <a:cxn ang="0">
-                    <a:pos x="T14" y="T15"/>
-                  </a:cxn>
-                  <a:cxn ang="0">
-                    <a:pos x="T16" y="T17"/>
-                  </a:cxn>
-                  <a:cxn ang="0">
-                    <a:pos x="T18" y="T19"/>
-                  </a:cxn>
-                </a:cxnLst>
-                <a:rect l="0" t="0" r="r" b="b"/>
-                <a:pathLst>
-                  <a:path w="244" h="187">
-                    <a:moveTo>
-                      <a:pt x="244" y="68"/>
-                    </a:moveTo>
-                    <a:lnTo>
-                      <a:pt x="244" y="151"/>
-                    </a:lnTo>
-                    <a:lnTo>
-                      <a:pt x="0" y="151"/>
-                    </a:lnTo>
-                    <a:lnTo>
-                      <a:pt x="0" y="0"/>
-                    </a:lnTo>
-                    <a:lnTo>
-                      <a:pt x="244" y="0"/>
-                    </a:lnTo>
-                    <a:lnTo>
-                      <a:pt x="244" y="68"/>
-                    </a:lnTo>
-                    <a:moveTo>
-                      <a:pt x="122" y="151"/>
-                    </a:moveTo>
-                    <a:lnTo>
-                      <a:pt x="122" y="187"/>
-                    </a:lnTo>
-                    <a:moveTo>
-                      <a:pt x="73" y="187"/>
-                    </a:moveTo>
-                    <a:lnTo>
-                      <a:pt x="171" y="187"/>
-                    </a:lnTo>
-                  </a:path>
-                </a:pathLst>
-              </a:custGeom>
-              <a:noFill/>
-              <a:ln w="19050" cap="sq">
-                <a:solidFill>
-                  <a:schemeClr val="tx2"/>
-                </a:solidFill>
-                <a:prstDash val="solid"/>
-                <a:miter lim="800000"/>
-                <a:headEnd/>
-                <a:tailEnd/>
-              </a:ln>
-              <a:extLst>
-                <a:ext uri="{909E8E84-426E-40DD-AFC4-6F175D3DCCD1}">
-                  <a14:hiddenFill xmlns:a14="http://schemas.microsoft.com/office/drawing/2010/main">
-                    <a:solidFill>
-                      <a:srgbClr val="FFFFFF"/>
-                    </a:solidFill>
-                  </a14:hiddenFill>
-                </a:ext>
-              </a:extLst>
-            </p:spPr>
-            <p:txBody>
-              <a:bodyPr vert="horz" wrap="square" lIns="91440" tIns="45720" rIns="91440" bIns="45720" numCol="1" anchor="t" anchorCtr="0" compatLnSpc="1">
-                <a:prstTxWarp prst="textNoShape">
-                  <a:avLst/>
-                </a:prstTxWarp>
-              </a:bodyPr>
-              <a:lstStyle/>
-              <a:p>
-                <a:pPr marL="0" marR="0" lvl="0" indent="0" algn="l" defTabSz="932742" rtl="0" eaLnBrk="1" fontAlgn="auto" latinLnBrk="0" hangingPunct="1">
-                  <a:lnSpc>
-                    <a:spcPct val="100000"/>
-                  </a:lnSpc>
-                  <a:spcBef>
-                    <a:spcPts val="0"/>
-                  </a:spcBef>
-                  <a:spcAft>
-                    <a:spcPts val="0"/>
-                  </a:spcAft>
-                  <a:buClrTx/>
-                  <a:buSzTx/>
-                  <a:buFontTx/>
-                  <a:buNone/>
-                  <a:tabLst/>
-                  <a:defRPr/>
-                </a:pPr>
-                <a:endParaRPr kumimoji="0" lang="en-US" sz="1800" b="0" i="0" u="none" strike="noStrike" kern="1200" cap="none" spc="0" normalizeH="0" baseline="0" noProof="0" dirty="0">
-                  <a:ln>
-                    <a:noFill/>
-                  </a:ln>
-                  <a:gradFill>
-                    <a:gsLst>
-                      <a:gs pos="0">
-                        <a:srgbClr val="505050"/>
-                      </a:gs>
-                      <a:gs pos="100000">
-                        <a:srgbClr val="505050"/>
-                      </a:gs>
-                    </a:gsLst>
-                  </a:gradFill>
-                  <a:effectLst/>
-                  <a:uLnTx/>
-                  <a:uFillTx/>
-                  <a:latin typeface="Segoe UI Semilight"/>
-                  <a:ea typeface="+mn-ea"/>
-                  <a:cs typeface="+mn-cs"/>
-                </a:endParaRPr>
-              </a:p>
-            </p:txBody>
-          </p:sp>
-          <p:sp>
-            <p:nvSpPr>
-              <p:cNvPr id="9" name="Tablet_E70A">
-                <a:extLst>
-                  <a:ext uri="{FF2B5EF4-FFF2-40B4-BE49-F238E27FC236}">
-                    <a16:creationId xmlns:a16="http://schemas.microsoft.com/office/drawing/2014/main" id="{E48E46B1-20A4-4C88-803F-9B0A95D29A31}"/>
-                  </a:ext>
-                </a:extLst>
-              </p:cNvPr>
-              <p:cNvSpPr>
-                <a:spLocks noChangeAspect="1" noEditPoints="1"/>
-              </p:cNvSpPr>
-              <p:nvPr/>
-            </p:nvSpPr>
-            <p:spPr bwMode="auto">
-              <a:xfrm>
-                <a:off x="5556527" y="2709004"/>
-                <a:ext cx="238727" cy="175248"/>
-              </a:xfrm>
-              <a:custGeom>
-                <a:avLst/>
-                <a:gdLst>
-                  <a:gd name="T0" fmla="*/ 3748 w 3748"/>
-                  <a:gd name="T1" fmla="*/ 2562 h 2749"/>
-                  <a:gd name="T2" fmla="*/ 3561 w 3748"/>
-                  <a:gd name="T3" fmla="*/ 2749 h 2749"/>
-                  <a:gd name="T4" fmla="*/ 187 w 3748"/>
-                  <a:gd name="T5" fmla="*/ 2749 h 2749"/>
-                  <a:gd name="T6" fmla="*/ 0 w 3748"/>
-                  <a:gd name="T7" fmla="*/ 2562 h 2749"/>
-                  <a:gd name="T8" fmla="*/ 0 w 3748"/>
-                  <a:gd name="T9" fmla="*/ 187 h 2749"/>
-                  <a:gd name="T10" fmla="*/ 187 w 3748"/>
-                  <a:gd name="T11" fmla="*/ 0 h 2749"/>
-                  <a:gd name="T12" fmla="*/ 3561 w 3748"/>
-                  <a:gd name="T13" fmla="*/ 0 h 2749"/>
-                  <a:gd name="T14" fmla="*/ 3748 w 3748"/>
-                  <a:gd name="T15" fmla="*/ 187 h 2749"/>
-                  <a:gd name="T16" fmla="*/ 3748 w 3748"/>
-                  <a:gd name="T17" fmla="*/ 2562 h 2749"/>
-                  <a:gd name="T18" fmla="*/ 2124 w 3748"/>
-                  <a:gd name="T19" fmla="*/ 2249 h 2749"/>
-                  <a:gd name="T20" fmla="*/ 1624 w 3748"/>
-                  <a:gd name="T21" fmla="*/ 2249 h 2749"/>
-                </a:gdLst>
-                <a:ahLst/>
-                <a:cxnLst>
-                  <a:cxn ang="0">
-                    <a:pos x="T0" y="T1"/>
-                  </a:cxn>
-                  <a:cxn ang="0">
-                    <a:pos x="T2" y="T3"/>
-                  </a:cxn>
-                  <a:cxn ang="0">
-                    <a:pos x="T4" y="T5"/>
-                  </a:cxn>
-                  <a:cxn ang="0">
-                    <a:pos x="T6" y="T7"/>
-                  </a:cxn>
-                  <a:cxn ang="0">
-                    <a:pos x="T8" y="T9"/>
-                  </a:cxn>
-                  <a:cxn ang="0">
-                    <a:pos x="T10" y="T11"/>
-                  </a:cxn>
-                  <a:cxn ang="0">
-                    <a:pos x="T12" y="T13"/>
-                  </a:cxn>
-                  <a:cxn ang="0">
-                    <a:pos x="T14" y="T15"/>
-                  </a:cxn>
-                  <a:cxn ang="0">
-                    <a:pos x="T16" y="T17"/>
-                  </a:cxn>
-                  <a:cxn ang="0">
-                    <a:pos x="T18" y="T19"/>
-                  </a:cxn>
-                  <a:cxn ang="0">
-                    <a:pos x="T20" y="T21"/>
-                  </a:cxn>
-                </a:cxnLst>
-                <a:rect l="0" t="0" r="r" b="b"/>
-                <a:pathLst>
-                  <a:path w="3748" h="2749">
-                    <a:moveTo>
-                      <a:pt x="3748" y="2562"/>
-                    </a:moveTo>
-                    <a:cubicBezTo>
-                      <a:pt x="3748" y="2665"/>
-                      <a:pt x="3665" y="2749"/>
-                      <a:pt x="3561" y="2749"/>
-                    </a:cubicBezTo>
-                    <a:cubicBezTo>
-                      <a:pt x="187" y="2749"/>
-                      <a:pt x="187" y="2749"/>
-                      <a:pt x="187" y="2749"/>
-                    </a:cubicBezTo>
-                    <a:cubicBezTo>
-                      <a:pt x="83" y="2749"/>
-                      <a:pt x="0" y="2665"/>
-                      <a:pt x="0" y="2562"/>
-                    </a:cubicBezTo>
-                    <a:cubicBezTo>
-                      <a:pt x="0" y="187"/>
-                      <a:pt x="0" y="187"/>
-                      <a:pt x="0" y="187"/>
-                    </a:cubicBezTo>
-                    <a:cubicBezTo>
-                      <a:pt x="0" y="84"/>
-                      <a:pt x="83" y="0"/>
-                      <a:pt x="187" y="0"/>
-                    </a:cubicBezTo>
-                    <a:cubicBezTo>
-                      <a:pt x="3561" y="0"/>
-                      <a:pt x="3561" y="0"/>
-                      <a:pt x="3561" y="0"/>
-                    </a:cubicBezTo>
-                    <a:cubicBezTo>
-                      <a:pt x="3665" y="0"/>
-                      <a:pt x="3748" y="84"/>
-                      <a:pt x="3748" y="187"/>
-                    </a:cubicBezTo>
-                    <a:lnTo>
-                      <a:pt x="3748" y="2562"/>
-                    </a:lnTo>
-                    <a:close/>
-                    <a:moveTo>
-                      <a:pt x="2124" y="2249"/>
-                    </a:moveTo>
-                    <a:cubicBezTo>
-                      <a:pt x="1624" y="2249"/>
-                      <a:pt x="1624" y="2249"/>
-                      <a:pt x="1624" y="2249"/>
-                    </a:cubicBezTo>
-                  </a:path>
-                </a:pathLst>
-              </a:custGeom>
-              <a:solidFill>
-                <a:schemeClr val="bg2"/>
-              </a:solidFill>
-              <a:ln w="19050" cap="sq">
-                <a:solidFill>
-                  <a:schemeClr val="tx2"/>
-                </a:solidFill>
-                <a:prstDash val="solid"/>
-                <a:miter lim="800000"/>
-                <a:headEnd/>
-                <a:tailEnd/>
-              </a:ln>
-              <a:extLst/>
-            </p:spPr>
-            <p:txBody>
-              <a:bodyPr vert="horz" wrap="square" lIns="91440" tIns="45720" rIns="91440" bIns="45720" numCol="1" anchor="t" anchorCtr="0" compatLnSpc="1">
-                <a:prstTxWarp prst="textNoShape">
-                  <a:avLst/>
-                </a:prstTxWarp>
-              </a:bodyPr>
-              <a:lstStyle/>
-              <a:p>
-                <a:pPr marL="0" marR="0" lvl="0" indent="0" algn="l" defTabSz="932742" rtl="0" eaLnBrk="1" fontAlgn="auto" latinLnBrk="0" hangingPunct="1">
-                  <a:lnSpc>
-                    <a:spcPct val="100000"/>
-                  </a:lnSpc>
-                  <a:spcBef>
-                    <a:spcPts val="0"/>
-                  </a:spcBef>
-                  <a:spcAft>
-                    <a:spcPts val="0"/>
-                  </a:spcAft>
-                  <a:buClrTx/>
-                  <a:buSzTx/>
-                  <a:buFontTx/>
-                  <a:buNone/>
-                  <a:tabLst/>
-                  <a:defRPr/>
-                </a:pPr>
-                <a:endParaRPr kumimoji="0" lang="en-US" sz="900" b="0" i="0" u="none" strike="noStrike" kern="1200" cap="none" spc="0" normalizeH="0" baseline="0" noProof="0">
-                  <a:ln>
-                    <a:noFill/>
-                  </a:ln>
-                  <a:gradFill>
-                    <a:gsLst>
-                      <a:gs pos="0">
-                        <a:srgbClr val="505050"/>
-                      </a:gs>
-                      <a:gs pos="100000">
-                        <a:srgbClr val="505050"/>
-                      </a:gs>
-                    </a:gsLst>
-                  </a:gradFill>
-                  <a:effectLst/>
-                  <a:uLnTx/>
-                  <a:uFillTx/>
-                  <a:latin typeface="Segoe UI Semilight"/>
-                  <a:ea typeface="+mn-ea"/>
-                  <a:cs typeface="+mn-cs"/>
-                </a:endParaRPr>
-              </a:p>
-            </p:txBody>
-          </p:sp>
-        </p:grpSp>
-      </p:grpSp>
-      <p:grpSp>
-        <p:nvGrpSpPr>
-          <p:cNvPr id="26" name="Group 25">
-            <a:extLst>
-              <a:ext uri="{FF2B5EF4-FFF2-40B4-BE49-F238E27FC236}">
-                <a16:creationId xmlns:a16="http://schemas.microsoft.com/office/drawing/2014/main" id="{0D475C12-F58C-47F7-A112-19817A71A592}"/>
-              </a:ext>
-            </a:extLst>
-          </p:cNvPr>
-          <p:cNvGrpSpPr/>
-          <p:nvPr/>
-        </p:nvGrpSpPr>
-        <p:grpSpPr>
-          <a:xfrm>
-            <a:off x="4941392" y="4032455"/>
-            <a:ext cx="743940" cy="743940"/>
-            <a:chOff x="5068714" y="3881848"/>
-            <a:chExt cx="743940" cy="743940"/>
-          </a:xfrm>
-        </p:grpSpPr>
-        <p:sp>
-          <p:nvSpPr>
-            <p:cNvPr id="13" name="Oval 12">
-              <a:extLst>
-                <a:ext uri="{FF2B5EF4-FFF2-40B4-BE49-F238E27FC236}">
-                  <a16:creationId xmlns:a16="http://schemas.microsoft.com/office/drawing/2014/main" id="{E850657F-341F-46CD-B568-9F12BFBAB36C}"/>
-                </a:ext>
-              </a:extLst>
-            </p:cNvPr>
-            <p:cNvSpPr/>
-            <p:nvPr/>
-          </p:nvSpPr>
-          <p:spPr bwMode="auto">
-            <a:xfrm>
-              <a:off x="5068714" y="3881848"/>
-              <a:ext cx="743940" cy="743940"/>
-            </a:xfrm>
-            <a:prstGeom prst="ellipse">
-              <a:avLst/>
-            </a:prstGeom>
-            <a:solidFill>
-              <a:schemeClr val="bg2"/>
-            </a:solidFill>
-            <a:ln w="19050">
-              <a:solidFill>
-                <a:schemeClr val="tx2"/>
-              </a:solidFill>
-              <a:headEnd type="none" w="med" len="med"/>
-              <a:tailEnd type="none" w="med" len="med"/>
-            </a:ln>
-            <a:effectLst/>
-          </p:spPr>
-          <p:style>
-            <a:lnRef idx="1">
-              <a:schemeClr val="accent2"/>
-            </a:lnRef>
-            <a:fillRef idx="3">
-              <a:schemeClr val="accent2"/>
-            </a:fillRef>
-            <a:effectRef idx="2">
-              <a:schemeClr val="accent2"/>
-            </a:effectRef>
-            <a:fontRef idx="minor">
-              <a:schemeClr val="lt1"/>
-            </a:fontRef>
-          </p:style>
-          <p:txBody>
-            <a:bodyPr rot="0" spcFirstLastPara="0" vertOverflow="overflow" horzOverflow="overflow" vert="horz" wrap="square" lIns="182880" tIns="146304" rIns="182880" bIns="146304" numCol="1" spcCol="0" rtlCol="0" fromWordArt="0" anchor="t" anchorCtr="0" forceAA="0" compatLnSpc="1">
-              <a:prstTxWarp prst="textNoShape">
-                <a:avLst/>
-              </a:prstTxWarp>
-              <a:noAutofit/>
-            </a:bodyPr>
-            <a:lstStyle/>
-            <a:p>
-              <a:pPr marL="0" marR="0" lvl="0" indent="0" algn="ctr" defTabSz="932472" rtl="0" eaLnBrk="1" fontAlgn="base" latinLnBrk="0" hangingPunct="1">
-                <a:lnSpc>
-                  <a:spcPct val="90000"/>
-                </a:lnSpc>
-                <a:spcBef>
-                  <a:spcPct val="0"/>
-                </a:spcBef>
-                <a:spcAft>
-                  <a:spcPct val="0"/>
-                </a:spcAft>
-                <a:buClrTx/>
-                <a:buSzTx/>
-                <a:buFontTx/>
-                <a:buNone/>
-                <a:tabLst/>
-                <a:defRPr/>
-              </a:pPr>
-              <a:endParaRPr kumimoji="0" lang="en-US" sz="2400" b="0" i="0" u="none" strike="noStrike" kern="1200" cap="none" spc="0" normalizeH="0" baseline="0" noProof="0" dirty="0" err="1">
-                <a:ln>
-                  <a:noFill/>
-                </a:ln>
-                <a:gradFill>
-                  <a:gsLst>
-                    <a:gs pos="0">
-                      <a:srgbClr val="FFFFFF"/>
-                    </a:gs>
-                    <a:gs pos="100000">
-                      <a:srgbClr val="FFFFFF"/>
-                    </a:gs>
-                  </a:gsLst>
-                  <a:lin ang="5400000" scaled="0"/>
-                </a:gradFill>
-                <a:effectLst/>
-                <a:uLnTx/>
-                <a:uFillTx/>
-                <a:latin typeface="Segoe UI Semilight"/>
-                <a:ea typeface="Segoe UI" pitchFamily="34" charset="0"/>
-                <a:cs typeface="Segoe UI" pitchFamily="34" charset="0"/>
-              </a:endParaRPr>
-            </a:p>
-          </p:txBody>
-        </p:sp>
-        <p:sp>
-          <p:nvSpPr>
-            <p:cNvPr id="19" name="CellPhone_E8EA">
-              <a:extLst>
-                <a:ext uri="{FF2B5EF4-FFF2-40B4-BE49-F238E27FC236}">
-                  <a16:creationId xmlns:a16="http://schemas.microsoft.com/office/drawing/2014/main" id="{F052BA03-A0B1-4396-9842-B0076DAA3ADA}"/>
-                </a:ext>
-              </a:extLst>
-            </p:cNvPr>
-            <p:cNvSpPr>
-              <a:spLocks noChangeAspect="1" noEditPoints="1"/>
-            </p:cNvSpPr>
-            <p:nvPr/>
-          </p:nvSpPr>
-          <p:spPr bwMode="auto">
-            <a:xfrm>
-              <a:off x="5347257" y="4098132"/>
-              <a:ext cx="186854" cy="311373"/>
-            </a:xfrm>
-            <a:custGeom>
-              <a:avLst/>
-              <a:gdLst>
-                <a:gd name="T0" fmla="*/ 2125 w 2250"/>
-                <a:gd name="T1" fmla="*/ 3750 h 3750"/>
-                <a:gd name="T2" fmla="*/ 125 w 2250"/>
-                <a:gd name="T3" fmla="*/ 3750 h 3750"/>
-                <a:gd name="T4" fmla="*/ 0 w 2250"/>
-                <a:gd name="T5" fmla="*/ 3625 h 3750"/>
-                <a:gd name="T6" fmla="*/ 0 w 2250"/>
-                <a:gd name="T7" fmla="*/ 125 h 3750"/>
-                <a:gd name="T8" fmla="*/ 125 w 2250"/>
-                <a:gd name="T9" fmla="*/ 0 h 3750"/>
-                <a:gd name="T10" fmla="*/ 2125 w 2250"/>
-                <a:gd name="T11" fmla="*/ 0 h 3750"/>
-                <a:gd name="T12" fmla="*/ 2250 w 2250"/>
-                <a:gd name="T13" fmla="*/ 125 h 3750"/>
-                <a:gd name="T14" fmla="*/ 2250 w 2250"/>
-                <a:gd name="T15" fmla="*/ 3625 h 3750"/>
-                <a:gd name="T16" fmla="*/ 2125 w 2250"/>
-                <a:gd name="T17" fmla="*/ 3750 h 3750"/>
-                <a:gd name="T18" fmla="*/ 875 w 2250"/>
-                <a:gd name="T19" fmla="*/ 3250 h 3750"/>
-                <a:gd name="T20" fmla="*/ 1375 w 2250"/>
-                <a:gd name="T21" fmla="*/ 3250 h 3750"/>
-              </a:gdLst>
-              <a:ahLst/>
-              <a:cxnLst>
-                <a:cxn ang="0">
-                  <a:pos x="T0" y="T1"/>
-                </a:cxn>
-                <a:cxn ang="0">
-                  <a:pos x="T2" y="T3"/>
-                </a:cxn>
-                <a:cxn ang="0">
-                  <a:pos x="T4" y="T5"/>
-                </a:cxn>
-                <a:cxn ang="0">
-                  <a:pos x="T6" y="T7"/>
-                </a:cxn>
-                <a:cxn ang="0">
-                  <a:pos x="T8" y="T9"/>
-                </a:cxn>
-                <a:cxn ang="0">
-                  <a:pos x="T10" y="T11"/>
-                </a:cxn>
-                <a:cxn ang="0">
-                  <a:pos x="T12" y="T13"/>
-                </a:cxn>
-                <a:cxn ang="0">
-                  <a:pos x="T14" y="T15"/>
-                </a:cxn>
-                <a:cxn ang="0">
-                  <a:pos x="T16" y="T17"/>
-                </a:cxn>
-                <a:cxn ang="0">
-                  <a:pos x="T18" y="T19"/>
-                </a:cxn>
-                <a:cxn ang="0">
-                  <a:pos x="T20" y="T21"/>
-                </a:cxn>
-              </a:cxnLst>
-              <a:rect l="0" t="0" r="r" b="b"/>
-              <a:pathLst>
-                <a:path w="2250" h="3750">
-                  <a:moveTo>
-                    <a:pt x="2125" y="3750"/>
-                  </a:moveTo>
-                  <a:cubicBezTo>
-                    <a:pt x="125" y="3750"/>
-                    <a:pt x="125" y="3750"/>
-                    <a:pt x="125" y="3750"/>
-                  </a:cubicBezTo>
-                  <a:cubicBezTo>
-                    <a:pt x="56" y="3750"/>
-                    <a:pt x="0" y="3694"/>
-                    <a:pt x="0" y="3625"/>
-                  </a:cubicBezTo>
-                  <a:cubicBezTo>
-                    <a:pt x="0" y="125"/>
-                    <a:pt x="0" y="125"/>
-                    <a:pt x="0" y="125"/>
-                  </a:cubicBezTo>
-                  <a:cubicBezTo>
-                    <a:pt x="0" y="56"/>
-                    <a:pt x="56" y="0"/>
-                    <a:pt x="125" y="0"/>
-                  </a:cubicBezTo>
-                  <a:cubicBezTo>
-                    <a:pt x="2125" y="0"/>
-                    <a:pt x="2125" y="0"/>
-                    <a:pt x="2125" y="0"/>
-                  </a:cubicBezTo>
-                  <a:cubicBezTo>
-                    <a:pt x="2194" y="0"/>
-                    <a:pt x="2250" y="56"/>
-                    <a:pt x="2250" y="125"/>
-                  </a:cubicBezTo>
-                  <a:cubicBezTo>
-                    <a:pt x="2250" y="3625"/>
-                    <a:pt x="2250" y="3625"/>
-                    <a:pt x="2250" y="3625"/>
-                  </a:cubicBezTo>
-                  <a:cubicBezTo>
-                    <a:pt x="2250" y="3694"/>
-                    <a:pt x="2194" y="3750"/>
-                    <a:pt x="2125" y="3750"/>
-                  </a:cubicBezTo>
-                  <a:close/>
-                  <a:moveTo>
-                    <a:pt x="875" y="3250"/>
-                  </a:moveTo>
-                  <a:cubicBezTo>
-                    <a:pt x="1375" y="3250"/>
-                    <a:pt x="1375" y="3250"/>
-                    <a:pt x="1375" y="3250"/>
-                  </a:cubicBezTo>
-                </a:path>
-              </a:pathLst>
-            </a:custGeom>
-            <a:noFill/>
-            <a:ln w="19050" cap="sq">
-              <a:solidFill>
-                <a:schemeClr val="tx2"/>
-              </a:solidFill>
-              <a:prstDash val="solid"/>
-              <a:miter lim="800000"/>
-              <a:headEnd/>
-              <a:tailEnd/>
-            </a:ln>
-            <a:extLst>
-              <a:ext uri="{909E8E84-426E-40DD-AFC4-6F175D3DCCD1}">
-                <a14:hiddenFill xmlns:a14="http://schemas.microsoft.com/office/drawing/2010/main">
-                  <a:solidFill>
-                    <a:srgbClr val="FFFFFF"/>
-                  </a:solidFill>
-                </a14:hiddenFill>
-              </a:ext>
-            </a:extLst>
-          </p:spPr>
-          <p:txBody>
-            <a:bodyPr vert="horz" wrap="square" lIns="91440" tIns="45720" rIns="91440" bIns="45720" numCol="1" anchor="t" anchorCtr="0" compatLnSpc="1">
-              <a:prstTxWarp prst="textNoShape">
-                <a:avLst/>
-              </a:prstTxWarp>
-            </a:bodyPr>
-            <a:lstStyle/>
-            <a:p>
-              <a:pPr marL="0" marR="0" lvl="0" indent="0" algn="l" defTabSz="932742" rtl="0" eaLnBrk="1" fontAlgn="auto" latinLnBrk="0" hangingPunct="1">
-                <a:lnSpc>
-                  <a:spcPct val="100000"/>
-                </a:lnSpc>
-                <a:spcBef>
-                  <a:spcPts val="0"/>
-                </a:spcBef>
-                <a:spcAft>
-                  <a:spcPts val="0"/>
-                </a:spcAft>
-                <a:buClrTx/>
-                <a:buSzTx/>
-                <a:buFontTx/>
-                <a:buNone/>
-                <a:tabLst/>
-                <a:defRPr/>
-              </a:pPr>
-              <a:endParaRPr kumimoji="0" lang="en-US" sz="900" b="0" i="0" u="none" strike="noStrike" kern="1200" cap="none" spc="0" normalizeH="0" baseline="0" noProof="0">
-                <a:ln>
-                  <a:noFill/>
-                </a:ln>
-                <a:gradFill>
-                  <a:gsLst>
-                    <a:gs pos="0">
-                      <a:srgbClr val="505050"/>
-                    </a:gs>
-                    <a:gs pos="100000">
-                      <a:srgbClr val="505050"/>
-                    </a:gs>
-                  </a:gsLst>
-                </a:gradFill>
-                <a:effectLst/>
-                <a:uLnTx/>
-                <a:uFillTx/>
-                <a:latin typeface="Segoe UI Semilight"/>
-                <a:ea typeface="+mn-ea"/>
-                <a:cs typeface="+mn-cs"/>
-              </a:endParaRPr>
-            </a:p>
-          </p:txBody>
-        </p:sp>
-      </p:grpSp>
-      <p:sp>
-        <p:nvSpPr>
-          <p:cNvPr id="22" name="Rectangle 21">
-            <a:extLst>
-              <a:ext uri="{FF2B5EF4-FFF2-40B4-BE49-F238E27FC236}">
-                <a16:creationId xmlns:a16="http://schemas.microsoft.com/office/drawing/2014/main" id="{7DA17646-8F75-4C68-9CDA-774778D40EA7}"/>
-              </a:ext>
-            </a:extLst>
-          </p:cNvPr>
-          <p:cNvSpPr/>
-          <p:nvPr/>
-        </p:nvSpPr>
-        <p:spPr>
-          <a:xfrm>
-            <a:off x="386990" y="4418183"/>
-            <a:ext cx="2723184" cy="1200329"/>
-          </a:xfrm>
-          <a:prstGeom prst="rect">
-            <a:avLst/>
-          </a:prstGeom>
-        </p:spPr>
-        <p:txBody>
-          <a:bodyPr wrap="square">
-            <a:spAutoFit/>
-          </a:bodyPr>
-          <a:lstStyle/>
-          <a:p>
-            <a:pPr marL="0" marR="0" lvl="0" indent="0" algn="l" defTabSz="932742" rtl="0" eaLnBrk="1" fontAlgn="auto" latinLnBrk="0" hangingPunct="1">
-              <a:lnSpc>
-                <a:spcPct val="100000"/>
-              </a:lnSpc>
-              <a:spcBef>
-                <a:spcPts val="0"/>
+                <a:spcPct val="20000"/>
               </a:spcBef>
               <a:spcAft>
                 <a:spcPts val="0"/>
               </a:spcAft>
               <a:buClrTx/>
-              <a:buSzTx/>
+              <a:buSzPct val="90000"/>
               <a:buFontTx/>
               <a:buNone/>
               <a:tabLst/>
-              <a:defRPr/>
-            </a:pPr>
-            <a:r>
-              <a:rPr kumimoji="0" lang="en-US" sz="3600" b="0" i="0" u="none" strike="noStrike" kern="1200" cap="none" spc="0" normalizeH="0" baseline="0" noProof="0" dirty="0">
-                <a:ln>
-                  <a:noFill/>
-                </a:ln>
+              <a:defRPr sz="2000" kern="1200" spc="0" baseline="0">
                 <a:gradFill>
                   <a:gsLst>
-                    <a:gs pos="99115">
-                      <a:srgbClr val="FFFFFF"/>
-                    </a:gs>
-                    <a:gs pos="59000">
-                      <a:srgbClr val="FFFFFF"/>
+                    <a:gs pos="1250">
+                      <a:schemeClr val="tx1"/>
+                    </a:gs>
+                    <a:gs pos="100000">
+                      <a:schemeClr val="tx1"/>
                     </a:gs>
                   </a:gsLst>
                   <a:lin ang="5400000" scaled="0"/>
                 </a:gradFill>
-                <a:effectLst/>
-                <a:uLnTx/>
-                <a:uFillTx/>
-                <a:latin typeface="Segoe UI Semilight"/>
+                <a:latin typeface="+mn-lt"/>
                 <a:ea typeface="+mn-ea"/>
                 <a:cs typeface="+mn-cs"/>
-              </a:rPr>
-              <a:t>Your input is important!</a:t>
-            </a:r>
-            <a:endParaRPr kumimoji="0" lang="en-US" sz="3600" b="0" i="0" u="none" strike="noStrike" kern="1200" cap="none" spc="0" normalizeH="0" baseline="0" noProof="0" dirty="0">
-              <a:ln>
-                <a:noFill/>
-              </a:ln>
-              <a:solidFill>
-                <a:srgbClr val="353535"/>
-              </a:solidFill>
-              <a:effectLst/>
-              <a:uLnTx/>
-              <a:uFillTx/>
-              <a:latin typeface="Segoe UI Semilight"/>
-              <a:ea typeface="+mn-ea"/>
-              <a:cs typeface="+mn-cs"/>
-            </a:endParaRPr>
-          </a:p>
-        </p:txBody>
-      </p:sp>
-      <p:cxnSp>
-        <p:nvCxnSpPr>
-          <p:cNvPr id="24" name="Straight Connector 23">
-            <a:extLst>
-              <a:ext uri="{FF2B5EF4-FFF2-40B4-BE49-F238E27FC236}">
-                <a16:creationId xmlns:a16="http://schemas.microsoft.com/office/drawing/2014/main" id="{F03C15D5-5757-4828-9C06-1FFB713B3281}"/>
-              </a:ext>
-            </a:extLst>
-          </p:cNvPr>
-          <p:cNvCxnSpPr/>
-          <p:nvPr/>
-        </p:nvCxnSpPr>
-        <p:spPr>
-          <a:xfrm>
-            <a:off x="478715" y="4168841"/>
-            <a:ext cx="3475038" cy="0"/>
-          </a:xfrm>
-          <a:prstGeom prst="line">
-            <a:avLst/>
-          </a:prstGeom>
-          <a:ln w="12700">
-            <a:solidFill>
-              <a:schemeClr val="bg1">
-                <a:alpha val="68000"/>
-              </a:schemeClr>
-            </a:solidFill>
-            <a:headEnd type="none"/>
-            <a:tailEnd type="none"/>
-          </a:ln>
-        </p:spPr>
-        <p:style>
-          <a:lnRef idx="1">
-            <a:schemeClr val="accent1"/>
-          </a:lnRef>
-          <a:fillRef idx="0">
-            <a:schemeClr val="accent1"/>
-          </a:fillRef>
-          <a:effectRef idx="0">
-            <a:schemeClr val="accent1"/>
-          </a:effectRef>
-          <a:fontRef idx="minor">
-            <a:schemeClr val="tx1"/>
-          </a:fontRef>
-        </p:style>
-      </p:cxnSp>
-      <p:sp>
-        <p:nvSpPr>
-          <p:cNvPr id="7" name="instructions" hidden="1"/>
-          <p:cNvSpPr>
-            <a:spLocks noChangeArrowheads="1"/>
-          </p:cNvSpPr>
-          <p:nvPr/>
-        </p:nvSpPr>
-        <p:spPr bwMode="auto">
-          <a:xfrm rot="850369">
-            <a:off x="1736858" y="2495425"/>
-            <a:ext cx="9326033" cy="654747"/>
-          </a:xfrm>
-          <a:prstGeom prst="rect">
-            <a:avLst/>
-          </a:prstGeom>
-          <a:solidFill>
-            <a:srgbClr val="FFFFFF"/>
-          </a:solidFill>
-          <a:ln w="9525">
-            <a:solidFill>
-              <a:schemeClr val="tx1"/>
-            </a:solidFill>
-            <a:miter lim="800000"/>
-            <a:headEnd/>
-            <a:tailEnd/>
-          </a:ln>
-        </p:spPr>
-        <p:txBody>
-          <a:bodyPr lIns="77714" tIns="38856" rIns="77714" bIns="38856">
-            <a:spAutoFit/>
-          </a:bodyPr>
-          <a:lstStyle/>
-          <a:p>
-            <a:pPr marL="0" marR="0" lvl="0" indent="0" algn="ctr" defTabSz="932597" rtl="0" eaLnBrk="1" fontAlgn="auto" latinLnBrk="0" hangingPunct="1">
+              </a:defRPr>
+            </a:lvl2pPr>
+            <a:lvl3pPr marL="228513" marR="0" indent="0" algn="l" defTabSz="932742" rtl="0" eaLnBrk="1" fontAlgn="auto" latinLnBrk="0" hangingPunct="1">
               <a:lnSpc>
-                <a:spcPct val="100000"/>
+                <a:spcPct val="90000"/>
               </a:lnSpc>
               <a:spcBef>
-                <a:spcPts val="0"/>
+                <a:spcPct val="20000"/>
               </a:spcBef>
               <a:spcAft>
                 <a:spcPts val="0"/>
               </a:spcAft>
               <a:buClrTx/>
-              <a:buSzTx/>
-              <a:buFontTx/>
+              <a:buSzPct val="90000"/>
+              <a:buFont typeface="Wingdings" panose="05000000000000000000" pitchFamily="2" charset="2"/>
               <a:buNone/>
               <a:tabLst/>
-              <a:defRPr/>
-            </a:pPr>
-            <a:r>
-              <a:rPr kumimoji="0" lang="en-US" sz="1800" b="1" i="0" u="none" strike="noStrike" kern="0" cap="none" spc="0" normalizeH="0" baseline="0" noProof="0" dirty="0">
-                <a:ln>
-                  <a:noFill/>
-                </a:ln>
-                <a:solidFill>
-                  <a:srgbClr val="FF0000"/>
-                </a:solidFill>
-                <a:effectLst/>
-                <a:uLnTx/>
-                <a:uFillTx/>
-                <a:latin typeface="Segoe UI Semilight"/>
+              <a:defRPr sz="2400" kern="1200" spc="0" baseline="0">
+                <a:gradFill>
+                  <a:gsLst>
+                    <a:gs pos="1250">
+                      <a:schemeClr val="tx1"/>
+                    </a:gs>
+                    <a:gs pos="100000">
+                      <a:schemeClr val="tx1"/>
+                    </a:gs>
+                  </a:gsLst>
+                  <a:lin ang="5400000" scaled="0"/>
+                </a:gradFill>
+                <a:latin typeface="+mn-lt"/>
                 <a:ea typeface="+mn-ea"/>
                 <a:cs typeface="+mn-cs"/>
-              </a:rPr>
-              <a:t>Please expand notes window at bottom of slide and read. </a:t>
-            </a:r>
-            <a:br>
-              <a:rPr kumimoji="0" lang="en-US" sz="1800" b="1" i="0" u="none" strike="noStrike" kern="0" cap="none" spc="0" normalizeH="0" baseline="0" noProof="0" dirty="0">
-                <a:ln>
-                  <a:noFill/>
-                </a:ln>
-                <a:solidFill>
-                  <a:srgbClr val="FF0000"/>
-                </a:solidFill>
-                <a:effectLst/>
-                <a:uLnTx/>
-                <a:uFillTx/>
-                <a:latin typeface="Segoe UI Semilight"/>
+              </a:defRPr>
+            </a:lvl3pPr>
+            <a:lvl4pPr marL="457024" marR="0" indent="0" algn="l" defTabSz="932742" rtl="0" eaLnBrk="1" fontAlgn="auto" latinLnBrk="0" hangingPunct="1">
+              <a:lnSpc>
+                <a:spcPct val="90000"/>
+              </a:lnSpc>
+              <a:spcBef>
+                <a:spcPct val="20000"/>
+              </a:spcBef>
+              <a:spcAft>
+                <a:spcPts val="0"/>
+              </a:spcAft>
+              <a:buClrTx/>
+              <a:buSzPct val="90000"/>
+              <a:buFont typeface="Wingdings" panose="05000000000000000000" pitchFamily="2" charset="2"/>
+              <a:buNone/>
+              <a:tabLst/>
+              <a:defRPr sz="2200" kern="1200" spc="0" baseline="0">
+                <a:gradFill>
+                  <a:gsLst>
+                    <a:gs pos="1250">
+                      <a:schemeClr val="tx1"/>
+                    </a:gs>
+                    <a:gs pos="100000">
+                      <a:schemeClr val="tx1"/>
+                    </a:gs>
+                  </a:gsLst>
+                  <a:lin ang="5400000" scaled="0"/>
+                </a:gradFill>
+                <a:latin typeface="+mn-lt"/>
                 <a:ea typeface="+mn-ea"/>
                 <a:cs typeface="+mn-cs"/>
-              </a:rPr>
-            </a:br>
-            <a:r>
-              <a:rPr kumimoji="0" lang="en-US" sz="1800" b="1" i="0" u="none" strike="noStrike" kern="0" cap="none" spc="0" normalizeH="0" baseline="0" noProof="0" dirty="0">
-                <a:ln>
-                  <a:noFill/>
-                </a:ln>
-                <a:solidFill>
-                  <a:srgbClr val="FF0000"/>
-                </a:solidFill>
-                <a:effectLst/>
-                <a:uLnTx/>
-                <a:uFillTx/>
-                <a:latin typeface="Segoe UI Semilight"/>
+              </a:defRPr>
+            </a:lvl4pPr>
+            <a:lvl5pPr marL="685537" marR="0" indent="0" algn="l" defTabSz="932742" rtl="0" eaLnBrk="1" fontAlgn="auto" latinLnBrk="0" hangingPunct="1">
+              <a:lnSpc>
+                <a:spcPct val="90000"/>
+              </a:lnSpc>
+              <a:spcBef>
+                <a:spcPct val="20000"/>
+              </a:spcBef>
+              <a:spcAft>
+                <a:spcPts val="0"/>
+              </a:spcAft>
+              <a:buClrTx/>
+              <a:buSzPct val="90000"/>
+              <a:buFont typeface="Wingdings" panose="05000000000000000000" pitchFamily="2" charset="2"/>
+              <a:buNone/>
+              <a:tabLst/>
+              <a:defRPr sz="2200" kern="1200" spc="0" baseline="0">
+                <a:gradFill>
+                  <a:gsLst>
+                    <a:gs pos="1250">
+                      <a:schemeClr val="tx1"/>
+                    </a:gs>
+                    <a:gs pos="100000">
+                      <a:schemeClr val="tx1"/>
+                    </a:gs>
+                  </a:gsLst>
+                  <a:lin ang="5400000" scaled="0"/>
+                </a:gradFill>
+                <a:latin typeface="+mn-lt"/>
                 <a:ea typeface="+mn-ea"/>
                 <a:cs typeface="+mn-cs"/>
+              </a:defRPr>
+            </a:lvl5pPr>
+            <a:lvl6pPr marL="2565040" indent="-233186" algn="l" defTabSz="932742" rtl="0" eaLnBrk="1" latinLnBrk="0" hangingPunct="1">
+              <a:spcBef>
+                <a:spcPct val="20000"/>
+              </a:spcBef>
+              <a:buFont typeface="Arial" pitchFamily="34" charset="0"/>
+              <a:buChar char="•"/>
+              <a:defRPr sz="2000" kern="1200">
+                <a:solidFill>
+                  <a:schemeClr val="tx1"/>
+                </a:solidFill>
+                <a:latin typeface="+mn-lt"/>
+                <a:ea typeface="+mn-ea"/>
+                <a:cs typeface="+mn-cs"/>
+              </a:defRPr>
+            </a:lvl6pPr>
+            <a:lvl7pPr marL="3031412" indent="-233186" algn="l" defTabSz="932742" rtl="0" eaLnBrk="1" latinLnBrk="0" hangingPunct="1">
+              <a:spcBef>
+                <a:spcPct val="20000"/>
+              </a:spcBef>
+              <a:buFont typeface="Arial" pitchFamily="34" charset="0"/>
+              <a:buChar char="•"/>
+              <a:defRPr sz="2000" kern="1200">
+                <a:solidFill>
+                  <a:schemeClr val="tx1"/>
+                </a:solidFill>
+                <a:latin typeface="+mn-lt"/>
+                <a:ea typeface="+mn-ea"/>
+                <a:cs typeface="+mn-cs"/>
+              </a:defRPr>
+            </a:lvl7pPr>
+            <a:lvl8pPr marL="3497783" indent="-233186" algn="l" defTabSz="932742" rtl="0" eaLnBrk="1" latinLnBrk="0" hangingPunct="1">
+              <a:spcBef>
+                <a:spcPct val="20000"/>
+              </a:spcBef>
+              <a:buFont typeface="Arial" pitchFamily="34" charset="0"/>
+              <a:buChar char="•"/>
+              <a:defRPr sz="2000" kern="1200">
+                <a:solidFill>
+                  <a:schemeClr val="tx1"/>
+                </a:solidFill>
+                <a:latin typeface="+mn-lt"/>
+                <a:ea typeface="+mn-ea"/>
+                <a:cs typeface="+mn-cs"/>
+              </a:defRPr>
+            </a:lvl8pPr>
+            <a:lvl9pPr marL="3964155" indent="-233186" algn="l" defTabSz="932742" rtl="0" eaLnBrk="1" latinLnBrk="0" hangingPunct="1">
+              <a:spcBef>
+                <a:spcPct val="20000"/>
+              </a:spcBef>
+              <a:buFont typeface="Arial" pitchFamily="34" charset="0"/>
+              <a:buChar char="•"/>
+              <a:defRPr sz="2000" kern="1200">
+                <a:solidFill>
+                  <a:schemeClr val="tx1"/>
+                </a:solidFill>
+                <a:latin typeface="+mn-lt"/>
+                <a:ea typeface="+mn-ea"/>
+                <a:cs typeface="+mn-cs"/>
+              </a:defRPr>
+            </a:lvl9pPr>
+          </a:lstStyle>
+          <a:p>
+            <a:r>
+              <a:rPr lang="en-US" sz="3200" dirty="0">
+                <a:solidFill>
+                  <a:schemeClr val="bg1"/>
+                </a:solidFill>
               </a:rPr>
-              <a:t>Then Delete this text box.</a:t>
+              <a:t>Login</a:t>
+            </a:r>
+            <a:r>
+              <a:rPr lang="en-US" sz="3200" dirty="0"/>
+              <a:t> </a:t>
+            </a:r>
+            <a:r>
+              <a:rPr lang="en-US" sz="3200" dirty="0">
+                <a:solidFill>
+                  <a:schemeClr val="bg1"/>
+                </a:solidFill>
+              </a:rPr>
+              <a:t>: </a:t>
+            </a:r>
+            <a:r>
+              <a:rPr lang="en-US" sz="3200">
+                <a:solidFill>
+                  <a:schemeClr val="bg1"/>
+                </a:solidFill>
+              </a:rPr>
+              <a:t>XXX@XXX.onmicrosoft.com</a:t>
+            </a:r>
+            <a:endParaRPr lang="en-US" sz="3200" dirty="0">
+              <a:solidFill>
+                <a:schemeClr val="bg1"/>
+              </a:solidFill>
+            </a:endParaRPr>
+          </a:p>
+          <a:p>
+            <a:r>
+              <a:rPr lang="en-US" sz="3200" dirty="0">
+                <a:solidFill>
+                  <a:schemeClr val="bg1"/>
+                </a:solidFill>
+              </a:rPr>
+              <a:t>Pass : XXXX</a:t>
+            </a:r>
+            <a:r>
+              <a:rPr lang="en-US" sz="3200" dirty="0">
+                <a:solidFill>
+                  <a:srgbClr val="F05251"/>
+                </a:solidFill>
+              </a:rPr>
+              <a:t>XXX</a:t>
             </a:r>
           </a:p>
         </p:txBody>
@@ -29911,665 +28422,16 @@
     </p:spTree>
     <p:extLst>
       <p:ext uri="{BB962C8B-B14F-4D97-AF65-F5344CB8AC3E}">
-        <p14:creationId xmlns:p14="http://schemas.microsoft.com/office/powerpoint/2010/main" val="1150990250"/>
+        <p14:creationId xmlns:p14="http://schemas.microsoft.com/office/powerpoint/2010/main" val="2328442223"/>
       </p:ext>
     </p:extLst>
   </p:cSld>
   <p:clrMapOvr>
     <a:masterClrMapping/>
   </p:clrMapOvr>
-  <mc:AlternateContent xmlns:mc="http://schemas.openxmlformats.org/markup-compatibility/2006" xmlns:p14="http://schemas.microsoft.com/office/powerpoint/2010/main">
-    <mc:Choice Requires="p14">
-      <p:transition spd="med" p14:dur="700">
-        <p:fade/>
-      </p:transition>
-    </mc:Choice>
-    <mc:Fallback xmlns:a14="http://schemas.microsoft.com/office/drawing/2010/main" xmlns:a16="http://schemas.microsoft.com/office/drawing/2014/main" xmlns="">
-      <p:transition spd="med">
-        <p:fade/>
-      </p:transition>
-    </mc:Fallback>
-  </mc:AlternateContent>
-  <p:timing>
-    <p:tnLst>
-      <p:par>
-        <p:cTn id="1" dur="indefinite" restart="never" nodeType="tmRoot">
-          <p:childTnLst>
-            <p:seq concurrent="1" nextAc="seek">
-              <p:cTn id="2" dur="indefinite" nodeType="mainSeq">
-                <p:childTnLst>
-                  <p:par>
-                    <p:cTn id="3" fill="hold">
-                      <p:stCondLst>
-                        <p:cond delay="indefinite"/>
-                        <p:cond evt="onBegin" delay="0">
-                          <p:tn val="2"/>
-                        </p:cond>
-                      </p:stCondLst>
-                      <p:childTnLst>
-                        <p:par>
-                          <p:cTn id="4" fill="hold">
-                            <p:stCondLst>
-                              <p:cond delay="0"/>
-                            </p:stCondLst>
-                            <p:childTnLst>
-                              <p:par>
-                                <p:cTn id="5" presetID="2" presetClass="entr" presetSubtype="8" decel="100000" fill="hold" grpId="0" nodeType="withEffect">
-                                  <p:stCondLst>
-                                    <p:cond delay="0"/>
-                                  </p:stCondLst>
-                                  <p:childTnLst>
-                                    <p:set>
-                                      <p:cBhvr>
-                                        <p:cTn id="6" dur="1" fill="hold">
-                                          <p:stCondLst>
-                                            <p:cond delay="0"/>
-                                          </p:stCondLst>
-                                        </p:cTn>
-                                        <p:tgtEl>
-                                          <p:spTgt spid="5"/>
-                                        </p:tgtEl>
-                                        <p:attrNameLst>
-                                          <p:attrName>style.visibility</p:attrName>
-                                        </p:attrNameLst>
-                                      </p:cBhvr>
-                                      <p:to>
-                                        <p:strVal val="visible"/>
-                                      </p:to>
-                                    </p:set>
-                                    <p:anim calcmode="lin" valueType="num">
-                                      <p:cBhvr additive="base">
-                                        <p:cTn id="7" dur="400" fill="hold"/>
-                                        <p:tgtEl>
-                                          <p:spTgt spid="5"/>
-                                        </p:tgtEl>
-                                        <p:attrNameLst>
-                                          <p:attrName>ppt_x</p:attrName>
-                                        </p:attrNameLst>
-                                      </p:cBhvr>
-                                      <p:tavLst>
-                                        <p:tav tm="0">
-                                          <p:val>
-                                            <p:strVal val="0-#ppt_w/2"/>
-                                          </p:val>
-                                        </p:tav>
-                                        <p:tav tm="100000">
-                                          <p:val>
-                                            <p:strVal val="#ppt_x"/>
-                                          </p:val>
-                                        </p:tav>
-                                      </p:tavLst>
-                                    </p:anim>
-                                    <p:anim calcmode="lin" valueType="num">
-                                      <p:cBhvr additive="base">
-                                        <p:cTn id="8" dur="400" fill="hold"/>
-                                        <p:tgtEl>
-                                          <p:spTgt spid="5"/>
-                                        </p:tgtEl>
-                                        <p:attrNameLst>
-                                          <p:attrName>ppt_y</p:attrName>
-                                        </p:attrNameLst>
-                                      </p:cBhvr>
-                                      <p:tavLst>
-                                        <p:tav tm="0">
-                                          <p:val>
-                                            <p:strVal val="#ppt_y"/>
-                                          </p:val>
-                                        </p:tav>
-                                        <p:tav tm="100000">
-                                          <p:val>
-                                            <p:strVal val="#ppt_y"/>
-                                          </p:val>
-                                        </p:tav>
-                                      </p:tavLst>
-                                    </p:anim>
-                                  </p:childTnLst>
-                                </p:cTn>
-                              </p:par>
-                              <p:par>
-                                <p:cTn id="9" presetID="22" presetClass="entr" presetSubtype="8" fill="hold" nodeType="withEffect">
-                                  <p:stCondLst>
-                                    <p:cond delay="350"/>
-                                  </p:stCondLst>
-                                  <p:childTnLst>
-                                    <p:set>
-                                      <p:cBhvr>
-                                        <p:cTn id="10" dur="1" fill="hold">
-                                          <p:stCondLst>
-                                            <p:cond delay="0"/>
-                                          </p:stCondLst>
-                                        </p:cTn>
-                                        <p:tgtEl>
-                                          <p:spTgt spid="24"/>
-                                        </p:tgtEl>
-                                        <p:attrNameLst>
-                                          <p:attrName>style.visibility</p:attrName>
-                                        </p:attrNameLst>
-                                      </p:cBhvr>
-                                      <p:to>
-                                        <p:strVal val="visible"/>
-                                      </p:to>
-                                    </p:set>
-                                    <p:animEffect transition="in" filter="wipe(left)">
-                                      <p:cBhvr>
-                                        <p:cTn id="11" dur="500"/>
-                                        <p:tgtEl>
-                                          <p:spTgt spid="24"/>
-                                        </p:tgtEl>
-                                      </p:cBhvr>
-                                    </p:animEffect>
-                                  </p:childTnLst>
-                                </p:cTn>
-                              </p:par>
-                              <p:par>
-                                <p:cTn id="12" presetID="10" presetClass="entr" presetSubtype="0" fill="hold" grpId="0" nodeType="withEffect">
-                                  <p:stCondLst>
-                                    <p:cond delay="350"/>
-                                  </p:stCondLst>
-                                  <p:childTnLst>
-                                    <p:set>
-                                      <p:cBhvr>
-                                        <p:cTn id="13" dur="1" fill="hold">
-                                          <p:stCondLst>
-                                            <p:cond delay="0"/>
-                                          </p:stCondLst>
-                                        </p:cTn>
-                                        <p:tgtEl>
-                                          <p:spTgt spid="2"/>
-                                        </p:tgtEl>
-                                        <p:attrNameLst>
-                                          <p:attrName>style.visibility</p:attrName>
-                                        </p:attrNameLst>
-                                      </p:cBhvr>
-                                      <p:to>
-                                        <p:strVal val="visible"/>
-                                      </p:to>
-                                    </p:set>
-                                    <p:animEffect transition="in" filter="fade">
-                                      <p:cBhvr>
-                                        <p:cTn id="14" dur="500"/>
-                                        <p:tgtEl>
-                                          <p:spTgt spid="2"/>
-                                        </p:tgtEl>
-                                      </p:cBhvr>
-                                    </p:animEffect>
-                                  </p:childTnLst>
-                                </p:cTn>
-                              </p:par>
-                              <p:par>
-                                <p:cTn id="15" presetID="42" presetClass="path" presetSubtype="0" decel="100000" fill="hold" grpId="1" nodeType="withEffect">
-                                  <p:stCondLst>
-                                    <p:cond delay="350"/>
-                                  </p:stCondLst>
-                                  <p:childTnLst>
-                                    <p:animMotion origin="layout" path="M 2.62956E-6 1.45256E-7 L 2.62956E-6 0.05039 " pathEditMode="relative" rAng="0" ptsTypes="AA">
-                                      <p:cBhvr>
-                                        <p:cTn id="16" dur="500" spd="-100000" fill="hold"/>
-                                        <p:tgtEl>
-                                          <p:spTgt spid="2"/>
-                                        </p:tgtEl>
-                                        <p:attrNameLst>
-                                          <p:attrName>ppt_x</p:attrName>
-                                          <p:attrName>ppt_y</p:attrName>
-                                        </p:attrNameLst>
-                                      </p:cBhvr>
-                                      <p:rCtr x="0" y="2519"/>
-                                    </p:animMotion>
-                                  </p:childTnLst>
-                                </p:cTn>
-                              </p:par>
-                              <p:par>
-                                <p:cTn id="17" presetID="10" presetClass="entr" presetSubtype="0" fill="hold" grpId="0" nodeType="withEffect">
-                                  <p:stCondLst>
-                                    <p:cond delay="350"/>
-                                  </p:stCondLst>
-                                  <p:childTnLst>
-                                    <p:set>
-                                      <p:cBhvr>
-                                        <p:cTn id="18" dur="1" fill="hold">
-                                          <p:stCondLst>
-                                            <p:cond delay="0"/>
-                                          </p:stCondLst>
-                                        </p:cTn>
-                                        <p:tgtEl>
-                                          <p:spTgt spid="22"/>
-                                        </p:tgtEl>
-                                        <p:attrNameLst>
-                                          <p:attrName>style.visibility</p:attrName>
-                                        </p:attrNameLst>
-                                      </p:cBhvr>
-                                      <p:to>
-                                        <p:strVal val="visible"/>
-                                      </p:to>
-                                    </p:set>
-                                    <p:animEffect transition="in" filter="fade">
-                                      <p:cBhvr>
-                                        <p:cTn id="19" dur="500"/>
-                                        <p:tgtEl>
-                                          <p:spTgt spid="22"/>
-                                        </p:tgtEl>
-                                      </p:cBhvr>
-                                    </p:animEffect>
-                                  </p:childTnLst>
-                                </p:cTn>
-                              </p:par>
-                              <p:par>
-                                <p:cTn id="20" presetID="42" presetClass="path" presetSubtype="0" decel="100000" fill="hold" grpId="1" nodeType="withEffect">
-                                  <p:stCondLst>
-                                    <p:cond delay="350"/>
-                                  </p:stCondLst>
-                                  <p:childTnLst>
-                                    <p:animMotion origin="layout" path="M 3.55629E-6 4.87971E-6 L 3.55629E-6 -0.05448 " pathEditMode="relative" rAng="0" ptsTypes="AA">
-                                      <p:cBhvr>
-                                        <p:cTn id="21" dur="500" spd="-100000" fill="hold"/>
-                                        <p:tgtEl>
-                                          <p:spTgt spid="22"/>
-                                        </p:tgtEl>
-                                        <p:attrNameLst>
-                                          <p:attrName>ppt_x</p:attrName>
-                                          <p:attrName>ppt_y</p:attrName>
-                                        </p:attrNameLst>
-                                      </p:cBhvr>
-                                      <p:rCtr x="0" y="-2724"/>
-                                    </p:animMotion>
-                                  </p:childTnLst>
-                                </p:cTn>
-                              </p:par>
-                            </p:childTnLst>
-                          </p:cTn>
-                        </p:par>
-                        <p:par>
-                          <p:cTn id="22" fill="hold">
-                            <p:stCondLst>
-                              <p:cond delay="850"/>
-                            </p:stCondLst>
-                            <p:childTnLst>
-                              <p:par>
-                                <p:cTn id="23" presetID="10" presetClass="entr" presetSubtype="0" fill="hold" grpId="0" nodeType="afterEffect">
-                                  <p:stCondLst>
-                                    <p:cond delay="0"/>
-                                  </p:stCondLst>
-                                  <p:childTnLst>
-                                    <p:set>
-                                      <p:cBhvr>
-                                        <p:cTn id="24" dur="1" fill="hold">
-                                          <p:stCondLst>
-                                            <p:cond delay="0"/>
-                                          </p:stCondLst>
-                                        </p:cTn>
-                                        <p:tgtEl>
-                                          <p:spTgt spid="10"/>
-                                        </p:tgtEl>
-                                        <p:attrNameLst>
-                                          <p:attrName>style.visibility</p:attrName>
-                                        </p:attrNameLst>
-                                      </p:cBhvr>
-                                      <p:to>
-                                        <p:strVal val="visible"/>
-                                      </p:to>
-                                    </p:set>
-                                    <p:animEffect transition="in" filter="fade">
-                                      <p:cBhvr>
-                                        <p:cTn id="25" dur="500"/>
-                                        <p:tgtEl>
-                                          <p:spTgt spid="10"/>
-                                        </p:tgtEl>
-                                      </p:cBhvr>
-                                    </p:animEffect>
-                                  </p:childTnLst>
-                                </p:cTn>
-                              </p:par>
-                              <p:par>
-                                <p:cTn id="26" presetID="22" presetClass="entr" presetSubtype="1" fill="hold" nodeType="withEffect">
-                                  <p:stCondLst>
-                                    <p:cond delay="0"/>
-                                  </p:stCondLst>
-                                  <p:childTnLst>
-                                    <p:set>
-                                      <p:cBhvr>
-                                        <p:cTn id="27" dur="1" fill="hold">
-                                          <p:stCondLst>
-                                            <p:cond delay="0"/>
-                                          </p:stCondLst>
-                                        </p:cTn>
-                                        <p:tgtEl>
-                                          <p:spTgt spid="12"/>
-                                        </p:tgtEl>
-                                        <p:attrNameLst>
-                                          <p:attrName>style.visibility</p:attrName>
-                                        </p:attrNameLst>
-                                      </p:cBhvr>
-                                      <p:to>
-                                        <p:strVal val="visible"/>
-                                      </p:to>
-                                    </p:set>
-                                    <p:animEffect transition="in" filter="wipe(up)">
-                                      <p:cBhvr>
-                                        <p:cTn id="28" dur="500"/>
-                                        <p:tgtEl>
-                                          <p:spTgt spid="12"/>
-                                        </p:tgtEl>
-                                      </p:cBhvr>
-                                    </p:animEffect>
-                                  </p:childTnLst>
-                                </p:cTn>
-                              </p:par>
-                              <p:par>
-                                <p:cTn id="29" presetID="53" presetClass="entr" presetSubtype="16" fill="hold" nodeType="withEffect">
-                                  <p:stCondLst>
-                                    <p:cond delay="0"/>
-                                  </p:stCondLst>
-                                  <p:childTnLst>
-                                    <p:set>
-                                      <p:cBhvr>
-                                        <p:cTn id="30" dur="1" fill="hold">
-                                          <p:stCondLst>
-                                            <p:cond delay="0"/>
-                                          </p:stCondLst>
-                                        </p:cTn>
-                                        <p:tgtEl>
-                                          <p:spTgt spid="27"/>
-                                        </p:tgtEl>
-                                        <p:attrNameLst>
-                                          <p:attrName>style.visibility</p:attrName>
-                                        </p:attrNameLst>
-                                      </p:cBhvr>
-                                      <p:to>
-                                        <p:strVal val="visible"/>
-                                      </p:to>
-                                    </p:set>
-                                    <p:anim calcmode="lin" valueType="num">
-                                      <p:cBhvr>
-                                        <p:cTn id="31" dur="350" fill="hold"/>
-                                        <p:tgtEl>
-                                          <p:spTgt spid="27"/>
-                                        </p:tgtEl>
-                                        <p:attrNameLst>
-                                          <p:attrName>ppt_w</p:attrName>
-                                        </p:attrNameLst>
-                                      </p:cBhvr>
-                                      <p:tavLst>
-                                        <p:tav tm="0">
-                                          <p:val>
-                                            <p:fltVal val="0"/>
-                                          </p:val>
-                                        </p:tav>
-                                        <p:tav tm="100000">
-                                          <p:val>
-                                            <p:strVal val="#ppt_w"/>
-                                          </p:val>
-                                        </p:tav>
-                                      </p:tavLst>
-                                    </p:anim>
-                                    <p:anim calcmode="lin" valueType="num">
-                                      <p:cBhvr>
-                                        <p:cTn id="32" dur="350" fill="hold"/>
-                                        <p:tgtEl>
-                                          <p:spTgt spid="27"/>
-                                        </p:tgtEl>
-                                        <p:attrNameLst>
-                                          <p:attrName>ppt_h</p:attrName>
-                                        </p:attrNameLst>
-                                      </p:cBhvr>
-                                      <p:tavLst>
-                                        <p:tav tm="0">
-                                          <p:val>
-                                            <p:fltVal val="0"/>
-                                          </p:val>
-                                        </p:tav>
-                                        <p:tav tm="100000">
-                                          <p:val>
-                                            <p:strVal val="#ppt_h"/>
-                                          </p:val>
-                                        </p:tav>
-                                      </p:tavLst>
-                                    </p:anim>
-                                    <p:animEffect transition="in" filter="fade">
-                                      <p:cBhvr>
-                                        <p:cTn id="33" dur="350"/>
-                                        <p:tgtEl>
-                                          <p:spTgt spid="27"/>
-                                        </p:tgtEl>
-                                      </p:cBhvr>
-                                    </p:animEffect>
-                                  </p:childTnLst>
-                                </p:cTn>
-                              </p:par>
-                              <p:par>
-                                <p:cTn id="34" presetID="10" presetClass="entr" presetSubtype="0" fill="hold" grpId="0" nodeType="withEffect">
-                                  <p:stCondLst>
-                                    <p:cond delay="0"/>
-                                  </p:stCondLst>
-                                  <p:childTnLst>
-                                    <p:set>
-                                      <p:cBhvr>
-                                        <p:cTn id="35" dur="1" fill="hold">
-                                          <p:stCondLst>
-                                            <p:cond delay="0"/>
-                                          </p:stCondLst>
-                                        </p:cTn>
-                                        <p:tgtEl>
-                                          <p:spTgt spid="6"/>
-                                        </p:tgtEl>
-                                        <p:attrNameLst>
-                                          <p:attrName>style.visibility</p:attrName>
-                                        </p:attrNameLst>
-                                      </p:cBhvr>
-                                      <p:to>
-                                        <p:strVal val="visible"/>
-                                      </p:to>
-                                    </p:set>
-                                    <p:animEffect transition="in" filter="fade">
-                                      <p:cBhvr>
-                                        <p:cTn id="36" dur="500"/>
-                                        <p:tgtEl>
-                                          <p:spTgt spid="6"/>
-                                        </p:tgtEl>
-                                      </p:cBhvr>
-                                    </p:animEffect>
-                                  </p:childTnLst>
-                                </p:cTn>
-                              </p:par>
-                              <p:par>
-                                <p:cTn id="37" presetID="42" presetClass="path" presetSubtype="0" decel="100000" fill="hold" grpId="1" nodeType="withEffect">
-                                  <p:stCondLst>
-                                    <p:cond delay="0"/>
-                                  </p:stCondLst>
-                                  <p:childTnLst>
-                                    <p:animMotion origin="layout" path="M 4.18943E-6 3.5951E-6 L -0.03677 3.5951E-6 " pathEditMode="relative" rAng="0" ptsTypes="AA">
-                                      <p:cBhvr>
-                                        <p:cTn id="38" dur="500" spd="-100000" fill="hold"/>
-                                        <p:tgtEl>
-                                          <p:spTgt spid="6"/>
-                                        </p:tgtEl>
-                                        <p:attrNameLst>
-                                          <p:attrName>ppt_x</p:attrName>
-                                          <p:attrName>ppt_y</p:attrName>
-                                        </p:attrNameLst>
-                                      </p:cBhvr>
-                                      <p:rCtr x="-1838" y="0"/>
-                                    </p:animMotion>
-                                  </p:childTnLst>
-                                </p:cTn>
-                              </p:par>
-                              <p:par>
-                                <p:cTn id="39" presetID="53" presetClass="entr" presetSubtype="16" fill="hold" nodeType="withEffect">
-                                  <p:stCondLst>
-                                    <p:cond delay="300"/>
-                                  </p:stCondLst>
-                                  <p:childTnLst>
-                                    <p:set>
-                                      <p:cBhvr>
-                                        <p:cTn id="40" dur="1" fill="hold">
-                                          <p:stCondLst>
-                                            <p:cond delay="0"/>
-                                          </p:stCondLst>
-                                        </p:cTn>
-                                        <p:tgtEl>
-                                          <p:spTgt spid="26"/>
-                                        </p:tgtEl>
-                                        <p:attrNameLst>
-                                          <p:attrName>style.visibility</p:attrName>
-                                        </p:attrNameLst>
-                                      </p:cBhvr>
-                                      <p:to>
-                                        <p:strVal val="visible"/>
-                                      </p:to>
-                                    </p:set>
-                                    <p:anim calcmode="lin" valueType="num">
-                                      <p:cBhvr>
-                                        <p:cTn id="41" dur="350" fill="hold"/>
-                                        <p:tgtEl>
-                                          <p:spTgt spid="26"/>
-                                        </p:tgtEl>
-                                        <p:attrNameLst>
-                                          <p:attrName>ppt_w</p:attrName>
-                                        </p:attrNameLst>
-                                      </p:cBhvr>
-                                      <p:tavLst>
-                                        <p:tav tm="0">
-                                          <p:val>
-                                            <p:fltVal val="0"/>
-                                          </p:val>
-                                        </p:tav>
-                                        <p:tav tm="100000">
-                                          <p:val>
-                                            <p:strVal val="#ppt_w"/>
-                                          </p:val>
-                                        </p:tav>
-                                      </p:tavLst>
-                                    </p:anim>
-                                    <p:anim calcmode="lin" valueType="num">
-                                      <p:cBhvr>
-                                        <p:cTn id="42" dur="350" fill="hold"/>
-                                        <p:tgtEl>
-                                          <p:spTgt spid="26"/>
-                                        </p:tgtEl>
-                                        <p:attrNameLst>
-                                          <p:attrName>ppt_h</p:attrName>
-                                        </p:attrNameLst>
-                                      </p:cBhvr>
-                                      <p:tavLst>
-                                        <p:tav tm="0">
-                                          <p:val>
-                                            <p:fltVal val="0"/>
-                                          </p:val>
-                                        </p:tav>
-                                        <p:tav tm="100000">
-                                          <p:val>
-                                            <p:strVal val="#ppt_h"/>
-                                          </p:val>
-                                        </p:tav>
-                                      </p:tavLst>
-                                    </p:anim>
-                                    <p:animEffect transition="in" filter="fade">
-                                      <p:cBhvr>
-                                        <p:cTn id="43" dur="350"/>
-                                        <p:tgtEl>
-                                          <p:spTgt spid="26"/>
-                                        </p:tgtEl>
-                                      </p:cBhvr>
-                                    </p:animEffect>
-                                  </p:childTnLst>
-                                </p:cTn>
-                              </p:par>
-                              <p:par>
-                                <p:cTn id="44" presetID="10" presetClass="entr" presetSubtype="0" fill="hold" grpId="0" nodeType="withEffect">
-                                  <p:stCondLst>
-                                    <p:cond delay="300"/>
-                                  </p:stCondLst>
-                                  <p:childTnLst>
-                                    <p:set>
-                                      <p:cBhvr>
-                                        <p:cTn id="45" dur="1" fill="hold">
-                                          <p:stCondLst>
-                                            <p:cond delay="0"/>
-                                          </p:stCondLst>
-                                        </p:cTn>
-                                        <p:tgtEl>
-                                          <p:spTgt spid="3"/>
-                                        </p:tgtEl>
-                                        <p:attrNameLst>
-                                          <p:attrName>style.visibility</p:attrName>
-                                        </p:attrNameLst>
-                                      </p:cBhvr>
-                                      <p:to>
-                                        <p:strVal val="visible"/>
-                                      </p:to>
-                                    </p:set>
-                                    <p:animEffect transition="in" filter="fade">
-                                      <p:cBhvr>
-                                        <p:cTn id="46" dur="500"/>
-                                        <p:tgtEl>
-                                          <p:spTgt spid="3"/>
-                                        </p:tgtEl>
-                                      </p:cBhvr>
-                                    </p:animEffect>
-                                  </p:childTnLst>
-                                </p:cTn>
-                              </p:par>
-                              <p:par>
-                                <p:cTn id="47" presetID="42" presetClass="path" presetSubtype="0" decel="100000" fill="hold" grpId="1" nodeType="withEffect">
-                                  <p:stCondLst>
-                                    <p:cond delay="300"/>
-                                  </p:stCondLst>
-                                  <p:childTnLst>
-                                    <p:animMotion origin="layout" path="M -4.30687E-6 -3.40899E-6 L -0.03676 -3.40899E-6 " pathEditMode="relative" rAng="0" ptsTypes="AA">
-                                      <p:cBhvr>
-                                        <p:cTn id="48" dur="500" spd="-100000" fill="hold"/>
-                                        <p:tgtEl>
-                                          <p:spTgt spid="3"/>
-                                        </p:tgtEl>
-                                        <p:attrNameLst>
-                                          <p:attrName>ppt_x</p:attrName>
-                                          <p:attrName>ppt_y</p:attrName>
-                                        </p:attrNameLst>
-                                      </p:cBhvr>
-                                      <p:rCtr x="-1838" y="0"/>
-                                    </p:animMotion>
-                                  </p:childTnLst>
-                                </p:cTn>
-                              </p:par>
-                            </p:childTnLst>
-                          </p:cTn>
-                        </p:par>
-                      </p:childTnLst>
-                    </p:cTn>
-                  </p:par>
-                </p:childTnLst>
-              </p:cTn>
-              <p:prevCondLst>
-                <p:cond evt="onPrev" delay="0">
-                  <p:tgtEl>
-                    <p:sldTgt/>
-                  </p:tgtEl>
-                </p:cond>
-              </p:prevCondLst>
-              <p:nextCondLst>
-                <p:cond evt="onNext" delay="0">
-                  <p:tgtEl>
-                    <p:sldTgt/>
-                  </p:tgtEl>
-                </p:cond>
-              </p:nextCondLst>
-            </p:seq>
-          </p:childTnLst>
-        </p:cTn>
-      </p:par>
-    </p:tnLst>
-    <p:bldLst>
-      <p:bldP spid="5" grpId="0" animBg="1"/>
-      <p:bldP spid="3" grpId="0"/>
-      <p:bldP spid="3" grpId="1"/>
-      <p:bldP spid="2" grpId="0"/>
-      <p:bldP spid="2" grpId="1"/>
-      <p:bldP spid="10" grpId="0"/>
-      <p:bldP spid="6" grpId="0"/>
-      <p:bldP spid="6" grpId="1"/>
-      <p:bldP spid="22" grpId="0"/>
-      <p:bldP spid="22" grpId="1"/>
-    </p:bldLst>
-  </p:timing>
+  <p:transition>
+    <p:fade/>
+  </p:transition>
 </p:sld>
 </file>
 
@@ -30902,7 +28764,7 @@
         <p:fade/>
       </p:transition>
     </mc:Choice>
-    <mc:Fallback xmlns:a14="http://schemas.microsoft.com/office/drawing/2010/main" xmlns:a16="http://schemas.microsoft.com/office/drawing/2014/main" xmlns="">
+    <mc:Fallback xmlns="" xmlns:a16="http://schemas.microsoft.com/office/drawing/2014/main" xmlns:a14="http://schemas.microsoft.com/office/drawing/2010/main">
       <p:transition spd="med">
         <p:fade/>
       </p:transition>
@@ -31205,7 +29067,7 @@
         <p:fade/>
       </p:transition>
     </mc:Choice>
-    <mc:Fallback xmlns:a16="http://schemas.microsoft.com/office/drawing/2014/main" xmlns="">
+    <mc:Fallback xmlns="" xmlns:a16="http://schemas.microsoft.com/office/drawing/2014/main">
       <p:transition spd="med">
         <p:fade/>
       </p:transition>
@@ -35899,18 +33761,18 @@
 <file path=customXml/itemProps1.xml><?xml version="1.0" encoding="utf-8"?>
 <ds:datastoreItem xmlns:ds="http://schemas.openxmlformats.org/officeDocument/2006/customXml" ds:itemID="{F990F116-B58F-4255-B05B-DA3808E0E5C6}">
   <ds:schemaRefs>
-    <ds:schemaRef ds:uri="e889e55c-35cf-43c7-aaf4-cf2500919dd8"/>
-    <ds:schemaRef ds:uri="http://schemas.microsoft.com/office/2006/documentManagement/types"/>
-    <ds:schemaRef ds:uri="http://purl.org/dc/elements/1.1/"/>
     <ds:schemaRef ds:uri="http://schemas.microsoft.com/office/2006/metadata/properties"/>
+    <ds:schemaRef ds:uri="230e9df3-be65-4c73-a93b-d1236ebd677e"/>
     <ds:schemaRef ds:uri="http://schemas.microsoft.com/sharepoint/v3"/>
     <ds:schemaRef ds:uri="http://purl.org/dc/terms/"/>
+    <ds:schemaRef ds:uri="http://schemas.openxmlformats.org/package/2006/metadata/core-properties"/>
+    <ds:schemaRef ds:uri="http://schemas.microsoft.com/office/2006/documentManagement/types"/>
     <ds:schemaRef ds:uri="http://schemas.microsoft.com/office/infopath/2007/PartnerControls"/>
-    <ds:schemaRef ds:uri="http://schemas.openxmlformats.org/package/2006/metadata/core-properties"/>
-    <ds:schemaRef ds:uri="http://purl.org/dc/dcmitype/"/>
-    <ds:schemaRef ds:uri="230e9df3-be65-4c73-a93b-d1236ebd677e"/>
+    <ds:schemaRef ds:uri="e889e55c-35cf-43c7-aaf4-cf2500919dd8"/>
+    <ds:schemaRef ds:uri="http://purl.org/dc/elements/1.1/"/>
     <ds:schemaRef ds:uri="04e01bb1-6d80-42e9-ae53-416b1e8aa845"/>
     <ds:schemaRef ds:uri="http://www.w3.org/XML/1998/namespace"/>
+    <ds:schemaRef ds:uri="http://purl.org/dc/dcmitype/"/>
   </ds:schemaRefs>
 </ds:datastoreItem>
 </file>
